--- a/Projeto - SPTrans.pptx
+++ b/Projeto - SPTrans.pptx
@@ -5,13 +5,15 @@
     <p:sldMasterId id="2147483648" r:id="rId1"/>
   </p:sldMasterIdLst>
   <p:notesMasterIdLst>
-    <p:notesMasterId r:id="rId6"/>
+    <p:notesMasterId r:id="rId8"/>
   </p:notesMasterIdLst>
   <p:sldIdLst>
     <p:sldId id="257" r:id="rId2"/>
-    <p:sldId id="256" r:id="rId3"/>
-    <p:sldId id="258" r:id="rId4"/>
+    <p:sldId id="261" r:id="rId3"/>
+    <p:sldId id="262" r:id="rId4"/>
     <p:sldId id="260" r:id="rId5"/>
+    <p:sldId id="256" r:id="rId6"/>
+    <p:sldId id="258" r:id="rId7"/>
   </p:sldIdLst>
   <p:sldSz cx="12192000" cy="6858000"/>
   <p:notesSz cx="6858000" cy="9144000"/>
@@ -110,6 +112,11 @@
       </a:defRPr>
     </a:lvl9pPr>
   </p:defaultTextStyle>
+  <p:extLst>
+    <p:ext uri="{EFAFB233-063F-42B5-8137-9DF3F51BA10A}">
+      <p15:sldGuideLst xmlns:p15="http://schemas.microsoft.com/office/powerpoint/2012/main"/>
+    </p:ext>
+  </p:extLst>
 </p:presentation>
 </file>
 
@@ -119,6 +126,2078 @@
     <p1510:client id="{BD9F41D7-F7A8-4A9E-8757-C842AC2DCDFA}" v="49" dt="2024-11-10T21:49:14.146"/>
   </p1510:revLst>
 </p1510:revInfo>
+</file>
+
+<file path=ppt/charts/chart1.xml><?xml version="1.0" encoding="utf-8"?>
+<c:chartSpace xmlns:c="http://schemas.openxmlformats.org/drawingml/2006/chart" xmlns:a="http://schemas.openxmlformats.org/drawingml/2006/main" xmlns:r="http://schemas.openxmlformats.org/officeDocument/2006/relationships" xmlns:c16r2="http://schemas.microsoft.com/office/drawing/2015/06/chart">
+  <c:date1904 val="0"/>
+  <c:lang val="pt-BR"/>
+  <c:roundedCorners val="0"/>
+  <mc:AlternateContent xmlns:mc="http://schemas.openxmlformats.org/markup-compatibility/2006">
+    <mc:Choice xmlns:c14="http://schemas.microsoft.com/office/drawing/2007/8/2/chart" Requires="c14">
+      <c14:style val="102"/>
+    </mc:Choice>
+    <mc:Fallback>
+      <c:style val="2"/>
+    </mc:Fallback>
+  </mc:AlternateContent>
+  <c:clrMapOvr bg1="lt1" tx1="dk1" bg2="lt2" tx2="dk2" accent1="accent1" accent2="accent2" accent3="accent3" accent4="accent4" accent5="accent5" accent6="accent6" hlink="hlink" folHlink="folHlink"/>
+  <c:chart>
+    <c:title>
+      <c:tx>
+        <c:rich>
+          <a:bodyPr rot="0" spcFirstLastPara="1" vertOverflow="ellipsis" vert="horz" wrap="square" anchor="ctr" anchorCtr="1"/>
+          <a:lstStyle/>
+          <a:p>
+            <a:pPr>
+              <a:defRPr sz="1400" b="0" i="0" u="none" strike="noStrike" kern="1200" spc="0" baseline="0">
+                <a:solidFill>
+                  <a:schemeClr val="tx1">
+                    <a:lumMod val="65000"/>
+                    <a:lumOff val="35000"/>
+                  </a:schemeClr>
+                </a:solidFill>
+                <a:latin typeface="+mn-lt"/>
+                <a:ea typeface="+mn-ea"/>
+                <a:cs typeface="+mn-cs"/>
+              </a:defRPr>
+            </a:pPr>
+            <a:r>
+              <a:rPr lang="en-US"/>
+              <a:t>Passageiro</a:t>
+            </a:r>
+            <a:r>
+              <a:rPr lang="en-US" baseline="0"/>
+              <a:t> Transportados SPTrans</a:t>
+            </a:r>
+          </a:p>
+          <a:p>
+            <a:pPr>
+              <a:defRPr/>
+            </a:pPr>
+            <a:r>
+              <a:rPr lang="en-US" sz="900" baseline="0"/>
+              <a:t>Todas os passageiros de são paulo  nos anos 2003 - 2024</a:t>
+            </a:r>
+          </a:p>
+        </c:rich>
+      </c:tx>
+      <c:layout>
+        <c:manualLayout>
+          <c:xMode val="edge"/>
+          <c:yMode val="edge"/>
+          <c:x val="0.16498674745299571"/>
+          <c:y val="6.4814913469002575E-2"/>
+        </c:manualLayout>
+      </c:layout>
+      <c:overlay val="0"/>
+      <c:spPr>
+        <a:noFill/>
+        <a:ln>
+          <a:noFill/>
+        </a:ln>
+        <a:effectLst/>
+      </c:spPr>
+      <c:txPr>
+        <a:bodyPr rot="0" spcFirstLastPara="1" vertOverflow="ellipsis" vert="horz" wrap="square" anchor="ctr" anchorCtr="1"/>
+        <a:lstStyle/>
+        <a:p>
+          <a:pPr>
+            <a:defRPr sz="1400" b="0" i="0" u="none" strike="noStrike" kern="1200" spc="0" baseline="0">
+              <a:solidFill>
+                <a:schemeClr val="tx1">
+                  <a:lumMod val="65000"/>
+                  <a:lumOff val="35000"/>
+                </a:schemeClr>
+              </a:solidFill>
+              <a:latin typeface="+mn-lt"/>
+              <a:ea typeface="+mn-ea"/>
+              <a:cs typeface="+mn-cs"/>
+            </a:defRPr>
+          </a:pPr>
+          <a:endParaRPr lang="pt-BR"/>
+        </a:p>
+      </c:txPr>
+    </c:title>
+    <c:autoTitleDeleted val="0"/>
+    <c:plotArea>
+      <c:layout>
+        <c:manualLayout>
+          <c:layoutTarget val="inner"/>
+          <c:xMode val="edge"/>
+          <c:yMode val="edge"/>
+          <c:x val="6.8353083881055959E-2"/>
+          <c:y val="0.23706753527450955"/>
+          <c:w val="0.91255181924775375"/>
+          <c:h val="0.6704013560804899"/>
+        </c:manualLayout>
+      </c:layout>
+      <c:barChart>
+        <c:barDir val="col"/>
+        <c:grouping val="clustered"/>
+        <c:varyColors val="0"/>
+        <c:ser>
+          <c:idx val="0"/>
+          <c:order val="0"/>
+          <c:tx>
+            <c:strRef>
+              <c:f>Planilha1!$G$3</c:f>
+              <c:strCache>
+                <c:ptCount val="1"/>
+                <c:pt idx="0">
+                  <c:v>Num. Passageiros Transportados</c:v>
+                </c:pt>
+              </c:strCache>
+            </c:strRef>
+          </c:tx>
+          <c:spPr>
+            <a:solidFill>
+              <a:schemeClr val="bg2">
+                <a:lumMod val="50000"/>
+              </a:schemeClr>
+            </a:solidFill>
+            <a:ln>
+              <a:noFill/>
+            </a:ln>
+            <a:effectLst/>
+          </c:spPr>
+          <c:invertIfNegative val="0"/>
+          <c:dLbls>
+            <c:spPr>
+              <a:noFill/>
+              <a:ln>
+                <a:noFill/>
+              </a:ln>
+              <a:effectLst/>
+            </c:spPr>
+            <c:txPr>
+              <a:bodyPr rot="0" spcFirstLastPara="1" vertOverflow="ellipsis" vert="horz" wrap="square" lIns="38100" tIns="19050" rIns="38100" bIns="19050" anchor="ctr" anchorCtr="1">
+                <a:spAutoFit/>
+              </a:bodyPr>
+              <a:lstStyle/>
+              <a:p>
+                <a:pPr>
+                  <a:defRPr sz="900" b="0" i="0" u="none" strike="noStrike" kern="1200" baseline="0">
+                    <a:solidFill>
+                      <a:schemeClr val="tx1">
+                        <a:lumMod val="75000"/>
+                        <a:lumOff val="25000"/>
+                      </a:schemeClr>
+                    </a:solidFill>
+                    <a:latin typeface="+mn-lt"/>
+                    <a:ea typeface="+mn-ea"/>
+                    <a:cs typeface="+mn-cs"/>
+                  </a:defRPr>
+                </a:pPr>
+                <a:endParaRPr lang="pt-BR"/>
+              </a:p>
+            </c:txPr>
+            <c:dLblPos val="outEnd"/>
+            <c:showLegendKey val="0"/>
+            <c:showVal val="1"/>
+            <c:showCatName val="0"/>
+            <c:showSerName val="0"/>
+            <c:showPercent val="0"/>
+            <c:showBubbleSize val="0"/>
+            <c:showLeaderLines val="0"/>
+            <c:extLst>
+              <c:ext xmlns:c15="http://schemas.microsoft.com/office/drawing/2012/chart" uri="{CE6537A1-D6FC-4f65-9D91-7224C49458BB}">
+                <c15:showLeaderLines val="1"/>
+                <c15:leaderLines>
+                  <c:spPr>
+                    <a:ln w="9525" cap="flat" cmpd="sng" algn="ctr">
+                      <a:solidFill>
+                        <a:schemeClr val="tx1">
+                          <a:lumMod val="35000"/>
+                          <a:lumOff val="65000"/>
+                        </a:schemeClr>
+                      </a:solidFill>
+                      <a:round/>
+                    </a:ln>
+                    <a:effectLst/>
+                  </c:spPr>
+                </c15:leaderLines>
+              </c:ext>
+            </c:extLst>
+          </c:dLbls>
+          <c:cat>
+            <c:numRef>
+              <c:f>Planilha1!$F$4:$F$15</c:f>
+              <c:numCache>
+                <c:formatCode>General</c:formatCode>
+                <c:ptCount val="12"/>
+                <c:pt idx="0">
+                  <c:v>2003</c:v>
+                </c:pt>
+                <c:pt idx="1">
+                  <c:v>2005</c:v>
+                </c:pt>
+                <c:pt idx="2">
+                  <c:v>2007</c:v>
+                </c:pt>
+                <c:pt idx="3">
+                  <c:v>2009</c:v>
+                </c:pt>
+                <c:pt idx="4">
+                  <c:v>2011</c:v>
+                </c:pt>
+                <c:pt idx="5">
+                  <c:v>2013</c:v>
+                </c:pt>
+                <c:pt idx="6">
+                  <c:v>2015</c:v>
+                </c:pt>
+                <c:pt idx="7">
+                  <c:v>2017</c:v>
+                </c:pt>
+                <c:pt idx="8">
+                  <c:v>2019</c:v>
+                </c:pt>
+                <c:pt idx="9">
+                  <c:v>2021</c:v>
+                </c:pt>
+                <c:pt idx="10">
+                  <c:v>2023</c:v>
+                </c:pt>
+                <c:pt idx="11">
+                  <c:v>2024</c:v>
+                </c:pt>
+              </c:numCache>
+            </c:numRef>
+          </c:cat>
+          <c:val>
+            <c:numRef>
+              <c:f>Planilha1!$G$4:$G$15</c:f>
+              <c:numCache>
+                <c:formatCode>_-* #,##0.0_-;\-* #,##0.0_-;_-* "-"??_-;_-@_-</c:formatCode>
+                <c:ptCount val="12"/>
+                <c:pt idx="0">
+                  <c:v>5.8484249300000002</c:v>
+                </c:pt>
+                <c:pt idx="1">
+                  <c:v>5.841753261</c:v>
+                </c:pt>
+                <c:pt idx="2">
+                  <c:v>5.7914169160000002</c:v>
+                </c:pt>
+                <c:pt idx="3">
+                  <c:v>5.8306880220000004</c:v>
+                </c:pt>
+                <c:pt idx="4">
+                  <c:v>5.7285426140000002</c:v>
+                </c:pt>
+                <c:pt idx="5">
+                  <c:v>5.597831244</c:v>
+                </c:pt>
+                <c:pt idx="6">
+                  <c:v>5.2763815279999999</c:v>
+                </c:pt>
+                <c:pt idx="7">
+                  <c:v>3.1265053620000001</c:v>
+                </c:pt>
+                <c:pt idx="8">
+                  <c:v>3.3490550259999998</c:v>
+                </c:pt>
+                <c:pt idx="9">
+                  <c:v>4.1004070400000003</c:v>
+                </c:pt>
+                <c:pt idx="10">
+                  <c:v>4.1627671519999998</c:v>
+                </c:pt>
+                <c:pt idx="11">
+                  <c:v>3.6258756679999999</c:v>
+                </c:pt>
+              </c:numCache>
+            </c:numRef>
+          </c:val>
+          <c:extLst>
+            <c:ext xmlns:c16="http://schemas.microsoft.com/office/drawing/2014/chart" uri="{C3380CC4-5D6E-409C-BE32-E72D297353CC}">
+              <c16:uniqueId val="{00000000-2FE3-4209-BB32-D36BC4629957}"/>
+            </c:ext>
+          </c:extLst>
+        </c:ser>
+        <c:dLbls>
+          <c:showLegendKey val="0"/>
+          <c:showVal val="0"/>
+          <c:showCatName val="0"/>
+          <c:showSerName val="0"/>
+          <c:showPercent val="0"/>
+          <c:showBubbleSize val="0"/>
+        </c:dLbls>
+        <c:gapWidth val="50"/>
+        <c:overlap val="-27"/>
+        <c:axId val="517396960"/>
+        <c:axId val="517398880"/>
+      </c:barChart>
+      <c:catAx>
+        <c:axId val="517396960"/>
+        <c:scaling>
+          <c:orientation val="minMax"/>
+        </c:scaling>
+        <c:delete val="0"/>
+        <c:axPos val="b"/>
+        <c:numFmt formatCode="General" sourceLinked="1"/>
+        <c:majorTickMark val="none"/>
+        <c:minorTickMark val="none"/>
+        <c:tickLblPos val="nextTo"/>
+        <c:spPr>
+          <a:noFill/>
+          <a:ln w="9525" cap="flat" cmpd="sng" algn="ctr">
+            <a:solidFill>
+              <a:schemeClr val="tx1">
+                <a:lumMod val="15000"/>
+                <a:lumOff val="85000"/>
+              </a:schemeClr>
+            </a:solidFill>
+            <a:round/>
+          </a:ln>
+          <a:effectLst/>
+        </c:spPr>
+        <c:txPr>
+          <a:bodyPr rot="-60000000" spcFirstLastPara="1" vertOverflow="ellipsis" vert="horz" wrap="square" anchor="ctr" anchorCtr="1"/>
+          <a:lstStyle/>
+          <a:p>
+            <a:pPr>
+              <a:defRPr sz="900" b="0" i="0" u="none" strike="noStrike" kern="1200" baseline="0">
+                <a:solidFill>
+                  <a:schemeClr val="tx1">
+                    <a:lumMod val="65000"/>
+                    <a:lumOff val="35000"/>
+                  </a:schemeClr>
+                </a:solidFill>
+                <a:latin typeface="+mn-lt"/>
+                <a:ea typeface="+mn-ea"/>
+                <a:cs typeface="+mn-cs"/>
+              </a:defRPr>
+            </a:pPr>
+            <a:endParaRPr lang="pt-BR"/>
+          </a:p>
+        </c:txPr>
+        <c:crossAx val="517398880"/>
+        <c:crosses val="autoZero"/>
+        <c:auto val="1"/>
+        <c:lblAlgn val="ctr"/>
+        <c:lblOffset val="100"/>
+        <c:noMultiLvlLbl val="0"/>
+      </c:catAx>
+      <c:valAx>
+        <c:axId val="517398880"/>
+        <c:scaling>
+          <c:orientation val="minMax"/>
+        </c:scaling>
+        <c:delete val="1"/>
+        <c:axPos val="l"/>
+        <c:numFmt formatCode="_-* #,##0.0_-;\-* #,##0.0_-;_-* &quot;-&quot;??_-;_-@_-" sourceLinked="1"/>
+        <c:majorTickMark val="none"/>
+        <c:minorTickMark val="none"/>
+        <c:tickLblPos val="nextTo"/>
+        <c:crossAx val="517396960"/>
+        <c:crosses val="autoZero"/>
+        <c:crossBetween val="between"/>
+      </c:valAx>
+      <c:spPr>
+        <a:noFill/>
+        <a:ln>
+          <a:noFill/>
+        </a:ln>
+        <a:effectLst/>
+      </c:spPr>
+    </c:plotArea>
+    <c:plotVisOnly val="1"/>
+    <c:dispBlanksAs val="gap"/>
+    <c:extLst>
+      <c:ext xmlns:c16r3="http://schemas.microsoft.com/office/drawing/2017/03/chart" uri="{56B9EC1D-385E-4148-901F-78D8002777C0}">
+        <c16r3:dataDisplayOptions16>
+          <c16r3:dispNaAsBlank val="1"/>
+        </c16r3:dataDisplayOptions16>
+      </c:ext>
+    </c:extLst>
+    <c:showDLblsOverMax val="0"/>
+  </c:chart>
+  <c:spPr>
+    <a:noFill/>
+    <a:ln>
+      <a:noFill/>
+    </a:ln>
+    <a:effectLst/>
+  </c:spPr>
+  <c:txPr>
+    <a:bodyPr/>
+    <a:lstStyle/>
+    <a:p>
+      <a:pPr>
+        <a:defRPr/>
+      </a:pPr>
+      <a:endParaRPr lang="pt-BR"/>
+    </a:p>
+  </c:txPr>
+  <c:externalData r:id="rId4">
+    <c:autoUpdate val="0"/>
+  </c:externalData>
+</c:chartSpace>
+</file>
+
+<file path=ppt/charts/chart2.xml><?xml version="1.0" encoding="utf-8"?>
+<c:chartSpace xmlns:c="http://schemas.openxmlformats.org/drawingml/2006/chart" xmlns:a="http://schemas.openxmlformats.org/drawingml/2006/main" xmlns:r="http://schemas.openxmlformats.org/officeDocument/2006/relationships" xmlns:c16r2="http://schemas.microsoft.com/office/drawing/2015/06/chart">
+  <c:date1904 val="0"/>
+  <c:lang val="pt-BR"/>
+  <c:roundedCorners val="0"/>
+  <mc:AlternateContent xmlns:mc="http://schemas.openxmlformats.org/markup-compatibility/2006">
+    <mc:Choice xmlns:c14="http://schemas.microsoft.com/office/drawing/2007/8/2/chart" Requires="c14">
+      <c14:style val="102"/>
+    </mc:Choice>
+    <mc:Fallback>
+      <c:style val="2"/>
+    </mc:Fallback>
+  </mc:AlternateContent>
+  <c:clrMapOvr bg1="lt1" tx1="dk1" bg2="lt2" tx2="dk2" accent1="accent1" accent2="accent2" accent3="accent3" accent4="accent4" accent5="accent5" accent6="accent6" hlink="hlink" folHlink="folHlink"/>
+  <c:chart>
+    <c:title>
+      <c:tx>
+        <c:rich>
+          <a:bodyPr rot="0" spcFirstLastPara="1" vertOverflow="ellipsis" vert="horz" wrap="square" anchor="ctr" anchorCtr="1"/>
+          <a:lstStyle/>
+          <a:p>
+            <a:pPr>
+              <a:defRPr sz="1400" b="0" i="0" u="none" strike="noStrike" kern="1200" spc="0" baseline="0">
+                <a:solidFill>
+                  <a:schemeClr val="tx1">
+                    <a:lumMod val="65000"/>
+                    <a:lumOff val="35000"/>
+                  </a:schemeClr>
+                </a:solidFill>
+                <a:latin typeface="+mn-lt"/>
+                <a:ea typeface="+mn-ea"/>
+                <a:cs typeface="+mn-cs"/>
+              </a:defRPr>
+            </a:pPr>
+            <a:r>
+              <a:rPr lang="en-US"/>
+              <a:t>Passageiro</a:t>
+            </a:r>
+            <a:r>
+              <a:rPr lang="en-US" baseline="0"/>
+              <a:t> Transportados SPTrans</a:t>
+            </a:r>
+          </a:p>
+          <a:p>
+            <a:pPr>
+              <a:defRPr/>
+            </a:pPr>
+            <a:r>
+              <a:rPr lang="en-US" sz="900" baseline="0"/>
+              <a:t>Todas os passageiros de são paulo  nos anos 2003 - 2024</a:t>
+            </a:r>
+          </a:p>
+        </c:rich>
+      </c:tx>
+      <c:layout>
+        <c:manualLayout>
+          <c:xMode val="edge"/>
+          <c:yMode val="edge"/>
+          <c:x val="0.16498674745299571"/>
+          <c:y val="6.4814913469002575E-2"/>
+        </c:manualLayout>
+      </c:layout>
+      <c:overlay val="0"/>
+      <c:spPr>
+        <a:noFill/>
+        <a:ln>
+          <a:noFill/>
+        </a:ln>
+        <a:effectLst/>
+      </c:spPr>
+      <c:txPr>
+        <a:bodyPr rot="0" spcFirstLastPara="1" vertOverflow="ellipsis" vert="horz" wrap="square" anchor="ctr" anchorCtr="1"/>
+        <a:lstStyle/>
+        <a:p>
+          <a:pPr>
+            <a:defRPr sz="1400" b="0" i="0" u="none" strike="noStrike" kern="1200" spc="0" baseline="0">
+              <a:solidFill>
+                <a:schemeClr val="tx1">
+                  <a:lumMod val="65000"/>
+                  <a:lumOff val="35000"/>
+                </a:schemeClr>
+              </a:solidFill>
+              <a:latin typeface="+mn-lt"/>
+              <a:ea typeface="+mn-ea"/>
+              <a:cs typeface="+mn-cs"/>
+            </a:defRPr>
+          </a:pPr>
+          <a:endParaRPr lang="pt-BR"/>
+        </a:p>
+      </c:txPr>
+    </c:title>
+    <c:autoTitleDeleted val="0"/>
+    <c:plotArea>
+      <c:layout>
+        <c:manualLayout>
+          <c:layoutTarget val="inner"/>
+          <c:xMode val="edge"/>
+          <c:yMode val="edge"/>
+          <c:x val="6.8353083881055959E-2"/>
+          <c:y val="0.23706753527450955"/>
+          <c:w val="0.91255181924775375"/>
+          <c:h val="0.6704013560804899"/>
+        </c:manualLayout>
+      </c:layout>
+      <c:barChart>
+        <c:barDir val="col"/>
+        <c:grouping val="clustered"/>
+        <c:varyColors val="0"/>
+        <c:ser>
+          <c:idx val="0"/>
+          <c:order val="0"/>
+          <c:tx>
+            <c:strRef>
+              <c:f>Planilha1!$G$3</c:f>
+              <c:strCache>
+                <c:ptCount val="1"/>
+                <c:pt idx="0">
+                  <c:v>Num. Passageiros Transportados</c:v>
+                </c:pt>
+              </c:strCache>
+            </c:strRef>
+          </c:tx>
+          <c:spPr>
+            <a:solidFill>
+              <a:schemeClr val="bg2">
+                <a:lumMod val="50000"/>
+              </a:schemeClr>
+            </a:solidFill>
+            <a:ln>
+              <a:noFill/>
+            </a:ln>
+            <a:effectLst/>
+          </c:spPr>
+          <c:invertIfNegative val="0"/>
+          <c:dLbls>
+            <c:spPr>
+              <a:noFill/>
+              <a:ln>
+                <a:noFill/>
+              </a:ln>
+              <a:effectLst/>
+            </c:spPr>
+            <c:txPr>
+              <a:bodyPr rot="0" spcFirstLastPara="1" vertOverflow="ellipsis" vert="horz" wrap="square" lIns="38100" tIns="19050" rIns="38100" bIns="19050" anchor="ctr" anchorCtr="1">
+                <a:spAutoFit/>
+              </a:bodyPr>
+              <a:lstStyle/>
+              <a:p>
+                <a:pPr>
+                  <a:defRPr sz="900" b="0" i="0" u="none" strike="noStrike" kern="1200" baseline="0">
+                    <a:solidFill>
+                      <a:schemeClr val="tx1">
+                        <a:lumMod val="75000"/>
+                        <a:lumOff val="25000"/>
+                      </a:schemeClr>
+                    </a:solidFill>
+                    <a:latin typeface="+mn-lt"/>
+                    <a:ea typeface="+mn-ea"/>
+                    <a:cs typeface="+mn-cs"/>
+                  </a:defRPr>
+                </a:pPr>
+                <a:endParaRPr lang="pt-BR"/>
+              </a:p>
+            </c:txPr>
+            <c:dLblPos val="outEnd"/>
+            <c:showLegendKey val="0"/>
+            <c:showVal val="1"/>
+            <c:showCatName val="0"/>
+            <c:showSerName val="0"/>
+            <c:showPercent val="0"/>
+            <c:showBubbleSize val="0"/>
+            <c:showLeaderLines val="0"/>
+            <c:extLst>
+              <c:ext xmlns:c15="http://schemas.microsoft.com/office/drawing/2012/chart" uri="{CE6537A1-D6FC-4f65-9D91-7224C49458BB}">
+                <c15:showLeaderLines val="1"/>
+                <c15:leaderLines>
+                  <c:spPr>
+                    <a:ln w="9525" cap="flat" cmpd="sng" algn="ctr">
+                      <a:solidFill>
+                        <a:schemeClr val="tx1">
+                          <a:lumMod val="35000"/>
+                          <a:lumOff val="65000"/>
+                        </a:schemeClr>
+                      </a:solidFill>
+                      <a:round/>
+                    </a:ln>
+                    <a:effectLst/>
+                  </c:spPr>
+                </c15:leaderLines>
+              </c:ext>
+            </c:extLst>
+          </c:dLbls>
+          <c:cat>
+            <c:numRef>
+              <c:f>Planilha1!$F$4:$F$15</c:f>
+              <c:numCache>
+                <c:formatCode>General</c:formatCode>
+                <c:ptCount val="12"/>
+                <c:pt idx="0">
+                  <c:v>2003</c:v>
+                </c:pt>
+                <c:pt idx="1">
+                  <c:v>2005</c:v>
+                </c:pt>
+                <c:pt idx="2">
+                  <c:v>2007</c:v>
+                </c:pt>
+                <c:pt idx="3">
+                  <c:v>2009</c:v>
+                </c:pt>
+                <c:pt idx="4">
+                  <c:v>2011</c:v>
+                </c:pt>
+                <c:pt idx="5">
+                  <c:v>2013</c:v>
+                </c:pt>
+                <c:pt idx="6">
+                  <c:v>2015</c:v>
+                </c:pt>
+                <c:pt idx="7">
+                  <c:v>2017</c:v>
+                </c:pt>
+                <c:pt idx="8">
+                  <c:v>2019</c:v>
+                </c:pt>
+                <c:pt idx="9">
+                  <c:v>2021</c:v>
+                </c:pt>
+                <c:pt idx="10">
+                  <c:v>2023</c:v>
+                </c:pt>
+                <c:pt idx="11">
+                  <c:v>2024</c:v>
+                </c:pt>
+              </c:numCache>
+            </c:numRef>
+          </c:cat>
+          <c:val>
+            <c:numRef>
+              <c:f>Planilha1!$G$4:$G$15</c:f>
+              <c:numCache>
+                <c:formatCode>_-* #,##0.0_-;\-* #,##0.0_-;_-* "-"??_-;_-@_-</c:formatCode>
+                <c:ptCount val="12"/>
+                <c:pt idx="0">
+                  <c:v>5.8484249300000002</c:v>
+                </c:pt>
+                <c:pt idx="1">
+                  <c:v>5.841753261</c:v>
+                </c:pt>
+                <c:pt idx="2">
+                  <c:v>5.7914169160000002</c:v>
+                </c:pt>
+                <c:pt idx="3">
+                  <c:v>5.8306880220000004</c:v>
+                </c:pt>
+                <c:pt idx="4">
+                  <c:v>5.7285426140000002</c:v>
+                </c:pt>
+                <c:pt idx="5">
+                  <c:v>5.597831244</c:v>
+                </c:pt>
+                <c:pt idx="6">
+                  <c:v>5.2763815279999999</c:v>
+                </c:pt>
+                <c:pt idx="7">
+                  <c:v>3.1265053620000001</c:v>
+                </c:pt>
+                <c:pt idx="8">
+                  <c:v>3.3490550259999998</c:v>
+                </c:pt>
+                <c:pt idx="9">
+                  <c:v>4.1004070400000003</c:v>
+                </c:pt>
+                <c:pt idx="10">
+                  <c:v>4.1627671519999998</c:v>
+                </c:pt>
+                <c:pt idx="11">
+                  <c:v>3.6258756679999999</c:v>
+                </c:pt>
+              </c:numCache>
+            </c:numRef>
+          </c:val>
+          <c:extLst>
+            <c:ext xmlns:c16="http://schemas.microsoft.com/office/drawing/2014/chart" uri="{C3380CC4-5D6E-409C-BE32-E72D297353CC}">
+              <c16:uniqueId val="{00000000-2FE3-4209-BB32-D36BC4629957}"/>
+            </c:ext>
+          </c:extLst>
+        </c:ser>
+        <c:dLbls>
+          <c:showLegendKey val="0"/>
+          <c:showVal val="0"/>
+          <c:showCatName val="0"/>
+          <c:showSerName val="0"/>
+          <c:showPercent val="0"/>
+          <c:showBubbleSize val="0"/>
+        </c:dLbls>
+        <c:gapWidth val="50"/>
+        <c:overlap val="-27"/>
+        <c:axId val="517396960"/>
+        <c:axId val="517398880"/>
+      </c:barChart>
+      <c:catAx>
+        <c:axId val="517396960"/>
+        <c:scaling>
+          <c:orientation val="minMax"/>
+        </c:scaling>
+        <c:delete val="0"/>
+        <c:axPos val="b"/>
+        <c:numFmt formatCode="General" sourceLinked="1"/>
+        <c:majorTickMark val="none"/>
+        <c:minorTickMark val="none"/>
+        <c:tickLblPos val="nextTo"/>
+        <c:spPr>
+          <a:noFill/>
+          <a:ln w="9525" cap="flat" cmpd="sng" algn="ctr">
+            <a:solidFill>
+              <a:schemeClr val="tx1">
+                <a:lumMod val="15000"/>
+                <a:lumOff val="85000"/>
+              </a:schemeClr>
+            </a:solidFill>
+            <a:round/>
+          </a:ln>
+          <a:effectLst/>
+        </c:spPr>
+        <c:txPr>
+          <a:bodyPr rot="-60000000" spcFirstLastPara="1" vertOverflow="ellipsis" vert="horz" wrap="square" anchor="ctr" anchorCtr="1"/>
+          <a:lstStyle/>
+          <a:p>
+            <a:pPr>
+              <a:defRPr sz="900" b="0" i="0" u="none" strike="noStrike" kern="1200" baseline="0">
+                <a:solidFill>
+                  <a:schemeClr val="tx1">
+                    <a:lumMod val="65000"/>
+                    <a:lumOff val="35000"/>
+                  </a:schemeClr>
+                </a:solidFill>
+                <a:latin typeface="+mn-lt"/>
+                <a:ea typeface="+mn-ea"/>
+                <a:cs typeface="+mn-cs"/>
+              </a:defRPr>
+            </a:pPr>
+            <a:endParaRPr lang="pt-BR"/>
+          </a:p>
+        </c:txPr>
+        <c:crossAx val="517398880"/>
+        <c:crosses val="autoZero"/>
+        <c:auto val="1"/>
+        <c:lblAlgn val="ctr"/>
+        <c:lblOffset val="100"/>
+        <c:noMultiLvlLbl val="0"/>
+      </c:catAx>
+      <c:valAx>
+        <c:axId val="517398880"/>
+        <c:scaling>
+          <c:orientation val="minMax"/>
+        </c:scaling>
+        <c:delete val="1"/>
+        <c:axPos val="l"/>
+        <c:numFmt formatCode="_-* #,##0.0_-;\-* #,##0.0_-;_-* &quot;-&quot;??_-;_-@_-" sourceLinked="1"/>
+        <c:majorTickMark val="none"/>
+        <c:minorTickMark val="none"/>
+        <c:tickLblPos val="nextTo"/>
+        <c:crossAx val="517396960"/>
+        <c:crosses val="autoZero"/>
+        <c:crossBetween val="between"/>
+      </c:valAx>
+      <c:spPr>
+        <a:noFill/>
+        <a:ln>
+          <a:noFill/>
+        </a:ln>
+        <a:effectLst/>
+      </c:spPr>
+    </c:plotArea>
+    <c:plotVisOnly val="1"/>
+    <c:dispBlanksAs val="gap"/>
+    <c:extLst>
+      <c:ext xmlns:c16r3="http://schemas.microsoft.com/office/drawing/2017/03/chart" uri="{56B9EC1D-385E-4148-901F-78D8002777C0}">
+        <c16r3:dataDisplayOptions16>
+          <c16r3:dispNaAsBlank val="1"/>
+        </c16r3:dataDisplayOptions16>
+      </c:ext>
+    </c:extLst>
+    <c:showDLblsOverMax val="0"/>
+  </c:chart>
+  <c:spPr>
+    <a:noFill/>
+    <a:ln>
+      <a:noFill/>
+    </a:ln>
+    <a:effectLst/>
+  </c:spPr>
+  <c:txPr>
+    <a:bodyPr/>
+    <a:lstStyle/>
+    <a:p>
+      <a:pPr>
+        <a:defRPr/>
+      </a:pPr>
+      <a:endParaRPr lang="pt-BR"/>
+    </a:p>
+  </c:txPr>
+  <c:externalData r:id="rId4">
+    <c:autoUpdate val="0"/>
+  </c:externalData>
+</c:chartSpace>
+</file>
+
+<file path=ppt/charts/colors1.xml><?xml version="1.0" encoding="utf-8"?>
+<cs:colorStyle xmlns:cs="http://schemas.microsoft.com/office/drawing/2012/chartStyle" xmlns:a="http://schemas.openxmlformats.org/drawingml/2006/main" meth="cycle" id="10">
+  <a:schemeClr val="accent1"/>
+  <a:schemeClr val="accent2"/>
+  <a:schemeClr val="accent3"/>
+  <a:schemeClr val="accent4"/>
+  <a:schemeClr val="accent5"/>
+  <a:schemeClr val="accent6"/>
+  <cs:variation/>
+  <cs:variation>
+    <a:lumMod val="60000"/>
+  </cs:variation>
+  <cs:variation>
+    <a:lumMod val="80000"/>
+    <a:lumOff val="20000"/>
+  </cs:variation>
+  <cs:variation>
+    <a:lumMod val="80000"/>
+  </cs:variation>
+  <cs:variation>
+    <a:lumMod val="60000"/>
+    <a:lumOff val="40000"/>
+  </cs:variation>
+  <cs:variation>
+    <a:lumMod val="50000"/>
+  </cs:variation>
+  <cs:variation>
+    <a:lumMod val="70000"/>
+    <a:lumOff val="30000"/>
+  </cs:variation>
+  <cs:variation>
+    <a:lumMod val="70000"/>
+  </cs:variation>
+  <cs:variation>
+    <a:lumMod val="50000"/>
+    <a:lumOff val="50000"/>
+  </cs:variation>
+</cs:colorStyle>
+</file>
+
+<file path=ppt/charts/colors2.xml><?xml version="1.0" encoding="utf-8"?>
+<cs:colorStyle xmlns:cs="http://schemas.microsoft.com/office/drawing/2012/chartStyle" xmlns:a="http://schemas.openxmlformats.org/drawingml/2006/main" meth="cycle" id="10">
+  <a:schemeClr val="accent1"/>
+  <a:schemeClr val="accent2"/>
+  <a:schemeClr val="accent3"/>
+  <a:schemeClr val="accent4"/>
+  <a:schemeClr val="accent5"/>
+  <a:schemeClr val="accent6"/>
+  <cs:variation/>
+  <cs:variation>
+    <a:lumMod val="60000"/>
+  </cs:variation>
+  <cs:variation>
+    <a:lumMod val="80000"/>
+    <a:lumOff val="20000"/>
+  </cs:variation>
+  <cs:variation>
+    <a:lumMod val="80000"/>
+  </cs:variation>
+  <cs:variation>
+    <a:lumMod val="60000"/>
+    <a:lumOff val="40000"/>
+  </cs:variation>
+  <cs:variation>
+    <a:lumMod val="50000"/>
+  </cs:variation>
+  <cs:variation>
+    <a:lumMod val="70000"/>
+    <a:lumOff val="30000"/>
+  </cs:variation>
+  <cs:variation>
+    <a:lumMod val="70000"/>
+  </cs:variation>
+  <cs:variation>
+    <a:lumMod val="50000"/>
+    <a:lumOff val="50000"/>
+  </cs:variation>
+</cs:colorStyle>
+</file>
+
+<file path=ppt/charts/style1.xml><?xml version="1.0" encoding="utf-8"?>
+<cs:chartStyle xmlns:cs="http://schemas.microsoft.com/office/drawing/2012/chartStyle" xmlns:a="http://schemas.openxmlformats.org/drawingml/2006/main" id="201">
+  <cs:axisTitle>
+    <cs:lnRef idx="0"/>
+    <cs:fillRef idx="0"/>
+    <cs:effectRef idx="0"/>
+    <cs:fontRef idx="minor">
+      <a:schemeClr val="tx1">
+        <a:lumMod val="65000"/>
+        <a:lumOff val="35000"/>
+      </a:schemeClr>
+    </cs:fontRef>
+    <cs:defRPr sz="1000" kern="1200"/>
+  </cs:axisTitle>
+  <cs:categoryAxis>
+    <cs:lnRef idx="0"/>
+    <cs:fillRef idx="0"/>
+    <cs:effectRef idx="0"/>
+    <cs:fontRef idx="minor">
+      <a:schemeClr val="tx1">
+        <a:lumMod val="65000"/>
+        <a:lumOff val="35000"/>
+      </a:schemeClr>
+    </cs:fontRef>
+    <cs:spPr>
+      <a:ln w="9525" cap="flat" cmpd="sng" algn="ctr">
+        <a:solidFill>
+          <a:schemeClr val="tx1">
+            <a:lumMod val="15000"/>
+            <a:lumOff val="85000"/>
+          </a:schemeClr>
+        </a:solidFill>
+        <a:round/>
+      </a:ln>
+    </cs:spPr>
+    <cs:defRPr sz="900" kern="1200"/>
+  </cs:categoryAxis>
+  <cs:chartArea mods="allowNoFillOverride allowNoLineOverride">
+    <cs:lnRef idx="0"/>
+    <cs:fillRef idx="0"/>
+    <cs:effectRef idx="0"/>
+    <cs:fontRef idx="minor">
+      <a:schemeClr val="tx1"/>
+    </cs:fontRef>
+    <cs:spPr>
+      <a:solidFill>
+        <a:schemeClr val="bg1"/>
+      </a:solidFill>
+      <a:ln w="9525" cap="flat" cmpd="sng" algn="ctr">
+        <a:solidFill>
+          <a:schemeClr val="tx1">
+            <a:lumMod val="15000"/>
+            <a:lumOff val="85000"/>
+          </a:schemeClr>
+        </a:solidFill>
+        <a:round/>
+      </a:ln>
+    </cs:spPr>
+    <cs:defRPr sz="1000" kern="1200"/>
+  </cs:chartArea>
+  <cs:dataLabel>
+    <cs:lnRef idx="0"/>
+    <cs:fillRef idx="0"/>
+    <cs:effectRef idx="0"/>
+    <cs:fontRef idx="minor">
+      <a:schemeClr val="tx1">
+        <a:lumMod val="75000"/>
+        <a:lumOff val="25000"/>
+      </a:schemeClr>
+    </cs:fontRef>
+    <cs:defRPr sz="900" kern="1200"/>
+  </cs:dataLabel>
+  <cs:dataLabelCallout>
+    <cs:lnRef idx="0"/>
+    <cs:fillRef idx="0"/>
+    <cs:effectRef idx="0"/>
+    <cs:fontRef idx="minor">
+      <a:schemeClr val="dk1">
+        <a:lumMod val="65000"/>
+        <a:lumOff val="35000"/>
+      </a:schemeClr>
+    </cs:fontRef>
+    <cs:spPr>
+      <a:solidFill>
+        <a:schemeClr val="lt1"/>
+      </a:solidFill>
+      <a:ln>
+        <a:solidFill>
+          <a:schemeClr val="dk1">
+            <a:lumMod val="25000"/>
+            <a:lumOff val="75000"/>
+          </a:schemeClr>
+        </a:solidFill>
+      </a:ln>
+    </cs:spPr>
+    <cs:defRPr sz="900" kern="1200"/>
+    <cs:bodyPr rot="0" spcFirstLastPara="1" vertOverflow="clip" horzOverflow="clip" vert="horz" wrap="square" lIns="36576" tIns="18288" rIns="36576" bIns="18288" anchor="ctr" anchorCtr="1">
+      <a:spAutoFit/>
+    </cs:bodyPr>
+  </cs:dataLabelCallout>
+  <cs:dataPoint>
+    <cs:lnRef idx="0"/>
+    <cs:fillRef idx="1">
+      <cs:styleClr val="auto"/>
+    </cs:fillRef>
+    <cs:effectRef idx="0"/>
+    <cs:fontRef idx="minor">
+      <a:schemeClr val="tx1"/>
+    </cs:fontRef>
+  </cs:dataPoint>
+  <cs:dataPoint3D>
+    <cs:lnRef idx="0"/>
+    <cs:fillRef idx="1">
+      <cs:styleClr val="auto"/>
+    </cs:fillRef>
+    <cs:effectRef idx="0"/>
+    <cs:fontRef idx="minor">
+      <a:schemeClr val="tx1"/>
+    </cs:fontRef>
+  </cs:dataPoint3D>
+  <cs:dataPointLine>
+    <cs:lnRef idx="0">
+      <cs:styleClr val="auto"/>
+    </cs:lnRef>
+    <cs:fillRef idx="1"/>
+    <cs:effectRef idx="0"/>
+    <cs:fontRef idx="minor">
+      <a:schemeClr val="tx1"/>
+    </cs:fontRef>
+    <cs:spPr>
+      <a:ln w="28575" cap="rnd">
+        <a:solidFill>
+          <a:schemeClr val="phClr"/>
+        </a:solidFill>
+        <a:round/>
+      </a:ln>
+    </cs:spPr>
+  </cs:dataPointLine>
+  <cs:dataPointMarker>
+    <cs:lnRef idx="0">
+      <cs:styleClr val="auto"/>
+    </cs:lnRef>
+    <cs:fillRef idx="1">
+      <cs:styleClr val="auto"/>
+    </cs:fillRef>
+    <cs:effectRef idx="0"/>
+    <cs:fontRef idx="minor">
+      <a:schemeClr val="tx1"/>
+    </cs:fontRef>
+    <cs:spPr>
+      <a:ln w="9525">
+        <a:solidFill>
+          <a:schemeClr val="phClr"/>
+        </a:solidFill>
+      </a:ln>
+    </cs:spPr>
+  </cs:dataPointMarker>
+  <cs:dataPointMarkerLayout symbol="circle" size="5"/>
+  <cs:dataPointWireframe>
+    <cs:lnRef idx="0">
+      <cs:styleClr val="auto"/>
+    </cs:lnRef>
+    <cs:fillRef idx="1"/>
+    <cs:effectRef idx="0"/>
+    <cs:fontRef idx="minor">
+      <a:schemeClr val="tx1"/>
+    </cs:fontRef>
+    <cs:spPr>
+      <a:ln w="9525" cap="rnd">
+        <a:solidFill>
+          <a:schemeClr val="phClr"/>
+        </a:solidFill>
+        <a:round/>
+      </a:ln>
+    </cs:spPr>
+  </cs:dataPointWireframe>
+  <cs:dataTable>
+    <cs:lnRef idx="0"/>
+    <cs:fillRef idx="0"/>
+    <cs:effectRef idx="0"/>
+    <cs:fontRef idx="minor">
+      <a:schemeClr val="tx1">
+        <a:lumMod val="65000"/>
+        <a:lumOff val="35000"/>
+      </a:schemeClr>
+    </cs:fontRef>
+    <cs:spPr>
+      <a:noFill/>
+      <a:ln w="9525" cap="flat" cmpd="sng" algn="ctr">
+        <a:solidFill>
+          <a:schemeClr val="tx1">
+            <a:lumMod val="15000"/>
+            <a:lumOff val="85000"/>
+          </a:schemeClr>
+        </a:solidFill>
+        <a:round/>
+      </a:ln>
+    </cs:spPr>
+    <cs:defRPr sz="900" kern="1200"/>
+  </cs:dataTable>
+  <cs:downBar>
+    <cs:lnRef idx="0"/>
+    <cs:fillRef idx="0"/>
+    <cs:effectRef idx="0"/>
+    <cs:fontRef idx="minor">
+      <a:schemeClr val="dk1"/>
+    </cs:fontRef>
+    <cs:spPr>
+      <a:solidFill>
+        <a:schemeClr val="dk1">
+          <a:lumMod val="65000"/>
+          <a:lumOff val="35000"/>
+        </a:schemeClr>
+      </a:solidFill>
+      <a:ln w="9525">
+        <a:solidFill>
+          <a:schemeClr val="tx1">
+            <a:lumMod val="65000"/>
+            <a:lumOff val="35000"/>
+          </a:schemeClr>
+        </a:solidFill>
+      </a:ln>
+    </cs:spPr>
+  </cs:downBar>
+  <cs:dropLine>
+    <cs:lnRef idx="0"/>
+    <cs:fillRef idx="0"/>
+    <cs:effectRef idx="0"/>
+    <cs:fontRef idx="minor">
+      <a:schemeClr val="tx1"/>
+    </cs:fontRef>
+    <cs:spPr>
+      <a:ln w="9525" cap="flat" cmpd="sng" algn="ctr">
+        <a:solidFill>
+          <a:schemeClr val="tx1">
+            <a:lumMod val="35000"/>
+            <a:lumOff val="65000"/>
+          </a:schemeClr>
+        </a:solidFill>
+        <a:round/>
+      </a:ln>
+    </cs:spPr>
+  </cs:dropLine>
+  <cs:errorBar>
+    <cs:lnRef idx="0"/>
+    <cs:fillRef idx="0"/>
+    <cs:effectRef idx="0"/>
+    <cs:fontRef idx="minor">
+      <a:schemeClr val="tx1"/>
+    </cs:fontRef>
+    <cs:spPr>
+      <a:ln w="9525" cap="flat" cmpd="sng" algn="ctr">
+        <a:solidFill>
+          <a:schemeClr val="tx1">
+            <a:lumMod val="65000"/>
+            <a:lumOff val="35000"/>
+          </a:schemeClr>
+        </a:solidFill>
+        <a:round/>
+      </a:ln>
+    </cs:spPr>
+  </cs:errorBar>
+  <cs:floor>
+    <cs:lnRef idx="0"/>
+    <cs:fillRef idx="0"/>
+    <cs:effectRef idx="0"/>
+    <cs:fontRef idx="minor">
+      <a:schemeClr val="tx1"/>
+    </cs:fontRef>
+    <cs:spPr>
+      <a:noFill/>
+      <a:ln>
+        <a:noFill/>
+      </a:ln>
+    </cs:spPr>
+  </cs:floor>
+  <cs:gridlineMajor>
+    <cs:lnRef idx="0"/>
+    <cs:fillRef idx="0"/>
+    <cs:effectRef idx="0"/>
+    <cs:fontRef idx="minor">
+      <a:schemeClr val="tx1"/>
+    </cs:fontRef>
+    <cs:spPr>
+      <a:ln w="9525" cap="flat" cmpd="sng" algn="ctr">
+        <a:solidFill>
+          <a:schemeClr val="tx1">
+            <a:lumMod val="15000"/>
+            <a:lumOff val="85000"/>
+          </a:schemeClr>
+        </a:solidFill>
+        <a:round/>
+      </a:ln>
+    </cs:spPr>
+  </cs:gridlineMajor>
+  <cs:gridlineMinor>
+    <cs:lnRef idx="0"/>
+    <cs:fillRef idx="0"/>
+    <cs:effectRef idx="0"/>
+    <cs:fontRef idx="minor">
+      <a:schemeClr val="tx1"/>
+    </cs:fontRef>
+    <cs:spPr>
+      <a:ln w="9525" cap="flat" cmpd="sng" algn="ctr">
+        <a:solidFill>
+          <a:schemeClr val="tx1">
+            <a:lumMod val="5000"/>
+            <a:lumOff val="95000"/>
+          </a:schemeClr>
+        </a:solidFill>
+        <a:round/>
+      </a:ln>
+    </cs:spPr>
+  </cs:gridlineMinor>
+  <cs:hiLoLine>
+    <cs:lnRef idx="0"/>
+    <cs:fillRef idx="0"/>
+    <cs:effectRef idx="0"/>
+    <cs:fontRef idx="minor">
+      <a:schemeClr val="tx1"/>
+    </cs:fontRef>
+    <cs:spPr>
+      <a:ln w="9525" cap="flat" cmpd="sng" algn="ctr">
+        <a:solidFill>
+          <a:schemeClr val="tx1">
+            <a:lumMod val="75000"/>
+            <a:lumOff val="25000"/>
+          </a:schemeClr>
+        </a:solidFill>
+        <a:round/>
+      </a:ln>
+    </cs:spPr>
+  </cs:hiLoLine>
+  <cs:leaderLine>
+    <cs:lnRef idx="0"/>
+    <cs:fillRef idx="0"/>
+    <cs:effectRef idx="0"/>
+    <cs:fontRef idx="minor">
+      <a:schemeClr val="tx1"/>
+    </cs:fontRef>
+    <cs:spPr>
+      <a:ln w="9525" cap="flat" cmpd="sng" algn="ctr">
+        <a:solidFill>
+          <a:schemeClr val="tx1">
+            <a:lumMod val="35000"/>
+            <a:lumOff val="65000"/>
+          </a:schemeClr>
+        </a:solidFill>
+        <a:round/>
+      </a:ln>
+    </cs:spPr>
+  </cs:leaderLine>
+  <cs:legend>
+    <cs:lnRef idx="0"/>
+    <cs:fillRef idx="0"/>
+    <cs:effectRef idx="0"/>
+    <cs:fontRef idx="minor">
+      <a:schemeClr val="tx1">
+        <a:lumMod val="65000"/>
+        <a:lumOff val="35000"/>
+      </a:schemeClr>
+    </cs:fontRef>
+    <cs:defRPr sz="900" kern="1200"/>
+  </cs:legend>
+  <cs:plotArea mods="allowNoFillOverride allowNoLineOverride">
+    <cs:lnRef idx="0"/>
+    <cs:fillRef idx="0"/>
+    <cs:effectRef idx="0"/>
+    <cs:fontRef idx="minor">
+      <a:schemeClr val="tx1"/>
+    </cs:fontRef>
+  </cs:plotArea>
+  <cs:plotArea3D mods="allowNoFillOverride allowNoLineOverride">
+    <cs:lnRef idx="0"/>
+    <cs:fillRef idx="0"/>
+    <cs:effectRef idx="0"/>
+    <cs:fontRef idx="minor">
+      <a:schemeClr val="tx1"/>
+    </cs:fontRef>
+  </cs:plotArea3D>
+  <cs:seriesAxis>
+    <cs:lnRef idx="0"/>
+    <cs:fillRef idx="0"/>
+    <cs:effectRef idx="0"/>
+    <cs:fontRef idx="minor">
+      <a:schemeClr val="tx1">
+        <a:lumMod val="65000"/>
+        <a:lumOff val="35000"/>
+      </a:schemeClr>
+    </cs:fontRef>
+    <cs:defRPr sz="900" kern="1200"/>
+  </cs:seriesAxis>
+  <cs:seriesLine>
+    <cs:lnRef idx="0"/>
+    <cs:fillRef idx="0"/>
+    <cs:effectRef idx="0"/>
+    <cs:fontRef idx="minor">
+      <a:schemeClr val="tx1"/>
+    </cs:fontRef>
+    <cs:spPr>
+      <a:ln w="9525" cap="flat" cmpd="sng" algn="ctr">
+        <a:solidFill>
+          <a:schemeClr val="tx1">
+            <a:lumMod val="35000"/>
+            <a:lumOff val="65000"/>
+          </a:schemeClr>
+        </a:solidFill>
+        <a:round/>
+      </a:ln>
+    </cs:spPr>
+  </cs:seriesLine>
+  <cs:title>
+    <cs:lnRef idx="0"/>
+    <cs:fillRef idx="0"/>
+    <cs:effectRef idx="0"/>
+    <cs:fontRef idx="minor">
+      <a:schemeClr val="tx1">
+        <a:lumMod val="65000"/>
+        <a:lumOff val="35000"/>
+      </a:schemeClr>
+    </cs:fontRef>
+    <cs:defRPr sz="1400" b="0" kern="1200" spc="0" baseline="0"/>
+  </cs:title>
+  <cs:trendline>
+    <cs:lnRef idx="0">
+      <cs:styleClr val="auto"/>
+    </cs:lnRef>
+    <cs:fillRef idx="0"/>
+    <cs:effectRef idx="0"/>
+    <cs:fontRef idx="minor">
+      <a:schemeClr val="tx1"/>
+    </cs:fontRef>
+    <cs:spPr>
+      <a:ln w="19050" cap="rnd">
+        <a:solidFill>
+          <a:schemeClr val="phClr"/>
+        </a:solidFill>
+        <a:prstDash val="sysDot"/>
+      </a:ln>
+    </cs:spPr>
+  </cs:trendline>
+  <cs:trendlineLabel>
+    <cs:lnRef idx="0"/>
+    <cs:fillRef idx="0"/>
+    <cs:effectRef idx="0"/>
+    <cs:fontRef idx="minor">
+      <a:schemeClr val="tx1">
+        <a:lumMod val="65000"/>
+        <a:lumOff val="35000"/>
+      </a:schemeClr>
+    </cs:fontRef>
+    <cs:defRPr sz="900" kern="1200"/>
+  </cs:trendlineLabel>
+  <cs:upBar>
+    <cs:lnRef idx="0"/>
+    <cs:fillRef idx="0"/>
+    <cs:effectRef idx="0"/>
+    <cs:fontRef idx="minor">
+      <a:schemeClr val="dk1"/>
+    </cs:fontRef>
+    <cs:spPr>
+      <a:solidFill>
+        <a:schemeClr val="lt1"/>
+      </a:solidFill>
+      <a:ln w="9525">
+        <a:solidFill>
+          <a:schemeClr val="tx1">
+            <a:lumMod val="15000"/>
+            <a:lumOff val="85000"/>
+          </a:schemeClr>
+        </a:solidFill>
+      </a:ln>
+    </cs:spPr>
+  </cs:upBar>
+  <cs:valueAxis>
+    <cs:lnRef idx="0"/>
+    <cs:fillRef idx="0"/>
+    <cs:effectRef idx="0"/>
+    <cs:fontRef idx="minor">
+      <a:schemeClr val="tx1">
+        <a:lumMod val="65000"/>
+        <a:lumOff val="35000"/>
+      </a:schemeClr>
+    </cs:fontRef>
+    <cs:defRPr sz="900" kern="1200"/>
+  </cs:valueAxis>
+  <cs:wall>
+    <cs:lnRef idx="0"/>
+    <cs:fillRef idx="0"/>
+    <cs:effectRef idx="0"/>
+    <cs:fontRef idx="minor">
+      <a:schemeClr val="tx1"/>
+    </cs:fontRef>
+    <cs:spPr>
+      <a:noFill/>
+      <a:ln>
+        <a:noFill/>
+      </a:ln>
+    </cs:spPr>
+  </cs:wall>
+</cs:chartStyle>
+</file>
+
+<file path=ppt/charts/style2.xml><?xml version="1.0" encoding="utf-8"?>
+<cs:chartStyle xmlns:cs="http://schemas.microsoft.com/office/drawing/2012/chartStyle" xmlns:a="http://schemas.openxmlformats.org/drawingml/2006/main" id="201">
+  <cs:axisTitle>
+    <cs:lnRef idx="0"/>
+    <cs:fillRef idx="0"/>
+    <cs:effectRef idx="0"/>
+    <cs:fontRef idx="minor">
+      <a:schemeClr val="tx1">
+        <a:lumMod val="65000"/>
+        <a:lumOff val="35000"/>
+      </a:schemeClr>
+    </cs:fontRef>
+    <cs:defRPr sz="1000" kern="1200"/>
+  </cs:axisTitle>
+  <cs:categoryAxis>
+    <cs:lnRef idx="0"/>
+    <cs:fillRef idx="0"/>
+    <cs:effectRef idx="0"/>
+    <cs:fontRef idx="minor">
+      <a:schemeClr val="tx1">
+        <a:lumMod val="65000"/>
+        <a:lumOff val="35000"/>
+      </a:schemeClr>
+    </cs:fontRef>
+    <cs:spPr>
+      <a:ln w="9525" cap="flat" cmpd="sng" algn="ctr">
+        <a:solidFill>
+          <a:schemeClr val="tx1">
+            <a:lumMod val="15000"/>
+            <a:lumOff val="85000"/>
+          </a:schemeClr>
+        </a:solidFill>
+        <a:round/>
+      </a:ln>
+    </cs:spPr>
+    <cs:defRPr sz="900" kern="1200"/>
+  </cs:categoryAxis>
+  <cs:chartArea mods="allowNoFillOverride allowNoLineOverride">
+    <cs:lnRef idx="0"/>
+    <cs:fillRef idx="0"/>
+    <cs:effectRef idx="0"/>
+    <cs:fontRef idx="minor">
+      <a:schemeClr val="tx1"/>
+    </cs:fontRef>
+    <cs:spPr>
+      <a:solidFill>
+        <a:schemeClr val="bg1"/>
+      </a:solidFill>
+      <a:ln w="9525" cap="flat" cmpd="sng" algn="ctr">
+        <a:solidFill>
+          <a:schemeClr val="tx1">
+            <a:lumMod val="15000"/>
+            <a:lumOff val="85000"/>
+          </a:schemeClr>
+        </a:solidFill>
+        <a:round/>
+      </a:ln>
+    </cs:spPr>
+    <cs:defRPr sz="1000" kern="1200"/>
+  </cs:chartArea>
+  <cs:dataLabel>
+    <cs:lnRef idx="0"/>
+    <cs:fillRef idx="0"/>
+    <cs:effectRef idx="0"/>
+    <cs:fontRef idx="minor">
+      <a:schemeClr val="tx1">
+        <a:lumMod val="75000"/>
+        <a:lumOff val="25000"/>
+      </a:schemeClr>
+    </cs:fontRef>
+    <cs:defRPr sz="900" kern="1200"/>
+  </cs:dataLabel>
+  <cs:dataLabelCallout>
+    <cs:lnRef idx="0"/>
+    <cs:fillRef idx="0"/>
+    <cs:effectRef idx="0"/>
+    <cs:fontRef idx="minor">
+      <a:schemeClr val="dk1">
+        <a:lumMod val="65000"/>
+        <a:lumOff val="35000"/>
+      </a:schemeClr>
+    </cs:fontRef>
+    <cs:spPr>
+      <a:solidFill>
+        <a:schemeClr val="lt1"/>
+      </a:solidFill>
+      <a:ln>
+        <a:solidFill>
+          <a:schemeClr val="dk1">
+            <a:lumMod val="25000"/>
+            <a:lumOff val="75000"/>
+          </a:schemeClr>
+        </a:solidFill>
+      </a:ln>
+    </cs:spPr>
+    <cs:defRPr sz="900" kern="1200"/>
+    <cs:bodyPr rot="0" spcFirstLastPara="1" vertOverflow="clip" horzOverflow="clip" vert="horz" wrap="square" lIns="36576" tIns="18288" rIns="36576" bIns="18288" anchor="ctr" anchorCtr="1">
+      <a:spAutoFit/>
+    </cs:bodyPr>
+  </cs:dataLabelCallout>
+  <cs:dataPoint>
+    <cs:lnRef idx="0"/>
+    <cs:fillRef idx="1">
+      <cs:styleClr val="auto"/>
+    </cs:fillRef>
+    <cs:effectRef idx="0"/>
+    <cs:fontRef idx="minor">
+      <a:schemeClr val="tx1"/>
+    </cs:fontRef>
+  </cs:dataPoint>
+  <cs:dataPoint3D>
+    <cs:lnRef idx="0"/>
+    <cs:fillRef idx="1">
+      <cs:styleClr val="auto"/>
+    </cs:fillRef>
+    <cs:effectRef idx="0"/>
+    <cs:fontRef idx="minor">
+      <a:schemeClr val="tx1"/>
+    </cs:fontRef>
+  </cs:dataPoint3D>
+  <cs:dataPointLine>
+    <cs:lnRef idx="0">
+      <cs:styleClr val="auto"/>
+    </cs:lnRef>
+    <cs:fillRef idx="1"/>
+    <cs:effectRef idx="0"/>
+    <cs:fontRef idx="minor">
+      <a:schemeClr val="tx1"/>
+    </cs:fontRef>
+    <cs:spPr>
+      <a:ln w="28575" cap="rnd">
+        <a:solidFill>
+          <a:schemeClr val="phClr"/>
+        </a:solidFill>
+        <a:round/>
+      </a:ln>
+    </cs:spPr>
+  </cs:dataPointLine>
+  <cs:dataPointMarker>
+    <cs:lnRef idx="0">
+      <cs:styleClr val="auto"/>
+    </cs:lnRef>
+    <cs:fillRef idx="1">
+      <cs:styleClr val="auto"/>
+    </cs:fillRef>
+    <cs:effectRef idx="0"/>
+    <cs:fontRef idx="minor">
+      <a:schemeClr val="tx1"/>
+    </cs:fontRef>
+    <cs:spPr>
+      <a:ln w="9525">
+        <a:solidFill>
+          <a:schemeClr val="phClr"/>
+        </a:solidFill>
+      </a:ln>
+    </cs:spPr>
+  </cs:dataPointMarker>
+  <cs:dataPointMarkerLayout symbol="circle" size="5"/>
+  <cs:dataPointWireframe>
+    <cs:lnRef idx="0">
+      <cs:styleClr val="auto"/>
+    </cs:lnRef>
+    <cs:fillRef idx="1"/>
+    <cs:effectRef idx="0"/>
+    <cs:fontRef idx="minor">
+      <a:schemeClr val="tx1"/>
+    </cs:fontRef>
+    <cs:spPr>
+      <a:ln w="9525" cap="rnd">
+        <a:solidFill>
+          <a:schemeClr val="phClr"/>
+        </a:solidFill>
+        <a:round/>
+      </a:ln>
+    </cs:spPr>
+  </cs:dataPointWireframe>
+  <cs:dataTable>
+    <cs:lnRef idx="0"/>
+    <cs:fillRef idx="0"/>
+    <cs:effectRef idx="0"/>
+    <cs:fontRef idx="minor">
+      <a:schemeClr val="tx1">
+        <a:lumMod val="65000"/>
+        <a:lumOff val="35000"/>
+      </a:schemeClr>
+    </cs:fontRef>
+    <cs:spPr>
+      <a:noFill/>
+      <a:ln w="9525" cap="flat" cmpd="sng" algn="ctr">
+        <a:solidFill>
+          <a:schemeClr val="tx1">
+            <a:lumMod val="15000"/>
+            <a:lumOff val="85000"/>
+          </a:schemeClr>
+        </a:solidFill>
+        <a:round/>
+      </a:ln>
+    </cs:spPr>
+    <cs:defRPr sz="900" kern="1200"/>
+  </cs:dataTable>
+  <cs:downBar>
+    <cs:lnRef idx="0"/>
+    <cs:fillRef idx="0"/>
+    <cs:effectRef idx="0"/>
+    <cs:fontRef idx="minor">
+      <a:schemeClr val="dk1"/>
+    </cs:fontRef>
+    <cs:spPr>
+      <a:solidFill>
+        <a:schemeClr val="dk1">
+          <a:lumMod val="65000"/>
+          <a:lumOff val="35000"/>
+        </a:schemeClr>
+      </a:solidFill>
+      <a:ln w="9525">
+        <a:solidFill>
+          <a:schemeClr val="tx1">
+            <a:lumMod val="65000"/>
+            <a:lumOff val="35000"/>
+          </a:schemeClr>
+        </a:solidFill>
+      </a:ln>
+    </cs:spPr>
+  </cs:downBar>
+  <cs:dropLine>
+    <cs:lnRef idx="0"/>
+    <cs:fillRef idx="0"/>
+    <cs:effectRef idx="0"/>
+    <cs:fontRef idx="minor">
+      <a:schemeClr val="tx1"/>
+    </cs:fontRef>
+    <cs:spPr>
+      <a:ln w="9525" cap="flat" cmpd="sng" algn="ctr">
+        <a:solidFill>
+          <a:schemeClr val="tx1">
+            <a:lumMod val="35000"/>
+            <a:lumOff val="65000"/>
+          </a:schemeClr>
+        </a:solidFill>
+        <a:round/>
+      </a:ln>
+    </cs:spPr>
+  </cs:dropLine>
+  <cs:errorBar>
+    <cs:lnRef idx="0"/>
+    <cs:fillRef idx="0"/>
+    <cs:effectRef idx="0"/>
+    <cs:fontRef idx="minor">
+      <a:schemeClr val="tx1"/>
+    </cs:fontRef>
+    <cs:spPr>
+      <a:ln w="9525" cap="flat" cmpd="sng" algn="ctr">
+        <a:solidFill>
+          <a:schemeClr val="tx1">
+            <a:lumMod val="65000"/>
+            <a:lumOff val="35000"/>
+          </a:schemeClr>
+        </a:solidFill>
+        <a:round/>
+      </a:ln>
+    </cs:spPr>
+  </cs:errorBar>
+  <cs:floor>
+    <cs:lnRef idx="0"/>
+    <cs:fillRef idx="0"/>
+    <cs:effectRef idx="0"/>
+    <cs:fontRef idx="minor">
+      <a:schemeClr val="tx1"/>
+    </cs:fontRef>
+    <cs:spPr>
+      <a:noFill/>
+      <a:ln>
+        <a:noFill/>
+      </a:ln>
+    </cs:spPr>
+  </cs:floor>
+  <cs:gridlineMajor>
+    <cs:lnRef idx="0"/>
+    <cs:fillRef idx="0"/>
+    <cs:effectRef idx="0"/>
+    <cs:fontRef idx="minor">
+      <a:schemeClr val="tx1"/>
+    </cs:fontRef>
+    <cs:spPr>
+      <a:ln w="9525" cap="flat" cmpd="sng" algn="ctr">
+        <a:solidFill>
+          <a:schemeClr val="tx1">
+            <a:lumMod val="15000"/>
+            <a:lumOff val="85000"/>
+          </a:schemeClr>
+        </a:solidFill>
+        <a:round/>
+      </a:ln>
+    </cs:spPr>
+  </cs:gridlineMajor>
+  <cs:gridlineMinor>
+    <cs:lnRef idx="0"/>
+    <cs:fillRef idx="0"/>
+    <cs:effectRef idx="0"/>
+    <cs:fontRef idx="minor">
+      <a:schemeClr val="tx1"/>
+    </cs:fontRef>
+    <cs:spPr>
+      <a:ln w="9525" cap="flat" cmpd="sng" algn="ctr">
+        <a:solidFill>
+          <a:schemeClr val="tx1">
+            <a:lumMod val="5000"/>
+            <a:lumOff val="95000"/>
+          </a:schemeClr>
+        </a:solidFill>
+        <a:round/>
+      </a:ln>
+    </cs:spPr>
+  </cs:gridlineMinor>
+  <cs:hiLoLine>
+    <cs:lnRef idx="0"/>
+    <cs:fillRef idx="0"/>
+    <cs:effectRef idx="0"/>
+    <cs:fontRef idx="minor">
+      <a:schemeClr val="tx1"/>
+    </cs:fontRef>
+    <cs:spPr>
+      <a:ln w="9525" cap="flat" cmpd="sng" algn="ctr">
+        <a:solidFill>
+          <a:schemeClr val="tx1">
+            <a:lumMod val="75000"/>
+            <a:lumOff val="25000"/>
+          </a:schemeClr>
+        </a:solidFill>
+        <a:round/>
+      </a:ln>
+    </cs:spPr>
+  </cs:hiLoLine>
+  <cs:leaderLine>
+    <cs:lnRef idx="0"/>
+    <cs:fillRef idx="0"/>
+    <cs:effectRef idx="0"/>
+    <cs:fontRef idx="minor">
+      <a:schemeClr val="tx1"/>
+    </cs:fontRef>
+    <cs:spPr>
+      <a:ln w="9525" cap="flat" cmpd="sng" algn="ctr">
+        <a:solidFill>
+          <a:schemeClr val="tx1">
+            <a:lumMod val="35000"/>
+            <a:lumOff val="65000"/>
+          </a:schemeClr>
+        </a:solidFill>
+        <a:round/>
+      </a:ln>
+    </cs:spPr>
+  </cs:leaderLine>
+  <cs:legend>
+    <cs:lnRef idx="0"/>
+    <cs:fillRef idx="0"/>
+    <cs:effectRef idx="0"/>
+    <cs:fontRef idx="minor">
+      <a:schemeClr val="tx1">
+        <a:lumMod val="65000"/>
+        <a:lumOff val="35000"/>
+      </a:schemeClr>
+    </cs:fontRef>
+    <cs:defRPr sz="900" kern="1200"/>
+  </cs:legend>
+  <cs:plotArea mods="allowNoFillOverride allowNoLineOverride">
+    <cs:lnRef idx="0"/>
+    <cs:fillRef idx="0"/>
+    <cs:effectRef idx="0"/>
+    <cs:fontRef idx="minor">
+      <a:schemeClr val="tx1"/>
+    </cs:fontRef>
+  </cs:plotArea>
+  <cs:plotArea3D mods="allowNoFillOverride allowNoLineOverride">
+    <cs:lnRef idx="0"/>
+    <cs:fillRef idx="0"/>
+    <cs:effectRef idx="0"/>
+    <cs:fontRef idx="minor">
+      <a:schemeClr val="tx1"/>
+    </cs:fontRef>
+  </cs:plotArea3D>
+  <cs:seriesAxis>
+    <cs:lnRef idx="0"/>
+    <cs:fillRef idx="0"/>
+    <cs:effectRef idx="0"/>
+    <cs:fontRef idx="minor">
+      <a:schemeClr val="tx1">
+        <a:lumMod val="65000"/>
+        <a:lumOff val="35000"/>
+      </a:schemeClr>
+    </cs:fontRef>
+    <cs:defRPr sz="900" kern="1200"/>
+  </cs:seriesAxis>
+  <cs:seriesLine>
+    <cs:lnRef idx="0"/>
+    <cs:fillRef idx="0"/>
+    <cs:effectRef idx="0"/>
+    <cs:fontRef idx="minor">
+      <a:schemeClr val="tx1"/>
+    </cs:fontRef>
+    <cs:spPr>
+      <a:ln w="9525" cap="flat" cmpd="sng" algn="ctr">
+        <a:solidFill>
+          <a:schemeClr val="tx1">
+            <a:lumMod val="35000"/>
+            <a:lumOff val="65000"/>
+          </a:schemeClr>
+        </a:solidFill>
+        <a:round/>
+      </a:ln>
+    </cs:spPr>
+  </cs:seriesLine>
+  <cs:title>
+    <cs:lnRef idx="0"/>
+    <cs:fillRef idx="0"/>
+    <cs:effectRef idx="0"/>
+    <cs:fontRef idx="minor">
+      <a:schemeClr val="tx1">
+        <a:lumMod val="65000"/>
+        <a:lumOff val="35000"/>
+      </a:schemeClr>
+    </cs:fontRef>
+    <cs:defRPr sz="1400" b="0" kern="1200" spc="0" baseline="0"/>
+  </cs:title>
+  <cs:trendline>
+    <cs:lnRef idx="0">
+      <cs:styleClr val="auto"/>
+    </cs:lnRef>
+    <cs:fillRef idx="0"/>
+    <cs:effectRef idx="0"/>
+    <cs:fontRef idx="minor">
+      <a:schemeClr val="tx1"/>
+    </cs:fontRef>
+    <cs:spPr>
+      <a:ln w="19050" cap="rnd">
+        <a:solidFill>
+          <a:schemeClr val="phClr"/>
+        </a:solidFill>
+        <a:prstDash val="sysDot"/>
+      </a:ln>
+    </cs:spPr>
+  </cs:trendline>
+  <cs:trendlineLabel>
+    <cs:lnRef idx="0"/>
+    <cs:fillRef idx="0"/>
+    <cs:effectRef idx="0"/>
+    <cs:fontRef idx="minor">
+      <a:schemeClr val="tx1">
+        <a:lumMod val="65000"/>
+        <a:lumOff val="35000"/>
+      </a:schemeClr>
+    </cs:fontRef>
+    <cs:defRPr sz="900" kern="1200"/>
+  </cs:trendlineLabel>
+  <cs:upBar>
+    <cs:lnRef idx="0"/>
+    <cs:fillRef idx="0"/>
+    <cs:effectRef idx="0"/>
+    <cs:fontRef idx="minor">
+      <a:schemeClr val="dk1"/>
+    </cs:fontRef>
+    <cs:spPr>
+      <a:solidFill>
+        <a:schemeClr val="lt1"/>
+      </a:solidFill>
+      <a:ln w="9525">
+        <a:solidFill>
+          <a:schemeClr val="tx1">
+            <a:lumMod val="15000"/>
+            <a:lumOff val="85000"/>
+          </a:schemeClr>
+        </a:solidFill>
+      </a:ln>
+    </cs:spPr>
+  </cs:upBar>
+  <cs:valueAxis>
+    <cs:lnRef idx="0"/>
+    <cs:fillRef idx="0"/>
+    <cs:effectRef idx="0"/>
+    <cs:fontRef idx="minor">
+      <a:schemeClr val="tx1">
+        <a:lumMod val="65000"/>
+        <a:lumOff val="35000"/>
+      </a:schemeClr>
+    </cs:fontRef>
+    <cs:defRPr sz="900" kern="1200"/>
+  </cs:valueAxis>
+  <cs:wall>
+    <cs:lnRef idx="0"/>
+    <cs:fillRef idx="0"/>
+    <cs:effectRef idx="0"/>
+    <cs:fontRef idx="minor">
+      <a:schemeClr val="tx1"/>
+    </cs:fontRef>
+    <cs:spPr>
+      <a:noFill/>
+      <a:ln>
+        <a:noFill/>
+      </a:ln>
+    </cs:spPr>
+  </cs:wall>
+</cs:chartStyle>
+</file>
+
+<file path=ppt/ink/ink1.xml><?xml version="1.0" encoding="utf-8"?>
+<inkml:ink xmlns:inkml="http://www.w3.org/2003/InkML">
+  <inkml:definitions>
+    <inkml:context xml:id="ctx0">
+      <inkml:inkSource xml:id="inkSrc0">
+        <inkml:traceFormat>
+          <inkml:channel name="X" type="integer" min="-2.14748E9" max="2.14748E9" units="cm"/>
+          <inkml:channel name="Y" type="integer" min="-2.14748E9" max="2.14748E9" units="cm"/>
+          <inkml:channel name="F" type="integer" max="32767" units="dev"/>
+        </inkml:traceFormat>
+        <inkml:channelProperties>
+          <inkml:channelProperty channel="X" name="resolution" value="1000" units="1/cm"/>
+          <inkml:channelProperty channel="Y" name="resolution" value="1000" units="1/cm"/>
+          <inkml:channelProperty channel="F" name="resolution" value="0" units="1/dev"/>
+        </inkml:channelProperties>
+      </inkml:inkSource>
+      <inkml:timestamp xml:id="ts0" timeString="2024-11-15T17:33:44.140"/>
+    </inkml:context>
+    <inkml:brush xml:id="br0">
+      <inkml:brushProperty name="width" value="0.035" units="cm"/>
+      <inkml:brushProperty name="height" value="0.035" units="cm"/>
+      <inkml:brushProperty name="color" value="#E71224"/>
+    </inkml:brush>
+  </inkml:definitions>
+  <inkml:trace contextRef="#ctx0" brushRef="#br0">44 1518 24575,'-1'0'0,"-1"0"0,1-1 0,-1 1 0,1-1 0,0 1 0,-1-1 0,1 0 0,0 0 0,0 1 0,-1-1 0,1 0 0,0 0 0,0 0 0,0 0 0,0 0 0,0-1 0,0 1 0,0 0 0,0 0 0,1-1 0,-1 1 0,0 0 0,1-1 0,-1 1 0,1-1 0,-1-2 0,-8-44 0,9 44 0,-6-72 0,6-95 0,1 87 0,-1 74 0,0 0 0,1-1 0,0 1 0,1 0 0,0-1 0,0 1 0,6-14 0,-5 19 0,-1 0 0,1 1 0,0-1 0,0 1 0,0 0 0,1 0 0,-1 0 0,1 0 0,0 1 0,0-1 0,0 1 0,1 0 0,-1 1 0,1-1 0,0 1 0,6-3 0,27-8 0,0 2 0,40-6 0,53-15 0,-117 27 0,0 0 0,0-1 0,-1 0 0,0-1 0,0-1 0,21-16 0,-29 18 0,0 0 0,0 1 0,0-2 0,-1 1 0,0 0 0,0-1 0,-1 0 0,1 0 0,-2 0 0,1 0 0,-1 0 0,0-1 0,0 1 0,-1-1 0,0-8 0,2-18 0,-2-1 0,-4-37 0,0 22 0,3 9 0,2 0 0,2 0 0,1 0 0,15-54 0,-18 86 0,1 0 0,0 0 0,1 0 0,0 0 0,1 0 0,-1 1 0,2 0 0,-1 0 0,1 0 0,0 1 0,1 0 0,11-10 0,-5 7 0,0 1 0,1 0 0,0 1 0,1 0 0,0 1 0,23-7 0,12-4 0,-28 9 0,1 1 0,0 1 0,0 0 0,1 2 0,34-3 0,187 8 0,-120 1 0,-117 0 9,0-1-1,0 1 0,-1 0 0,1 1 0,0 0 1,-1 0-1,0 0 0,1 1 0,-1 0 1,0 1-1,0 0 0,7 5 0,4 5-378,-1 0-1,28 31 1,-37-37 9,15 16-6465</inkml:trace>
+</inkml:ink>
+</file>
+
+<file path=ppt/ink/ink2.xml><?xml version="1.0" encoding="utf-8"?>
+<inkml:ink xmlns:inkml="http://www.w3.org/2003/InkML">
+  <inkml:definitions>
+    <inkml:context xml:id="ctx0">
+      <inkml:inkSource xml:id="inkSrc0">
+        <inkml:traceFormat>
+          <inkml:channel name="X" type="integer" min="-2.14748E9" max="2.14748E9" units="cm"/>
+          <inkml:channel name="Y" type="integer" min="-2.14748E9" max="2.14748E9" units="cm"/>
+          <inkml:channel name="F" type="integer" max="32767" units="dev"/>
+        </inkml:traceFormat>
+        <inkml:channelProperties>
+          <inkml:channelProperty channel="X" name="resolution" value="1000" units="1/cm"/>
+          <inkml:channelProperty channel="Y" name="resolution" value="1000" units="1/cm"/>
+          <inkml:channelProperty channel="F" name="resolution" value="0" units="1/dev"/>
+        </inkml:channelProperties>
+      </inkml:inkSource>
+      <inkml:timestamp xml:id="ts0" timeString="2024-11-15T17:34:14.805"/>
+    </inkml:context>
+    <inkml:brush xml:id="br0">
+      <inkml:brushProperty name="width" value="0.035" units="cm"/>
+      <inkml:brushProperty name="height" value="0.035" units="cm"/>
+      <inkml:brushProperty name="color" value="#E71224"/>
+    </inkml:brush>
+  </inkml:definitions>
+  <inkml:trace contextRef="#ctx0" brushRef="#br0">0 0 24575,'0'0'-8191</inkml:trace>
+</inkml:ink>
+</file>
+
+<file path=ppt/ink/ink3.xml><?xml version="1.0" encoding="utf-8"?>
+<inkml:ink xmlns:inkml="http://www.w3.org/2003/InkML">
+  <inkml:definitions>
+    <inkml:context xml:id="ctx0">
+      <inkml:inkSource xml:id="inkSrc0">
+        <inkml:traceFormat>
+          <inkml:channel name="X" type="integer" min="-2.14748E9" max="2.14748E9" units="cm"/>
+          <inkml:channel name="Y" type="integer" min="-2.14748E9" max="2.14748E9" units="cm"/>
+          <inkml:channel name="F" type="integer" max="32767" units="dev"/>
+        </inkml:traceFormat>
+        <inkml:channelProperties>
+          <inkml:channelProperty channel="X" name="resolution" value="1000" units="1/cm"/>
+          <inkml:channelProperty channel="Y" name="resolution" value="1000" units="1/cm"/>
+          <inkml:channelProperty channel="F" name="resolution" value="0" units="1/dev"/>
+        </inkml:channelProperties>
+      </inkml:inkSource>
+      <inkml:timestamp xml:id="ts0" timeString="2024-11-15T17:34:29.054"/>
+    </inkml:context>
+    <inkml:brush xml:id="br0">
+      <inkml:brushProperty name="width" value="0.035" units="cm"/>
+      <inkml:brushProperty name="height" value="0.035" units="cm"/>
+      <inkml:brushProperty name="color" value="#E71224"/>
+    </inkml:brush>
+  </inkml:definitions>
+  <inkml:trace contextRef="#ctx0" brushRef="#br0">1181 0 24575,'0'10'0,"0"17"0,0 0 0,2-1 0,0 1 0,11 40 0,-5-34 0,-1-1 0,-2 1 0,-1 0 0,-1 0 0,-2 0 0,-3 37 0,0-61 0,-1-1 0,0 1 0,0-1 0,0 0 0,-1 0 0,-1 0 0,1 0 0,-1-1 0,0 1 0,-1-1 0,0-1 0,0 1 0,-1-1 0,-8 7 0,4-3 0,1 0 0,0 1 0,0 0 0,-11 20 0,-14 26 0,25-43 0,1 1 0,0 0 0,1 0 0,0 1 0,1 1 0,1-1 0,1 1 0,-4 18 0,5 32 0,3-48 0,0 0 0,-5 26 0,4-38 0,0-1 0,1 0 0,-2 0 0,1 0 0,-1-1 0,0 1 0,0-1 0,-1 1 0,1-1 0,-1 0 0,-6 6 0,4-5 0,0-1 0,-1 1 0,0-1 0,0-1 0,0 1 0,0-1 0,-1 0 0,0-1 0,1 0 0,-10 3 0,-3-2 0,0 0 0,-35 1 0,-33 5 0,76-7 0,0 1 0,1 1 0,0 0 0,0 0 0,0 1 0,0 1 0,1-1 0,0 2 0,1-1 0,-14 14 0,9-6 0,0 0 0,1 1 0,0 0 0,2 1 0,-16 29 0,22-33 0,0 1 0,1 0 0,0 0 0,1 0 0,-2 19 0,5-23 0,-1 0 0,-1 0 0,0 0 0,0 0 0,-1-1 0,0 1 0,0-1 0,-1 1 0,0-1 0,-1-1 0,0 1 0,-10 12 0,7-13 0,0 0 0,0-1 0,-1 0 0,1-1 0,-1 0 0,-1 0 0,1-1 0,-1 0 0,0-1 0,0 0 0,-21 5 0,4-4 0,-1-2 0,1 0 0,-43-3 0,29-1-1365,5 0-5461</inkml:trace>
+</inkml:ink>
+</file>
+
+<file path=ppt/ink/ink4.xml><?xml version="1.0" encoding="utf-8"?>
+<inkml:ink xmlns:inkml="http://www.w3.org/2003/InkML">
+  <inkml:definitions>
+    <inkml:context xml:id="ctx0">
+      <inkml:inkSource xml:id="inkSrc0">
+        <inkml:traceFormat>
+          <inkml:channel name="X" type="integer" min="-2.14748E9" max="2.14748E9" units="cm"/>
+          <inkml:channel name="Y" type="integer" min="-2.14748E9" max="2.14748E9" units="cm"/>
+          <inkml:channel name="F" type="integer" max="32767" units="dev"/>
+        </inkml:traceFormat>
+        <inkml:channelProperties>
+          <inkml:channelProperty channel="X" name="resolution" value="1000" units="1/cm"/>
+          <inkml:channelProperty channel="Y" name="resolution" value="1000" units="1/cm"/>
+          <inkml:channelProperty channel="F" name="resolution" value="0" units="1/dev"/>
+        </inkml:channelProperties>
+      </inkml:inkSource>
+      <inkml:timestamp xml:id="ts0" timeString="2024-11-15T17:33:44.140"/>
+    </inkml:context>
+    <inkml:brush xml:id="br0">
+      <inkml:brushProperty name="width" value="0.035" units="cm"/>
+      <inkml:brushProperty name="height" value="0.035" units="cm"/>
+      <inkml:brushProperty name="color" value="#E71224"/>
+    </inkml:brush>
+  </inkml:definitions>
+  <inkml:trace contextRef="#ctx0" brushRef="#br0">44 1518 24575,'-1'0'0,"-1"0"0,1-1 0,-1 1 0,1-1 0,0 1 0,-1-1 0,1 0 0,0 0 0,0 1 0,-1-1 0,1 0 0,0 0 0,0 0 0,0 0 0,0 0 0,0-1 0,0 1 0,0 0 0,0 0 0,1-1 0,-1 1 0,0 0 0,1-1 0,-1 1 0,1-1 0,-1-2 0,-8-44 0,9 44 0,-6-72 0,6-95 0,1 87 0,-1 74 0,0 0 0,1-1 0,0 1 0,1 0 0,0-1 0,0 1 0,6-14 0,-5 19 0,-1 0 0,1 1 0,0-1 0,0 1 0,0 0 0,1 0 0,-1 0 0,1 0 0,0 1 0,0-1 0,0 1 0,1 0 0,-1 1 0,1-1 0,0 1 0,6-3 0,27-8 0,0 2 0,40-6 0,53-15 0,-117 27 0,0 0 0,0-1 0,-1 0 0,0-1 0,0-1 0,21-16 0,-29 18 0,0 0 0,0 1 0,0-2 0,-1 1 0,0 0 0,0-1 0,-1 0 0,1 0 0,-2 0 0,1 0 0,-1 0 0,0-1 0,0 1 0,-1-1 0,0-8 0,2-18 0,-2-1 0,-4-37 0,0 22 0,3 9 0,2 0 0,2 0 0,1 0 0,15-54 0,-18 86 0,1 0 0,0 0 0,1 0 0,0 0 0,1 0 0,-1 1 0,2 0 0,-1 0 0,1 0 0,0 1 0,1 0 0,11-10 0,-5 7 0,0 1 0,1 0 0,0 1 0,1 0 0,0 1 0,23-7 0,12-4 0,-28 9 0,1 1 0,0 1 0,0 0 0,1 2 0,34-3 0,187 8 0,-120 1 0,-117 0 9,0-1-1,0 1 0,-1 0 0,1 1 0,0 0 1,-1 0-1,0 0 0,1 1 0,-1 0 1,0 1-1,0 0 0,7 5 0,4 5-378,-1 0-1,28 31 1,-37-37 9,15 16-6465</inkml:trace>
+</inkml:ink>
+</file>
+
+<file path=ppt/ink/ink5.xml><?xml version="1.0" encoding="utf-8"?>
+<inkml:ink xmlns:inkml="http://www.w3.org/2003/InkML">
+  <inkml:definitions>
+    <inkml:context xml:id="ctx0">
+      <inkml:inkSource xml:id="inkSrc0">
+        <inkml:traceFormat>
+          <inkml:channel name="X" type="integer" min="-2.14748E9" max="2.14748E9" units="cm"/>
+          <inkml:channel name="Y" type="integer" min="-2.14748E9" max="2.14748E9" units="cm"/>
+          <inkml:channel name="F" type="integer" max="32767" units="dev"/>
+        </inkml:traceFormat>
+        <inkml:channelProperties>
+          <inkml:channelProperty channel="X" name="resolution" value="1000" units="1/cm"/>
+          <inkml:channelProperty channel="Y" name="resolution" value="1000" units="1/cm"/>
+          <inkml:channelProperty channel="F" name="resolution" value="0" units="1/dev"/>
+        </inkml:channelProperties>
+      </inkml:inkSource>
+      <inkml:timestamp xml:id="ts0" timeString="2024-11-15T17:34:14.805"/>
+    </inkml:context>
+    <inkml:brush xml:id="br0">
+      <inkml:brushProperty name="width" value="0.035" units="cm"/>
+      <inkml:brushProperty name="height" value="0.035" units="cm"/>
+      <inkml:brushProperty name="color" value="#E71224"/>
+    </inkml:brush>
+  </inkml:definitions>
+  <inkml:trace contextRef="#ctx0" brushRef="#br0">0 0 24575,'0'0'-8191</inkml:trace>
+</inkml:ink>
+</file>
+
+<file path=ppt/ink/ink6.xml><?xml version="1.0" encoding="utf-8"?>
+<inkml:ink xmlns:inkml="http://www.w3.org/2003/InkML">
+  <inkml:definitions>
+    <inkml:context xml:id="ctx0">
+      <inkml:inkSource xml:id="inkSrc0">
+        <inkml:traceFormat>
+          <inkml:channel name="X" type="integer" min="-2.14748E9" max="2.14748E9" units="cm"/>
+          <inkml:channel name="Y" type="integer" min="-2.14748E9" max="2.14748E9" units="cm"/>
+          <inkml:channel name="F" type="integer" max="32767" units="dev"/>
+        </inkml:traceFormat>
+        <inkml:channelProperties>
+          <inkml:channelProperty channel="X" name="resolution" value="1000" units="1/cm"/>
+          <inkml:channelProperty channel="Y" name="resolution" value="1000" units="1/cm"/>
+          <inkml:channelProperty channel="F" name="resolution" value="0" units="1/dev"/>
+        </inkml:channelProperties>
+      </inkml:inkSource>
+      <inkml:timestamp xml:id="ts0" timeString="2024-11-15T17:34:29.054"/>
+    </inkml:context>
+    <inkml:brush xml:id="br0">
+      <inkml:brushProperty name="width" value="0.035" units="cm"/>
+      <inkml:brushProperty name="height" value="0.035" units="cm"/>
+      <inkml:brushProperty name="color" value="#E71224"/>
+    </inkml:brush>
+  </inkml:definitions>
+  <inkml:trace contextRef="#ctx0" brushRef="#br0">1181 0 24575,'0'10'0,"0"17"0,0 0 0,2-1 0,0 1 0,11 40 0,-5-34 0,-1-1 0,-2 1 0,-1 0 0,-1 0 0,-2 0 0,-3 37 0,0-61 0,-1-1 0,0 1 0,0-1 0,0 0 0,-1 0 0,-1 0 0,1 0 0,-1-1 0,0 1 0,-1-1 0,0-1 0,0 1 0,-1-1 0,-8 7 0,4-3 0,1 0 0,0 1 0,0 0 0,-11 20 0,-14 26 0,25-43 0,1 1 0,0 0 0,1 0 0,0 1 0,1 1 0,1-1 0,1 1 0,-4 18 0,5 32 0,3-48 0,0 0 0,-5 26 0,4-38 0,0-1 0,1 0 0,-2 0 0,1 0 0,-1-1 0,0 1 0,0-1 0,-1 1 0,1-1 0,-1 0 0,-6 6 0,4-5 0,0-1 0,-1 1 0,0-1 0,0-1 0,0 1 0,0-1 0,-1 0 0,0-1 0,1 0 0,-10 3 0,-3-2 0,0 0 0,-35 1 0,-33 5 0,76-7 0,0 1 0,1 1 0,0 0 0,0 0 0,0 1 0,0 1 0,1-1 0,0 2 0,1-1 0,-14 14 0,9-6 0,0 0 0,1 1 0,0 0 0,2 1 0,-16 29 0,22-33 0,0 1 0,1 0 0,0 0 0,1 0 0,-2 19 0,5-23 0,-1 0 0,-1 0 0,0 0 0,0 0 0,-1-1 0,0 1 0,0-1 0,-1 1 0,0-1 0,-1-1 0,0 1 0,-10 12 0,7-13 0,0 0 0,0-1 0,-1 0 0,1-1 0,-1 0 0,-1 0 0,1-1 0,-1 0 0,0-1 0,0 0 0,-21 5 0,4-4 0,-1-2 0,1 0 0,-43-3 0,29-1-1365,5 0-5461</inkml:trace>
+</inkml:ink>
 </file>
 
 <file path=ppt/notesMasters/notesMaster1.xml><?xml version="1.0" encoding="utf-8"?>
@@ -203,7 +2282,7 @@
           <a:p>
             <a:fld id="{F17A59BF-489B-4518-8DC9-D56D0630A8E3}" type="datetimeFigureOut">
               <a:rPr lang="pt-BR" smtClean="0"/>
-              <a:t>09/11/2024</a:t>
+              <a:t>16/11/2024</a:t>
             </a:fld>
             <a:endParaRPr lang="pt-BR"/>
           </a:p>
@@ -619,6 +2698,198 @@
           <a:p>
             <a:fld id="{43CBAC1E-08C2-409B-AAA7-260B1A337E03}" type="slidenum">
               <a:rPr lang="pt-BR" smtClean="0"/>
+              <a:t>2</a:t>
+            </a:fld>
+            <a:endParaRPr lang="pt-BR"/>
+          </a:p>
+        </p:txBody>
+      </p:sp>
+    </p:spTree>
+    <p:extLst>
+      <p:ext uri="{BB962C8B-B14F-4D97-AF65-F5344CB8AC3E}">
+        <p14:creationId xmlns:p14="http://schemas.microsoft.com/office/powerpoint/2010/main" val="2938592597"/>
+      </p:ext>
+    </p:extLst>
+  </p:cSld>
+  <p:clrMapOvr>
+    <a:masterClrMapping/>
+  </p:clrMapOvr>
+</p:notes>
+</file>
+
+<file path=ppt/notesSlides/notesSlide3.xml><?xml version="1.0" encoding="utf-8"?>
+<p:notes xmlns:a="http://schemas.openxmlformats.org/drawingml/2006/main" xmlns:r="http://schemas.openxmlformats.org/officeDocument/2006/relationships" xmlns:p="http://schemas.openxmlformats.org/presentationml/2006/main">
+  <p:cSld>
+    <p:spTree>
+      <p:nvGrpSpPr>
+        <p:cNvPr id="1" name="">
+          <a:extLst>
+            <a:ext uri="{FF2B5EF4-FFF2-40B4-BE49-F238E27FC236}">
+              <a16:creationId xmlns:a16="http://schemas.microsoft.com/office/drawing/2014/main" id="{572A0E06-35B0-4A6A-A782-8FA0502E1EA9}"/>
+            </a:ext>
+          </a:extLst>
+        </p:cNvPr>
+        <p:cNvGrpSpPr/>
+        <p:nvPr/>
+      </p:nvGrpSpPr>
+      <p:grpSpPr>
+        <a:xfrm>
+          <a:off x="0" y="0"/>
+          <a:ext cx="0" cy="0"/>
+          <a:chOff x="0" y="0"/>
+          <a:chExt cx="0" cy="0"/>
+        </a:xfrm>
+      </p:grpSpPr>
+      <p:sp>
+        <p:nvSpPr>
+          <p:cNvPr id="2" name="Espaço Reservado para Imagem de Slide 1">
+            <a:extLst>
+              <a:ext uri="{FF2B5EF4-FFF2-40B4-BE49-F238E27FC236}">
+                <a16:creationId xmlns:a16="http://schemas.microsoft.com/office/drawing/2014/main" id="{4BF4B370-7620-3A38-D23E-761A1244A90D}"/>
+              </a:ext>
+            </a:extLst>
+          </p:cNvPr>
+          <p:cNvSpPr>
+            <a:spLocks noGrp="1" noRot="1" noChangeAspect="1"/>
+          </p:cNvSpPr>
+          <p:nvPr>
+            <p:ph type="sldImg"/>
+          </p:nvPr>
+        </p:nvSpPr>
+        <p:spPr/>
+      </p:sp>
+      <p:sp>
+        <p:nvSpPr>
+          <p:cNvPr id="3" name="Espaço Reservado para Anotações 2">
+            <a:extLst>
+              <a:ext uri="{FF2B5EF4-FFF2-40B4-BE49-F238E27FC236}">
+                <a16:creationId xmlns:a16="http://schemas.microsoft.com/office/drawing/2014/main" id="{0066CD0A-9B5D-0844-7DC2-63473F1E4ABF}"/>
+              </a:ext>
+            </a:extLst>
+          </p:cNvPr>
+          <p:cNvSpPr>
+            <a:spLocks noGrp="1"/>
+          </p:cNvSpPr>
+          <p:nvPr>
+            <p:ph type="body" idx="1"/>
+          </p:nvPr>
+        </p:nvSpPr>
+        <p:spPr/>
+        <p:txBody>
+          <a:bodyPr/>
+          <a:lstStyle/>
+          <a:p>
+            <a:endParaRPr lang="pt-BR" dirty="0"/>
+          </a:p>
+        </p:txBody>
+      </p:sp>
+      <p:sp>
+        <p:nvSpPr>
+          <p:cNvPr id="4" name="Espaço Reservado para Número de Slide 3">
+            <a:extLst>
+              <a:ext uri="{FF2B5EF4-FFF2-40B4-BE49-F238E27FC236}">
+                <a16:creationId xmlns:a16="http://schemas.microsoft.com/office/drawing/2014/main" id="{8E132E20-F7E2-2E2D-9A76-2C2E36D207DB}"/>
+              </a:ext>
+            </a:extLst>
+          </p:cNvPr>
+          <p:cNvSpPr>
+            <a:spLocks noGrp="1"/>
+          </p:cNvSpPr>
+          <p:nvPr>
+            <p:ph type="sldNum" sz="quarter" idx="5"/>
+          </p:nvPr>
+        </p:nvSpPr>
+        <p:spPr/>
+        <p:txBody>
+          <a:bodyPr/>
+          <a:lstStyle/>
+          <a:p>
+            <a:fld id="{43CBAC1E-08C2-409B-AAA7-260B1A337E03}" type="slidenum">
+              <a:rPr lang="pt-BR" smtClean="0"/>
+              <a:t>3</a:t>
+            </a:fld>
+            <a:endParaRPr lang="pt-BR"/>
+          </a:p>
+        </p:txBody>
+      </p:sp>
+    </p:spTree>
+    <p:extLst>
+      <p:ext uri="{BB962C8B-B14F-4D97-AF65-F5344CB8AC3E}">
+        <p14:creationId xmlns:p14="http://schemas.microsoft.com/office/powerpoint/2010/main" val="646927736"/>
+      </p:ext>
+    </p:extLst>
+  </p:cSld>
+  <p:clrMapOvr>
+    <a:masterClrMapping/>
+  </p:clrMapOvr>
+</p:notes>
+</file>
+
+<file path=ppt/notesSlides/notesSlide4.xml><?xml version="1.0" encoding="utf-8"?>
+<p:notes xmlns:a="http://schemas.openxmlformats.org/drawingml/2006/main" xmlns:r="http://schemas.openxmlformats.org/officeDocument/2006/relationships" xmlns:p="http://schemas.openxmlformats.org/presentationml/2006/main">
+  <p:cSld>
+    <p:spTree>
+      <p:nvGrpSpPr>
+        <p:cNvPr id="1" name=""/>
+        <p:cNvGrpSpPr/>
+        <p:nvPr/>
+      </p:nvGrpSpPr>
+      <p:grpSpPr>
+        <a:xfrm>
+          <a:off x="0" y="0"/>
+          <a:ext cx="0" cy="0"/>
+          <a:chOff x="0" y="0"/>
+          <a:chExt cx="0" cy="0"/>
+        </a:xfrm>
+      </p:grpSpPr>
+      <p:sp>
+        <p:nvSpPr>
+          <p:cNvPr id="2" name="Espaço Reservado para Imagem de Slide 1"/>
+          <p:cNvSpPr>
+            <a:spLocks noGrp="1" noRot="1" noChangeAspect="1"/>
+          </p:cNvSpPr>
+          <p:nvPr>
+            <p:ph type="sldImg"/>
+          </p:nvPr>
+        </p:nvSpPr>
+        <p:spPr/>
+      </p:sp>
+      <p:sp>
+        <p:nvSpPr>
+          <p:cNvPr id="3" name="Espaço Reservado para Anotações 2"/>
+          <p:cNvSpPr>
+            <a:spLocks noGrp="1"/>
+          </p:cNvSpPr>
+          <p:nvPr>
+            <p:ph type="body" idx="1"/>
+          </p:nvPr>
+        </p:nvSpPr>
+        <p:spPr/>
+        <p:txBody>
+          <a:bodyPr/>
+          <a:lstStyle/>
+          <a:p>
+            <a:endParaRPr lang="pt-BR" dirty="0"/>
+          </a:p>
+        </p:txBody>
+      </p:sp>
+      <p:sp>
+        <p:nvSpPr>
+          <p:cNvPr id="4" name="Espaço Reservado para Número de Slide 3"/>
+          <p:cNvSpPr>
+            <a:spLocks noGrp="1"/>
+          </p:cNvSpPr>
+          <p:nvPr>
+            <p:ph type="sldNum" sz="quarter" idx="5"/>
+          </p:nvPr>
+        </p:nvSpPr>
+        <p:spPr/>
+        <p:txBody>
+          <a:bodyPr/>
+          <a:lstStyle/>
+          <a:p>
+            <a:fld id="{43CBAC1E-08C2-409B-AAA7-260B1A337E03}" type="slidenum">
+              <a:rPr lang="pt-BR" smtClean="0"/>
               <a:t>4</a:t>
             </a:fld>
             <a:endParaRPr lang="pt-BR"/>
@@ -785,7 +3056,7 @@
           <a:p>
             <a:fld id="{3B22DA58-8EB5-4900-927F-618B5B3B645D}" type="datetimeFigureOut">
               <a:rPr lang="pt-BR" smtClean="0"/>
-              <a:t>09/11/2024</a:t>
+              <a:t>16/11/2024</a:t>
             </a:fld>
             <a:endParaRPr lang="pt-BR"/>
           </a:p>
@@ -983,7 +3254,7 @@
           <a:p>
             <a:fld id="{3B22DA58-8EB5-4900-927F-618B5B3B645D}" type="datetimeFigureOut">
               <a:rPr lang="pt-BR" smtClean="0"/>
-              <a:t>09/11/2024</a:t>
+              <a:t>16/11/2024</a:t>
             </a:fld>
             <a:endParaRPr lang="pt-BR"/>
           </a:p>
@@ -1191,7 +3462,7 @@
           <a:p>
             <a:fld id="{3B22DA58-8EB5-4900-927F-618B5B3B645D}" type="datetimeFigureOut">
               <a:rPr lang="pt-BR" smtClean="0"/>
-              <a:t>09/11/2024</a:t>
+              <a:t>16/11/2024</a:t>
             </a:fld>
             <a:endParaRPr lang="pt-BR"/>
           </a:p>
@@ -1389,7 +3660,7 @@
           <a:p>
             <a:fld id="{3B22DA58-8EB5-4900-927F-618B5B3B645D}" type="datetimeFigureOut">
               <a:rPr lang="pt-BR" smtClean="0"/>
-              <a:t>09/11/2024</a:t>
+              <a:t>16/11/2024</a:t>
             </a:fld>
             <a:endParaRPr lang="pt-BR"/>
           </a:p>
@@ -1664,7 +3935,7 @@
           <a:p>
             <a:fld id="{3B22DA58-8EB5-4900-927F-618B5B3B645D}" type="datetimeFigureOut">
               <a:rPr lang="pt-BR" smtClean="0"/>
-              <a:t>09/11/2024</a:t>
+              <a:t>16/11/2024</a:t>
             </a:fld>
             <a:endParaRPr lang="pt-BR"/>
           </a:p>
@@ -1929,7 +4200,7 @@
           <a:p>
             <a:fld id="{3B22DA58-8EB5-4900-927F-618B5B3B645D}" type="datetimeFigureOut">
               <a:rPr lang="pt-BR" smtClean="0"/>
-              <a:t>09/11/2024</a:t>
+              <a:t>16/11/2024</a:t>
             </a:fld>
             <a:endParaRPr lang="pt-BR"/>
           </a:p>
@@ -2341,7 +4612,7 @@
           <a:p>
             <a:fld id="{3B22DA58-8EB5-4900-927F-618B5B3B645D}" type="datetimeFigureOut">
               <a:rPr lang="pt-BR" smtClean="0"/>
-              <a:t>09/11/2024</a:t>
+              <a:t>16/11/2024</a:t>
             </a:fld>
             <a:endParaRPr lang="pt-BR"/>
           </a:p>
@@ -2482,7 +4753,7 @@
           <a:p>
             <a:fld id="{3B22DA58-8EB5-4900-927F-618B5B3B645D}" type="datetimeFigureOut">
               <a:rPr lang="pt-BR" smtClean="0"/>
-              <a:t>09/11/2024</a:t>
+              <a:t>16/11/2024</a:t>
             </a:fld>
             <a:endParaRPr lang="pt-BR"/>
           </a:p>
@@ -2595,7 +4866,7 @@
           <a:p>
             <a:fld id="{3B22DA58-8EB5-4900-927F-618B5B3B645D}" type="datetimeFigureOut">
               <a:rPr lang="pt-BR" smtClean="0"/>
-              <a:t>09/11/2024</a:t>
+              <a:t>16/11/2024</a:t>
             </a:fld>
             <a:endParaRPr lang="pt-BR"/>
           </a:p>
@@ -2906,7 +5177,7 @@
           <a:p>
             <a:fld id="{3B22DA58-8EB5-4900-927F-618B5B3B645D}" type="datetimeFigureOut">
               <a:rPr lang="pt-BR" smtClean="0"/>
-              <a:t>09/11/2024</a:t>
+              <a:t>16/11/2024</a:t>
             </a:fld>
             <a:endParaRPr lang="pt-BR"/>
           </a:p>
@@ -3194,7 +5465,7 @@
           <a:p>
             <a:fld id="{3B22DA58-8EB5-4900-927F-618B5B3B645D}" type="datetimeFigureOut">
               <a:rPr lang="pt-BR" smtClean="0"/>
-              <a:t>09/11/2024</a:t>
+              <a:t>16/11/2024</a:t>
             </a:fld>
             <a:endParaRPr lang="pt-BR"/>
           </a:p>
@@ -3435,7 +5706,7 @@
           <a:p>
             <a:fld id="{3B22DA58-8EB5-4900-927F-618B5B3B645D}" type="datetimeFigureOut">
               <a:rPr lang="pt-BR" smtClean="0"/>
-              <a:t>09/11/2024</a:t>
+              <a:t>16/11/2024</a:t>
             </a:fld>
             <a:endParaRPr lang="pt-BR"/>
           </a:p>
@@ -4420,11 +6691,17 @@
 </file>
 
 <file path=ppt/slides/slide2.xml><?xml version="1.0" encoding="utf-8"?>
-<p:sld xmlns:a="http://schemas.openxmlformats.org/drawingml/2006/main" xmlns:r="http://schemas.openxmlformats.org/officeDocument/2006/relationships" xmlns:p="http://schemas.openxmlformats.org/presentationml/2006/main">
+<p:sld xmlns:a="http://schemas.openxmlformats.org/drawingml/2006/main" xmlns:r="http://schemas.openxmlformats.org/officeDocument/2006/relationships" xmlns:p="http://schemas.openxmlformats.org/presentationml/2006/main" show="0">
   <p:cSld>
     <p:spTree>
       <p:nvGrpSpPr>
-        <p:cNvPr id="1" name=""/>
+        <p:cNvPr id="1" name="">
+          <a:extLst>
+            <a:ext uri="{FF2B5EF4-FFF2-40B4-BE49-F238E27FC236}">
+              <a16:creationId xmlns:a16="http://schemas.microsoft.com/office/drawing/2014/main" id="{789C227F-E61B-3A4D-5860-2DBF64516F75}"/>
+            </a:ext>
+          </a:extLst>
+        </p:cNvPr>
         <p:cNvGrpSpPr/>
         <p:nvPr/>
       </p:nvGrpSpPr>
@@ -4441,7 +6718,7 @@
           <p:cNvPr id="6" name="Título 5">
             <a:extLst>
               <a:ext uri="{FF2B5EF4-FFF2-40B4-BE49-F238E27FC236}">
-                <a16:creationId xmlns:a16="http://schemas.microsoft.com/office/drawing/2014/main" id="{B4BBD1BB-965D-665D-C508-0649605D1F86}"/>
+                <a16:creationId xmlns:a16="http://schemas.microsoft.com/office/drawing/2014/main" id="{ABD0D8FF-AA7B-7112-EAED-DE3E80C7AD00}"/>
               </a:ext>
             </a:extLst>
           </p:cNvPr>
@@ -4478,7 +6755,7 @@
           <p:cNvPr id="7" name="Picture 4" descr="sptrans_logo –">
             <a:extLst>
               <a:ext uri="{FF2B5EF4-FFF2-40B4-BE49-F238E27FC236}">
-                <a16:creationId xmlns:a16="http://schemas.microsoft.com/office/drawing/2014/main" id="{8D08E230-22FA-663C-A691-8B25D8C4863C}"/>
+                <a16:creationId xmlns:a16="http://schemas.microsoft.com/office/drawing/2014/main" id="{9FBC7E58-C6F3-590D-B764-1C362A9F4B71}"/>
               </a:ext>
             </a:extLst>
           </p:cNvPr>
@@ -4488,7 +6765,7 @@
           <p:nvPr/>
         </p:nvPicPr>
         <p:blipFill>
-          <a:blip r:embed="rId2">
+          <a:blip r:embed="rId3">
             <a:extLst>
               <a:ext uri="{28A0092B-C50C-407E-A947-70E740481C1C}">
                 <a14:useLocalDpi xmlns:a14="http://schemas.microsoft.com/office/drawing/2010/main" val="0"/>
@@ -4525,7 +6802,7 @@
           <p:cNvPr id="8" name="Título 5">
             <a:extLst>
               <a:ext uri="{FF2B5EF4-FFF2-40B4-BE49-F238E27FC236}">
-                <a16:creationId xmlns:a16="http://schemas.microsoft.com/office/drawing/2014/main" id="{56AA097E-92B9-7332-DD23-A94C019B7C87}"/>
+                <a16:creationId xmlns:a16="http://schemas.microsoft.com/office/drawing/2014/main" id="{EC5C1AB7-2B6D-366F-B3DC-47904411ABC3}"/>
               </a:ext>
             </a:extLst>
           </p:cNvPr>
@@ -4573,51 +6850,27 @@
               </a:rPr>
               <a:t>Analisando Comportamento da População Paulista – Transporte Público </a:t>
             </a:r>
-          </a:p>
-        </p:txBody>
-      </p:sp>
-      <p:pic>
-        <p:nvPicPr>
-          <p:cNvPr id="10" name="Gráfico 9" descr="Ônibus com preenchimento sólido">
-            <a:extLst>
-              <a:ext uri="{FF2B5EF4-FFF2-40B4-BE49-F238E27FC236}">
-                <a16:creationId xmlns:a16="http://schemas.microsoft.com/office/drawing/2014/main" id="{099861AD-8CE2-A950-9CD4-E74CE6701ED6}"/>
-              </a:ext>
-            </a:extLst>
-          </p:cNvPr>
-          <p:cNvPicPr>
-            <a:picLocks noChangeAspect="1"/>
-          </p:cNvPicPr>
-          <p:nvPr/>
-        </p:nvPicPr>
-        <p:blipFill>
-          <a:blip r:embed="rId3">
-            <a:extLst>
-              <a:ext uri="{96DAC541-7B7A-43D3-8B79-37D633B846F1}">
-                <asvg:svgBlip xmlns:asvg="http://schemas.microsoft.com/office/drawing/2016/SVG/main" r:embed="rId4"/>
-              </a:ext>
-            </a:extLst>
-          </a:blip>
-          <a:stretch>
-            <a:fillRect/>
-          </a:stretch>
-        </p:blipFill>
-        <p:spPr>
-          <a:xfrm>
-            <a:off x="6096000" y="1548411"/>
-            <a:ext cx="1096189" cy="1096189"/>
-          </a:xfrm>
-          <a:prstGeom prst="rect">
-            <a:avLst/>
-          </a:prstGeom>
-        </p:spPr>
-      </p:pic>
-      <p:sp>
-        <p:nvSpPr>
-          <p:cNvPr id="11" name="Título 5">
-            <a:extLst>
-              <a:ext uri="{FF2B5EF4-FFF2-40B4-BE49-F238E27FC236}">
-                <a16:creationId xmlns:a16="http://schemas.microsoft.com/office/drawing/2014/main" id="{6D889964-61C8-A090-30BF-A72EACA3066C}"/>
+            <a:r>
+              <a:rPr lang="pt-BR" sz="1200" dirty="0">
+                <a:latin typeface="Aptos Display" panose="020B0004020202020204" pitchFamily="34" charset="0"/>
+              </a:rPr>
+              <a:t>(Safras 2003 – 2024</a:t>
+            </a:r>
+            <a:r>
+              <a:rPr lang="pt-BR" sz="1800" dirty="0">
+                <a:latin typeface="Aptos Display" panose="020B0004020202020204" pitchFamily="34" charset="0"/>
+              </a:rPr>
+              <a:t>) </a:t>
+            </a:r>
+          </a:p>
+        </p:txBody>
+      </p:sp>
+      <p:sp>
+        <p:nvSpPr>
+          <p:cNvPr id="13" name="Título 5">
+            <a:extLst>
+              <a:ext uri="{FF2B5EF4-FFF2-40B4-BE49-F238E27FC236}">
+                <a16:creationId xmlns:a16="http://schemas.microsoft.com/office/drawing/2014/main" id="{61F0AE6A-A605-7251-0EB5-9A3D28C5D209}"/>
               </a:ext>
             </a:extLst>
           </p:cNvPr>
@@ -4628,8 +6881,8 @@
         </p:nvSpPr>
         <p:spPr>
           <a:xfrm>
-            <a:off x="7593945" y="1548411"/>
-            <a:ext cx="2258961" cy="1096189"/>
+            <a:off x="9904076" y="6494206"/>
+            <a:ext cx="2460523" cy="363794"/>
           </a:xfrm>
           <a:prstGeom prst="rect">
             <a:avLst/>
@@ -4661,284 +6914,49 @@
           <a:p>
             <a:pPr algn="just"/>
             <a:r>
-              <a:rPr lang="pt-BR" sz="1400" dirty="0">
+              <a:rPr lang="pt-BR" sz="1200" dirty="0">
                 <a:latin typeface="Aptos Display" panose="020B0004020202020204" pitchFamily="34" charset="0"/>
               </a:rPr>
-              <a:t>Atualmente a </a:t>
-            </a:r>
-            <a:r>
-              <a:rPr lang="pt-BR" sz="1400" dirty="0" err="1">
+              <a:t>Referência do estudo: </a:t>
+            </a:r>
+            <a:r>
+              <a:rPr lang="pt-BR" sz="1200" dirty="0" err="1">
                 <a:latin typeface="Aptos Display" panose="020B0004020202020204" pitchFamily="34" charset="0"/>
               </a:rPr>
-              <a:t>Sptrans</a:t>
-            </a:r>
-            <a:r>
-              <a:rPr lang="pt-BR" sz="1400" dirty="0">
+              <a:t>Nov</a:t>
+            </a:r>
+            <a:r>
+              <a:rPr lang="pt-BR" sz="1200" dirty="0">
                 <a:latin typeface="Aptos Display" panose="020B0004020202020204" pitchFamily="34" charset="0"/>
               </a:rPr>
-              <a:t> é responsável pelo transporte de 2,5MM de pessoas por dia</a:t>
-            </a:r>
-          </a:p>
-        </p:txBody>
-      </p:sp>
-      <p:sp>
-        <p:nvSpPr>
-          <p:cNvPr id="12" name="Título 5">
-            <a:extLst>
-              <a:ext uri="{FF2B5EF4-FFF2-40B4-BE49-F238E27FC236}">
-                <a16:creationId xmlns:a16="http://schemas.microsoft.com/office/drawing/2014/main" id="{025DBDC5-D80B-1BCE-A0D2-F89C2E123658}"/>
-              </a:ext>
-            </a:extLst>
-          </p:cNvPr>
-          <p:cNvSpPr txBox="1">
-            <a:spLocks/>
-          </p:cNvSpPr>
+              <a:t>/2024</a:t>
+            </a:r>
+          </a:p>
+        </p:txBody>
+      </p:sp>
+      <p:sp>
+        <p:nvSpPr>
+          <p:cNvPr id="2" name="Retângulo 1">
+            <a:extLst>
+              <a:ext uri="{FF2B5EF4-FFF2-40B4-BE49-F238E27FC236}">
+                <a16:creationId xmlns:a16="http://schemas.microsoft.com/office/drawing/2014/main" id="{4FA5B515-07FD-D6D1-BF9D-A613C999A2E5}"/>
+              </a:ext>
+            </a:extLst>
+          </p:cNvPr>
+          <p:cNvSpPr/>
           <p:nvPr/>
         </p:nvSpPr>
         <p:spPr>
           <a:xfrm>
-            <a:off x="327878" y="1376009"/>
-            <a:ext cx="10515600" cy="383458"/>
+            <a:off x="0" y="1312606"/>
+            <a:ext cx="4011561" cy="288000"/>
           </a:xfrm>
           <a:prstGeom prst="rect">
             <a:avLst/>
           </a:prstGeom>
-        </p:spPr>
-        <p:txBody>
-          <a:bodyPr vert="horz" lIns="91440" tIns="45720" rIns="91440" bIns="45720" rtlCol="0" anchor="ctr">
-            <a:normAutofit fontScale="97500"/>
-          </a:bodyPr>
-          <a:lstStyle>
-            <a:lvl1pPr algn="l" defTabSz="914400" rtl="0" eaLnBrk="1" latinLnBrk="0" hangingPunct="1">
-              <a:lnSpc>
-                <a:spcPct val="90000"/>
-              </a:lnSpc>
-              <a:spcBef>
-                <a:spcPct val="0"/>
-              </a:spcBef>
-              <a:buNone/>
-              <a:defRPr sz="4400" kern="1200">
-                <a:solidFill>
-                  <a:schemeClr val="tx1"/>
-                </a:solidFill>
-                <a:latin typeface="+mj-lt"/>
-                <a:ea typeface="+mj-ea"/>
-                <a:cs typeface="+mj-cs"/>
-              </a:defRPr>
-            </a:lvl1pPr>
-          </a:lstStyle>
-          <a:p>
-            <a:r>
-              <a:rPr lang="pt-BR" sz="1800" b="1" dirty="0" err="1">
-                <a:solidFill>
-                  <a:srgbClr val="800000"/>
-                </a:solidFill>
-                <a:latin typeface="Aptos Display" panose="020B0004020202020204" pitchFamily="34" charset="0"/>
-              </a:rPr>
-              <a:t>Sptrans</a:t>
-            </a:r>
-            <a:endParaRPr lang="pt-BR" sz="1800" b="1" dirty="0">
-              <a:solidFill>
-                <a:srgbClr val="800000"/>
-              </a:solidFill>
-              <a:latin typeface="Aptos Display" panose="020B0004020202020204" pitchFamily="34" charset="0"/>
-            </a:endParaRPr>
-          </a:p>
-        </p:txBody>
-      </p:sp>
-      <p:sp>
-        <p:nvSpPr>
-          <p:cNvPr id="13" name="Título 5">
-            <a:extLst>
-              <a:ext uri="{FF2B5EF4-FFF2-40B4-BE49-F238E27FC236}">
-                <a16:creationId xmlns:a16="http://schemas.microsoft.com/office/drawing/2014/main" id="{0B5E2A2C-91FF-B183-191E-B89E07BB06CA}"/>
-              </a:ext>
-            </a:extLst>
-          </p:cNvPr>
-          <p:cNvSpPr txBox="1">
-            <a:spLocks/>
-          </p:cNvSpPr>
-          <p:nvPr/>
-        </p:nvSpPr>
-        <p:spPr>
-          <a:xfrm>
-            <a:off x="9904076" y="6494206"/>
-            <a:ext cx="2460523" cy="363794"/>
-          </a:xfrm>
-          <a:prstGeom prst="rect">
-            <a:avLst/>
-          </a:prstGeom>
-        </p:spPr>
-        <p:txBody>
-          <a:bodyPr vert="horz" lIns="91440" tIns="45720" rIns="91440" bIns="45720" rtlCol="0" anchor="ctr">
-            <a:normAutofit fontScale="97500"/>
-          </a:bodyPr>
-          <a:lstStyle>
-            <a:lvl1pPr algn="l" defTabSz="914400" rtl="0" eaLnBrk="1" latinLnBrk="0" hangingPunct="1">
-              <a:lnSpc>
-                <a:spcPct val="90000"/>
-              </a:lnSpc>
-              <a:spcBef>
-                <a:spcPct val="0"/>
-              </a:spcBef>
-              <a:buNone/>
-              <a:defRPr sz="4400" kern="1200">
-                <a:solidFill>
-                  <a:schemeClr val="tx1"/>
-                </a:solidFill>
-                <a:latin typeface="+mj-lt"/>
-                <a:ea typeface="+mj-ea"/>
-                <a:cs typeface="+mj-cs"/>
-              </a:defRPr>
-            </a:lvl1pPr>
-          </a:lstStyle>
-          <a:p>
-            <a:pPr algn="just"/>
-            <a:r>
-              <a:rPr lang="pt-BR" sz="1200" dirty="0">
-                <a:latin typeface="Aptos Display" panose="020B0004020202020204" pitchFamily="34" charset="0"/>
-              </a:rPr>
-              <a:t>Referência do estudo: </a:t>
-            </a:r>
-            <a:r>
-              <a:rPr lang="pt-BR" sz="1200" dirty="0" err="1">
-                <a:latin typeface="Aptos Display" panose="020B0004020202020204" pitchFamily="34" charset="0"/>
-              </a:rPr>
-              <a:t>Nov</a:t>
-            </a:r>
-            <a:r>
-              <a:rPr lang="pt-BR" sz="1200" dirty="0">
-                <a:latin typeface="Aptos Display" panose="020B0004020202020204" pitchFamily="34" charset="0"/>
-              </a:rPr>
-              <a:t>/2024</a:t>
-            </a:r>
-          </a:p>
-        </p:txBody>
-      </p:sp>
-      <p:pic>
-        <p:nvPicPr>
-          <p:cNvPr id="2050" name="Picture 2" descr="Calendário - ícones de ferramentas e utensílios grátis">
-            <a:extLst>
-              <a:ext uri="{FF2B5EF4-FFF2-40B4-BE49-F238E27FC236}">
-                <a16:creationId xmlns:a16="http://schemas.microsoft.com/office/drawing/2014/main" id="{FAB341C2-BD3C-69C3-867C-133E01485C44}"/>
-              </a:ext>
-            </a:extLst>
-          </p:cNvPr>
-          <p:cNvPicPr>
-            <a:picLocks noChangeAspect="1" noChangeArrowheads="1"/>
-          </p:cNvPicPr>
-          <p:nvPr/>
-        </p:nvPicPr>
-        <p:blipFill>
-          <a:blip r:embed="rId5">
-            <a:extLst>
-              <a:ext uri="{28A0092B-C50C-407E-A947-70E740481C1C}">
-                <a14:useLocalDpi xmlns:a14="http://schemas.microsoft.com/office/drawing/2010/main" val="0"/>
-              </a:ext>
-            </a:extLst>
-          </a:blip>
-          <a:srcRect/>
-          <a:stretch>
-            <a:fillRect/>
-          </a:stretch>
-        </p:blipFill>
-        <p:spPr bwMode="auto">
-          <a:xfrm>
-            <a:off x="1173699" y="1857735"/>
-            <a:ext cx="698204" cy="688597"/>
-          </a:xfrm>
-          <a:prstGeom prst="rect">
-            <a:avLst/>
-          </a:prstGeom>
-          <a:noFill/>
-          <a:extLst>
-            <a:ext uri="{909E8E84-426E-40DD-AFC4-6F175D3DCCD1}">
-              <a14:hiddenFill xmlns:a14="http://schemas.microsoft.com/office/drawing/2010/main">
-                <a:solidFill>
-                  <a:srgbClr val="FFFFFF"/>
-                </a:solidFill>
-              </a14:hiddenFill>
-            </a:ext>
-          </a:extLst>
-        </p:spPr>
-      </p:pic>
-      <p:sp>
-        <p:nvSpPr>
-          <p:cNvPr id="14" name="Título 5">
-            <a:extLst>
-              <a:ext uri="{FF2B5EF4-FFF2-40B4-BE49-F238E27FC236}">
-                <a16:creationId xmlns:a16="http://schemas.microsoft.com/office/drawing/2014/main" id="{08AF8F9B-3F42-355E-F1E6-57F0A4485072}"/>
-              </a:ext>
-            </a:extLst>
-          </p:cNvPr>
-          <p:cNvSpPr txBox="1">
-            <a:spLocks/>
-          </p:cNvSpPr>
-          <p:nvPr/>
-        </p:nvSpPr>
-        <p:spPr>
-          <a:xfrm>
-            <a:off x="2216192" y="1773262"/>
-            <a:ext cx="2381864" cy="904629"/>
-          </a:xfrm>
-          <a:prstGeom prst="rect">
-            <a:avLst/>
-          </a:prstGeom>
-        </p:spPr>
-        <p:txBody>
-          <a:bodyPr vert="horz" lIns="91440" tIns="45720" rIns="91440" bIns="45720" rtlCol="0" anchor="ctr">
-            <a:normAutofit fontScale="97500"/>
-          </a:bodyPr>
-          <a:lstStyle>
-            <a:lvl1pPr algn="l" defTabSz="914400" rtl="0" eaLnBrk="1" latinLnBrk="0" hangingPunct="1">
-              <a:lnSpc>
-                <a:spcPct val="90000"/>
-              </a:lnSpc>
-              <a:spcBef>
-                <a:spcPct val="0"/>
-              </a:spcBef>
-              <a:buNone/>
-              <a:defRPr sz="4400" kern="1200">
-                <a:solidFill>
-                  <a:schemeClr val="tx1"/>
-                </a:solidFill>
-                <a:latin typeface="+mj-lt"/>
-                <a:ea typeface="+mj-ea"/>
-                <a:cs typeface="+mj-cs"/>
-              </a:defRPr>
-            </a:lvl1pPr>
-          </a:lstStyle>
-          <a:p>
-            <a:pPr algn="just"/>
-            <a:r>
-              <a:rPr lang="pt-BR" sz="1400" dirty="0">
-                <a:latin typeface="Aptos Display" panose="020B0004020202020204" pitchFamily="34" charset="0"/>
-              </a:rPr>
-              <a:t>A empresa SPTrans assumiu a responsabilidade do transporte público de São Paulo em 1998</a:t>
-            </a:r>
-          </a:p>
-        </p:txBody>
-      </p:sp>
-      <p:sp>
-        <p:nvSpPr>
-          <p:cNvPr id="15" name="Retângulo 14">
-            <a:extLst>
-              <a:ext uri="{FF2B5EF4-FFF2-40B4-BE49-F238E27FC236}">
-                <a16:creationId xmlns:a16="http://schemas.microsoft.com/office/drawing/2014/main" id="{EF476FE6-AA5A-A39B-503D-BD16A5DBC6C8}"/>
-              </a:ext>
-            </a:extLst>
-          </p:cNvPr>
-          <p:cNvSpPr/>
-          <p:nvPr/>
-        </p:nvSpPr>
-        <p:spPr>
-          <a:xfrm>
-            <a:off x="452284" y="2677891"/>
-            <a:ext cx="11454581" cy="3585257"/>
-          </a:xfrm>
-          <a:prstGeom prst="rect">
-            <a:avLst/>
-          </a:prstGeom>
+          <a:solidFill>
+            <a:schemeClr val="tx1"/>
+          </a:solidFill>
         </p:spPr>
         <p:style>
           <a:lnRef idx="2">
@@ -4962,8 +6980,825 @@
           <a:p>
             <a:pPr algn="ctr"/>
             <a:r>
+              <a:rPr lang="pt-BR" sz="1400" b="1" dirty="0"/>
+              <a:t> </a:t>
+            </a:r>
+          </a:p>
+        </p:txBody>
+      </p:sp>
+      <p:sp>
+        <p:nvSpPr>
+          <p:cNvPr id="4" name="Retângulo 3">
+            <a:extLst>
+              <a:ext uri="{FF2B5EF4-FFF2-40B4-BE49-F238E27FC236}">
+                <a16:creationId xmlns:a16="http://schemas.microsoft.com/office/drawing/2014/main" id="{DCC919B8-1A7B-096F-88B7-EA31FCF3B745}"/>
+              </a:ext>
+            </a:extLst>
+          </p:cNvPr>
+          <p:cNvSpPr/>
+          <p:nvPr/>
+        </p:nvSpPr>
+        <p:spPr>
+          <a:xfrm>
+            <a:off x="4204689" y="1312606"/>
+            <a:ext cx="7987312" cy="288000"/>
+          </a:xfrm>
+          <a:prstGeom prst="rect">
+            <a:avLst/>
+          </a:prstGeom>
+          <a:solidFill>
+            <a:schemeClr val="tx1"/>
+          </a:solidFill>
+        </p:spPr>
+        <p:style>
+          <a:lnRef idx="2">
+            <a:schemeClr val="accent1">
+              <a:shade val="15000"/>
+            </a:schemeClr>
+          </a:lnRef>
+          <a:fillRef idx="1">
+            <a:schemeClr val="accent1"/>
+          </a:fillRef>
+          <a:effectRef idx="0">
+            <a:schemeClr val="accent1"/>
+          </a:effectRef>
+          <a:fontRef idx="minor">
+            <a:schemeClr val="lt1"/>
+          </a:fontRef>
+        </p:style>
+        <p:txBody>
+          <a:bodyPr rtlCol="0" anchor="ctr"/>
+          <a:lstStyle/>
+          <a:p>
+            <a:endParaRPr lang="pt-BR" sz="1400" b="1" dirty="0"/>
+          </a:p>
+        </p:txBody>
+      </p:sp>
+      <p:sp>
+        <p:nvSpPr>
+          <p:cNvPr id="9" name="CaixaDeTexto 8">
+            <a:extLst>
+              <a:ext uri="{FF2B5EF4-FFF2-40B4-BE49-F238E27FC236}">
+                <a16:creationId xmlns:a16="http://schemas.microsoft.com/office/drawing/2014/main" id="{81CC642C-D762-40F1-76FE-506650DC7BA5}"/>
+              </a:ext>
+            </a:extLst>
+          </p:cNvPr>
+          <p:cNvSpPr txBox="1"/>
+          <p:nvPr/>
+        </p:nvSpPr>
+        <p:spPr>
+          <a:xfrm>
+            <a:off x="99448" y="1717387"/>
+            <a:ext cx="3852466" cy="954107"/>
+          </a:xfrm>
+          <a:prstGeom prst="rect">
+            <a:avLst/>
+          </a:prstGeom>
+          <a:noFill/>
+        </p:spPr>
+        <p:txBody>
+          <a:bodyPr wrap="square" rtlCol="0">
+            <a:spAutoFit/>
+          </a:bodyPr>
+          <a:lstStyle/>
+          <a:p>
+            <a:pPr algn="just"/>
+            <a:r>
+              <a:rPr lang="pt-BR" sz="1400" dirty="0">
+                <a:latin typeface="+mj-lt"/>
+              </a:rPr>
+              <a:t>A empresa SPTrans assumiu a responsabilidade do transporte público de São Paulo em 1998. </a:t>
+            </a:r>
+            <a:r>
+              <a:rPr lang="pt-BR" sz="1400" dirty="0">
+                <a:solidFill>
+                  <a:srgbClr val="FF6600"/>
+                </a:solidFill>
+                <a:latin typeface="+mj-lt"/>
+              </a:rPr>
+              <a:t>Desde então, tivemos em média, cerca de 58 bilhões de </a:t>
+            </a:r>
+            <a:r>
+              <a:rPr lang="pt-BR" sz="1400" dirty="0" err="1">
+                <a:solidFill>
+                  <a:srgbClr val="FF6600"/>
+                </a:solidFill>
+                <a:latin typeface="+mj-lt"/>
+              </a:rPr>
+              <a:t>usuarios</a:t>
+            </a:r>
+            <a:endParaRPr lang="pt-BR" sz="1600" dirty="0"/>
+          </a:p>
+        </p:txBody>
+      </p:sp>
+      <p:pic>
+        <p:nvPicPr>
+          <p:cNvPr id="1028" name="Picture 4" descr="São Paulo free map, free blank map, free outline map, free base map ...">
+            <a:extLst>
+              <a:ext uri="{FF2B5EF4-FFF2-40B4-BE49-F238E27FC236}">
+                <a16:creationId xmlns:a16="http://schemas.microsoft.com/office/drawing/2014/main" id="{6219AD1D-8BAA-67DC-863B-BED64AFDEA78}"/>
+              </a:ext>
+            </a:extLst>
+          </p:cNvPr>
+          <p:cNvPicPr>
+            <a:picLocks noChangeAspect="1" noChangeArrowheads="1"/>
+          </p:cNvPicPr>
+          <p:nvPr/>
+        </p:nvPicPr>
+        <p:blipFill>
+          <a:blip r:embed="rId4">
+            <a:extLst>
+              <a:ext uri="{28A0092B-C50C-407E-A947-70E740481C1C}">
+                <a14:useLocalDpi xmlns:a14="http://schemas.microsoft.com/office/drawing/2010/main" val="0"/>
+              </a:ext>
+            </a:extLst>
+          </a:blip>
+          <a:srcRect/>
+          <a:stretch>
+            <a:fillRect/>
+          </a:stretch>
+        </p:blipFill>
+        <p:spPr bwMode="auto">
+          <a:xfrm>
+            <a:off x="296106" y="2983767"/>
+            <a:ext cx="2226322" cy="1446640"/>
+          </a:xfrm>
+          <a:prstGeom prst="rect">
+            <a:avLst/>
+          </a:prstGeom>
+          <a:noFill/>
+          <a:extLst>
+            <a:ext uri="{909E8E84-426E-40DD-AFC4-6F175D3DCCD1}">
+              <a14:hiddenFill xmlns:a14="http://schemas.microsoft.com/office/drawing/2010/main">
+                <a:solidFill>
+                  <a:srgbClr val="FFFFFF"/>
+                </a:solidFill>
+              </a14:hiddenFill>
+            </a:ext>
+          </a:extLst>
+        </p:spPr>
+      </p:pic>
+      <p:sp>
+        <p:nvSpPr>
+          <p:cNvPr id="15" name="Chave Direita 14">
+            <a:extLst>
+              <a:ext uri="{FF2B5EF4-FFF2-40B4-BE49-F238E27FC236}">
+                <a16:creationId xmlns:a16="http://schemas.microsoft.com/office/drawing/2014/main" id="{4E516EFF-9574-BE4B-DFB9-B86888B59DEA}"/>
+              </a:ext>
+            </a:extLst>
+          </p:cNvPr>
+          <p:cNvSpPr/>
+          <p:nvPr/>
+        </p:nvSpPr>
+        <p:spPr>
+          <a:xfrm>
+            <a:off x="2647632" y="2983767"/>
+            <a:ext cx="167990" cy="1446640"/>
+          </a:xfrm>
+          <a:prstGeom prst="rightBrace">
+            <a:avLst/>
+          </a:prstGeom>
+        </p:spPr>
+        <p:style>
+          <a:lnRef idx="2">
+            <a:schemeClr val="accent1"/>
+          </a:lnRef>
+          <a:fillRef idx="0">
+            <a:schemeClr val="accent1"/>
+          </a:fillRef>
+          <a:effectRef idx="1">
+            <a:schemeClr val="accent1"/>
+          </a:effectRef>
+          <a:fontRef idx="minor">
+            <a:schemeClr val="tx1"/>
+          </a:fontRef>
+        </p:style>
+        <p:txBody>
+          <a:bodyPr rtlCol="0" anchor="ctr"/>
+          <a:lstStyle/>
+          <a:p>
+            <a:pPr algn="ctr"/>
+            <a:endParaRPr lang="pt-BR"/>
+          </a:p>
+        </p:txBody>
+      </p:sp>
+      <p:sp>
+        <p:nvSpPr>
+          <p:cNvPr id="16" name="CaixaDeTexto 15">
+            <a:extLst>
+              <a:ext uri="{FF2B5EF4-FFF2-40B4-BE49-F238E27FC236}">
+                <a16:creationId xmlns:a16="http://schemas.microsoft.com/office/drawing/2014/main" id="{74BC363A-2656-6DD8-3F4F-5E4D9A43D26C}"/>
+              </a:ext>
+            </a:extLst>
+          </p:cNvPr>
+          <p:cNvSpPr txBox="1"/>
+          <p:nvPr/>
+        </p:nvSpPr>
+        <p:spPr>
+          <a:xfrm>
+            <a:off x="3088484" y="3490318"/>
+            <a:ext cx="943897" cy="830997"/>
+          </a:xfrm>
+          <a:prstGeom prst="rect">
+            <a:avLst/>
+          </a:prstGeom>
+          <a:noFill/>
+        </p:spPr>
+        <p:txBody>
+          <a:bodyPr wrap="square" rtlCol="0">
+            <a:spAutoFit/>
+          </a:bodyPr>
+          <a:lstStyle/>
+          <a:p>
+            <a:r>
+              <a:rPr lang="pt-BR" sz="1200" dirty="0"/>
+              <a:t>Area atuada pela SPTrans</a:t>
+            </a:r>
+          </a:p>
+        </p:txBody>
+      </p:sp>
+      <mc:AlternateContent xmlns:mc="http://schemas.openxmlformats.org/markup-compatibility/2006" xmlns:p14="http://schemas.microsoft.com/office/powerpoint/2010/main">
+        <mc:Choice Requires="p14">
+          <p:contentPart p14:bwMode="auto" r:id="rId5">
+            <p14:nvContentPartPr>
+              <p14:cNvPr id="17" name="Tinta 16">
+                <a:extLst>
+                  <a:ext uri="{FF2B5EF4-FFF2-40B4-BE49-F238E27FC236}">
+                    <a16:creationId xmlns:a16="http://schemas.microsoft.com/office/drawing/2014/main" id="{7E44B134-7074-F477-2021-21E0C68F6662}"/>
+                  </a:ext>
+                </a:extLst>
+              </p14:cNvPr>
+              <p14:cNvContentPartPr/>
+              <p14:nvPr/>
+            </p14:nvContentPartPr>
+            <p14:xfrm>
+              <a:off x="1029731" y="3244276"/>
+              <a:ext cx="565920" cy="546840"/>
+            </p14:xfrm>
+          </p:contentPart>
+        </mc:Choice>
+        <mc:Fallback xmlns="">
+          <p:pic>
+            <p:nvPicPr>
+              <p:cNvPr id="17" name="Tinta 16">
+                <a:extLst>
+                  <a:ext uri="{FF2B5EF4-FFF2-40B4-BE49-F238E27FC236}">
+                    <a16:creationId xmlns:a16="http://schemas.microsoft.com/office/drawing/2014/main" id="{7E44B134-7074-F477-2021-21E0C68F6662}"/>
+                  </a:ext>
+                </a:extLst>
+              </p:cNvPr>
+              <p:cNvPicPr/>
+              <p:nvPr/>
+            </p:nvPicPr>
+            <p:blipFill>
+              <a:blip r:embed="rId6"/>
+              <a:stretch>
+                <a:fillRect/>
+              </a:stretch>
+            </p:blipFill>
+            <p:spPr>
+              <a:xfrm>
+                <a:off x="1023611" y="3238152"/>
+                <a:ext cx="578160" cy="559088"/>
+              </a:xfrm>
+              <a:prstGeom prst="rect">
+                <a:avLst/>
+              </a:prstGeom>
+            </p:spPr>
+          </p:pic>
+        </mc:Fallback>
+      </mc:AlternateContent>
+      <mc:AlternateContent xmlns:mc="http://schemas.openxmlformats.org/markup-compatibility/2006" xmlns:p14="http://schemas.microsoft.com/office/powerpoint/2010/main">
+        <mc:Choice Requires="p14">
+          <p:contentPart p14:bwMode="auto" r:id="rId7">
+            <p14:nvContentPartPr>
+              <p14:cNvPr id="20" name="Tinta 19">
+                <a:extLst>
+                  <a:ext uri="{FF2B5EF4-FFF2-40B4-BE49-F238E27FC236}">
+                    <a16:creationId xmlns:a16="http://schemas.microsoft.com/office/drawing/2014/main" id="{BA96413C-487F-562F-0F09-7C4069D04882}"/>
+                  </a:ext>
+                </a:extLst>
+              </p14:cNvPr>
+              <p14:cNvContentPartPr/>
+              <p14:nvPr/>
+            </p14:nvContentPartPr>
+            <p14:xfrm>
+              <a:off x="1546691" y="3230596"/>
+              <a:ext cx="360" cy="360"/>
+            </p14:xfrm>
+          </p:contentPart>
+        </mc:Choice>
+        <mc:Fallback xmlns="">
+          <p:pic>
+            <p:nvPicPr>
+              <p:cNvPr id="20" name="Tinta 19">
+                <a:extLst>
+                  <a:ext uri="{FF2B5EF4-FFF2-40B4-BE49-F238E27FC236}">
+                    <a16:creationId xmlns:a16="http://schemas.microsoft.com/office/drawing/2014/main" id="{BA96413C-487F-562F-0F09-7C4069D04882}"/>
+                  </a:ext>
+                </a:extLst>
+              </p:cNvPr>
+              <p:cNvPicPr/>
+              <p:nvPr/>
+            </p:nvPicPr>
+            <p:blipFill>
+              <a:blip r:embed="rId8"/>
+              <a:stretch>
+                <a:fillRect/>
+              </a:stretch>
+            </p:blipFill>
+            <p:spPr>
+              <a:xfrm>
+                <a:off x="1540571" y="3224476"/>
+                <a:ext cx="12600" cy="12600"/>
+              </a:xfrm>
+              <a:prstGeom prst="rect">
+                <a:avLst/>
+              </a:prstGeom>
+            </p:spPr>
+          </p:pic>
+        </mc:Fallback>
+      </mc:AlternateContent>
+      <mc:AlternateContent xmlns:mc="http://schemas.openxmlformats.org/markup-compatibility/2006" xmlns:p14="http://schemas.microsoft.com/office/powerpoint/2010/main">
+        <mc:Choice Requires="p14">
+          <p:contentPart p14:bwMode="auto" r:id="rId9">
+            <p14:nvContentPartPr>
+              <p14:cNvPr id="23" name="Tinta 22">
+                <a:extLst>
+                  <a:ext uri="{FF2B5EF4-FFF2-40B4-BE49-F238E27FC236}">
+                    <a16:creationId xmlns:a16="http://schemas.microsoft.com/office/drawing/2014/main" id="{8FB77738-03FF-F3F0-2BA8-DCDFFB348E68}"/>
+                  </a:ext>
+                </a:extLst>
+              </p14:cNvPr>
+              <p14:cNvContentPartPr/>
+              <p14:nvPr/>
+            </p14:nvContentPartPr>
+            <p14:xfrm>
+              <a:off x="1151051" y="3244996"/>
+              <a:ext cx="441720" cy="606240"/>
+            </p14:xfrm>
+          </p:contentPart>
+        </mc:Choice>
+        <mc:Fallback xmlns="">
+          <p:pic>
+            <p:nvPicPr>
+              <p:cNvPr id="23" name="Tinta 22">
+                <a:extLst>
+                  <a:ext uri="{FF2B5EF4-FFF2-40B4-BE49-F238E27FC236}">
+                    <a16:creationId xmlns:a16="http://schemas.microsoft.com/office/drawing/2014/main" id="{8FB77738-03FF-F3F0-2BA8-DCDFFB348E68}"/>
+                  </a:ext>
+                </a:extLst>
+              </p:cNvPr>
+              <p:cNvPicPr/>
+              <p:nvPr/>
+            </p:nvPicPr>
+            <p:blipFill>
+              <a:blip r:embed="rId10"/>
+              <a:stretch>
+                <a:fillRect/>
+              </a:stretch>
+            </p:blipFill>
+            <p:spPr>
+              <a:xfrm>
+                <a:off x="1144931" y="3238880"/>
+                <a:ext cx="453960" cy="618473"/>
+              </a:xfrm>
+              <a:prstGeom prst="rect">
+                <a:avLst/>
+              </a:prstGeom>
+            </p:spPr>
+          </p:pic>
+        </mc:Fallback>
+      </mc:AlternateContent>
+      <p:sp>
+        <p:nvSpPr>
+          <p:cNvPr id="24" name="Retângulo 23">
+            <a:extLst>
+              <a:ext uri="{FF2B5EF4-FFF2-40B4-BE49-F238E27FC236}">
+                <a16:creationId xmlns:a16="http://schemas.microsoft.com/office/drawing/2014/main" id="{48DD0ED8-C803-26ED-0928-919F090DAE0D}"/>
+              </a:ext>
+            </a:extLst>
+          </p:cNvPr>
+          <p:cNvSpPr/>
+          <p:nvPr/>
+        </p:nvSpPr>
+        <p:spPr>
+          <a:xfrm>
+            <a:off x="296105" y="4430407"/>
+            <a:ext cx="45719" cy="45719"/>
+          </a:xfrm>
+          <a:prstGeom prst="rect">
+            <a:avLst/>
+          </a:prstGeom>
+          <a:solidFill>
+            <a:srgbClr val="FF0000"/>
+          </a:solidFill>
+        </p:spPr>
+        <p:style>
+          <a:lnRef idx="2">
+            <a:schemeClr val="accent1">
+              <a:shade val="15000"/>
+            </a:schemeClr>
+          </a:lnRef>
+          <a:fillRef idx="1">
+            <a:schemeClr val="accent1"/>
+          </a:fillRef>
+          <a:effectRef idx="0">
+            <a:schemeClr val="accent1"/>
+          </a:effectRef>
+          <a:fontRef idx="minor">
+            <a:schemeClr val="lt1"/>
+          </a:fontRef>
+        </p:style>
+        <p:txBody>
+          <a:bodyPr rtlCol="0" anchor="ctr"/>
+          <a:lstStyle/>
+          <a:p>
+            <a:pPr algn="ctr"/>
+            <a:endParaRPr lang="pt-BR"/>
+          </a:p>
+        </p:txBody>
+      </p:sp>
+      <p:sp>
+        <p:nvSpPr>
+          <p:cNvPr id="25" name="CaixaDeTexto 24">
+            <a:extLst>
+              <a:ext uri="{FF2B5EF4-FFF2-40B4-BE49-F238E27FC236}">
+                <a16:creationId xmlns:a16="http://schemas.microsoft.com/office/drawing/2014/main" id="{055EA6CF-DC84-F95B-C66B-D4CC00330A31}"/>
+              </a:ext>
+            </a:extLst>
+          </p:cNvPr>
+          <p:cNvSpPr txBox="1"/>
+          <p:nvPr/>
+        </p:nvSpPr>
+        <p:spPr>
+          <a:xfrm>
+            <a:off x="489233" y="4321315"/>
+            <a:ext cx="807304" cy="261610"/>
+          </a:xfrm>
+          <a:prstGeom prst="rect">
+            <a:avLst/>
+          </a:prstGeom>
+          <a:noFill/>
+        </p:spPr>
+        <p:txBody>
+          <a:bodyPr wrap="square" rtlCol="0">
+            <a:spAutoFit/>
+          </a:bodyPr>
+          <a:lstStyle/>
+          <a:p>
+            <a:r>
+              <a:rPr lang="pt-BR" sz="1100" dirty="0"/>
+              <a:t>SPTrans</a:t>
+            </a:r>
+            <a:endParaRPr lang="pt-BR" dirty="0"/>
+          </a:p>
+        </p:txBody>
+      </p:sp>
+      <p:graphicFrame>
+        <p:nvGraphicFramePr>
+          <p:cNvPr id="5" name="Gráfico 4">
+            <a:extLst>
+              <a:ext uri="{FF2B5EF4-FFF2-40B4-BE49-F238E27FC236}">
+                <a16:creationId xmlns:a16="http://schemas.microsoft.com/office/drawing/2014/main" id="{315963F2-BD9A-BF7C-7716-5D895B536DAA}"/>
+              </a:ext>
+            </a:extLst>
+          </p:cNvPr>
+          <p:cNvGraphicFramePr>
+            <a:graphicFrameLocks/>
+          </p:cNvGraphicFramePr>
+          <p:nvPr>
+            <p:extLst>
+              <p:ext uri="{D42A27DB-BD31-4B8C-83A1-F6EECF244321}">
+                <p14:modId xmlns:p14="http://schemas.microsoft.com/office/powerpoint/2010/main" val="812719582"/>
+              </p:ext>
+            </p:extLst>
+          </p:nvPr>
+        </p:nvGraphicFramePr>
+        <p:xfrm>
+          <a:off x="4122138" y="2643415"/>
+          <a:ext cx="3852467" cy="2627960"/>
+        </p:xfrm>
+        <a:graphic>
+          <a:graphicData uri="http://schemas.openxmlformats.org/drawingml/2006/chart">
+            <c:chart xmlns:c="http://schemas.openxmlformats.org/drawingml/2006/chart" xmlns:r="http://schemas.openxmlformats.org/officeDocument/2006/relationships" r:id="rId11"/>
+          </a:graphicData>
+        </a:graphic>
+      </p:graphicFrame>
+      <p:sp>
+        <p:nvSpPr>
+          <p:cNvPr id="10" name="CaixaDeTexto 9">
+            <a:extLst>
+              <a:ext uri="{FF2B5EF4-FFF2-40B4-BE49-F238E27FC236}">
+                <a16:creationId xmlns:a16="http://schemas.microsoft.com/office/drawing/2014/main" id="{DC12FF26-EB6A-C077-A162-0973E0AAE050}"/>
+              </a:ext>
+            </a:extLst>
+          </p:cNvPr>
+          <p:cNvSpPr txBox="1"/>
+          <p:nvPr/>
+        </p:nvSpPr>
+        <p:spPr>
+          <a:xfrm>
+            <a:off x="4188663" y="1997143"/>
+            <a:ext cx="4051425" cy="646331"/>
+          </a:xfrm>
+          <a:prstGeom prst="rect">
+            <a:avLst/>
+          </a:prstGeom>
+          <a:noFill/>
+        </p:spPr>
+        <p:txBody>
+          <a:bodyPr wrap="square" rtlCol="0">
+            <a:spAutoFit/>
+          </a:bodyPr>
+          <a:lstStyle/>
+          <a:p>
+            <a:pPr marL="171450" indent="-171450" algn="just">
+              <a:buFont typeface="Courier New" panose="02070309020205020404" pitchFamily="49" charset="0"/>
+              <a:buChar char="o"/>
+            </a:pPr>
+            <a:r>
+              <a:rPr lang="pt-BR" sz="1200" dirty="0"/>
+              <a:t>Redução dos passageiros em </a:t>
+            </a:r>
+            <a:r>
+              <a:rPr lang="pt-BR" sz="1200" b="1" dirty="0"/>
+              <a:t>cerca de 30% </a:t>
+            </a:r>
+          </a:p>
+          <a:p>
+            <a:pPr marL="171450" indent="-171450" algn="just">
+              <a:buFont typeface="Courier New" panose="02070309020205020404" pitchFamily="49" charset="0"/>
+              <a:buChar char="o"/>
+            </a:pPr>
+            <a:r>
+              <a:rPr lang="pt-BR" sz="1200" dirty="0"/>
+              <a:t>A queda foi motivada nos transporte a regiões centrais (3,8 -&gt; 1,8 Bilhão) </a:t>
+            </a:r>
+          </a:p>
+        </p:txBody>
+      </p:sp>
+      <p:sp>
+        <p:nvSpPr>
+          <p:cNvPr id="11" name="CaixaDeTexto 10">
+            <a:extLst>
+              <a:ext uri="{FF2B5EF4-FFF2-40B4-BE49-F238E27FC236}">
+                <a16:creationId xmlns:a16="http://schemas.microsoft.com/office/drawing/2014/main" id="{F5CCFA51-52AA-91F4-7648-1A75F465B064}"/>
+              </a:ext>
+            </a:extLst>
+          </p:cNvPr>
+          <p:cNvSpPr txBox="1"/>
+          <p:nvPr/>
+        </p:nvSpPr>
+        <p:spPr>
+          <a:xfrm>
+            <a:off x="4122138" y="1658996"/>
+            <a:ext cx="4387519" cy="276999"/>
+          </a:xfrm>
+          <a:prstGeom prst="rect">
+            <a:avLst/>
+          </a:prstGeom>
+          <a:noFill/>
+        </p:spPr>
+        <p:txBody>
+          <a:bodyPr wrap="square" rtlCol="0">
+            <a:spAutoFit/>
+          </a:bodyPr>
+          <a:lstStyle/>
+          <a:p>
+            <a:pPr algn="just"/>
+            <a:r>
+              <a:rPr lang="pt-BR" sz="1200" dirty="0">
+                <a:latin typeface="Aptos Black" panose="020B0004020202020204" pitchFamily="34" charset="0"/>
+              </a:rPr>
+              <a:t>Indicativos de mudanças – Regiões Metropolitanas</a:t>
+            </a:r>
+          </a:p>
+        </p:txBody>
+      </p:sp>
+      <p:sp>
+        <p:nvSpPr>
+          <p:cNvPr id="12" name="CaixaDeTexto 11">
+            <a:extLst>
+              <a:ext uri="{FF2B5EF4-FFF2-40B4-BE49-F238E27FC236}">
+                <a16:creationId xmlns:a16="http://schemas.microsoft.com/office/drawing/2014/main" id="{CE7CF76C-63B3-FE9C-53B4-25B28E092F90}"/>
+              </a:ext>
+            </a:extLst>
+          </p:cNvPr>
+          <p:cNvSpPr txBox="1"/>
+          <p:nvPr/>
+        </p:nvSpPr>
+        <p:spPr>
+          <a:xfrm>
+            <a:off x="296105" y="5438659"/>
+            <a:ext cx="10834350" cy="584775"/>
+          </a:xfrm>
+          <a:prstGeom prst="rect">
+            <a:avLst/>
+          </a:prstGeom>
+          <a:noFill/>
+        </p:spPr>
+        <p:txBody>
+          <a:bodyPr wrap="square" rtlCol="0">
+            <a:spAutoFit/>
+          </a:bodyPr>
+          <a:lstStyle/>
+          <a:p>
+            <a:pPr algn="just"/>
+            <a:r>
+              <a:rPr lang="pt-BR" sz="1600" dirty="0">
+                <a:latin typeface="+mj-lt"/>
+              </a:rPr>
+              <a:t>O Meio de transporte público mudou com o tempo </a:t>
+            </a:r>
+            <a:r>
+              <a:rPr lang="pt-BR" sz="1600" dirty="0">
+                <a:solidFill>
+                  <a:schemeClr val="accent2"/>
+                </a:solidFill>
+                <a:latin typeface="+mj-lt"/>
+              </a:rPr>
+              <a:t>após a pandemia e com a modernização dos ambientes educativos e profissionais, o processo de locomoção mudou muito</a:t>
+            </a:r>
+            <a:r>
+              <a:rPr lang="pt-BR" sz="1600" dirty="0">
+                <a:latin typeface="+mj-lt"/>
+              </a:rPr>
+              <a:t>, com isso surge a pergunto.</a:t>
+            </a:r>
+            <a:endParaRPr lang="pt-BR" dirty="0"/>
+          </a:p>
+        </p:txBody>
+      </p:sp>
+      <p:sp>
+        <p:nvSpPr>
+          <p:cNvPr id="14" name="CaixaDeTexto 13">
+            <a:extLst>
+              <a:ext uri="{FF2B5EF4-FFF2-40B4-BE49-F238E27FC236}">
+                <a16:creationId xmlns:a16="http://schemas.microsoft.com/office/drawing/2014/main" id="{C4B9117D-9B1A-90AE-F842-2E13983D1736}"/>
+              </a:ext>
+            </a:extLst>
+          </p:cNvPr>
+          <p:cNvSpPr txBox="1"/>
+          <p:nvPr/>
+        </p:nvSpPr>
+        <p:spPr>
+          <a:xfrm>
+            <a:off x="6761741" y="6058623"/>
+            <a:ext cx="3660932" cy="338554"/>
+          </a:xfrm>
+          <a:prstGeom prst="rect">
+            <a:avLst/>
+          </a:prstGeom>
+          <a:noFill/>
+        </p:spPr>
+        <p:txBody>
+          <a:bodyPr wrap="square" rtlCol="0">
+            <a:spAutoFit/>
+          </a:bodyPr>
+          <a:lstStyle/>
+          <a:p>
+            <a:pPr algn="just"/>
+            <a:r>
+              <a:rPr lang="pt-BR" sz="1600" dirty="0">
+                <a:solidFill>
+                  <a:schemeClr val="accent2"/>
+                </a:solidFill>
+                <a:latin typeface="+mj-lt"/>
+              </a:rPr>
+              <a:t>Será que a SPTrans se adaptou? </a:t>
+            </a:r>
+            <a:endParaRPr lang="pt-BR" dirty="0">
+              <a:solidFill>
+                <a:schemeClr val="accent2"/>
+              </a:solidFill>
+            </a:endParaRPr>
+          </a:p>
+        </p:txBody>
+      </p:sp>
+      <p:sp>
+        <p:nvSpPr>
+          <p:cNvPr id="3" name="Retângulo 2">
+            <a:extLst>
+              <a:ext uri="{FF2B5EF4-FFF2-40B4-BE49-F238E27FC236}">
+                <a16:creationId xmlns:a16="http://schemas.microsoft.com/office/drawing/2014/main" id="{1436FA35-C91E-34B4-C9B8-E2D03C7CFED7}"/>
+              </a:ext>
+            </a:extLst>
+          </p:cNvPr>
+          <p:cNvSpPr/>
+          <p:nvPr/>
+        </p:nvSpPr>
+        <p:spPr>
+          <a:xfrm>
+            <a:off x="8348424" y="1757124"/>
+            <a:ext cx="3714135" cy="3448454"/>
+          </a:xfrm>
+          <a:prstGeom prst="rect">
+            <a:avLst/>
+          </a:prstGeom>
+          <a:solidFill>
+            <a:schemeClr val="bg1"/>
+          </a:solidFill>
+          <a:effectLst>
+            <a:outerShdw blurRad="50800" dist="38100" dir="10800000" algn="r" rotWithShape="0">
+              <a:prstClr val="black">
+                <a:alpha val="40000"/>
+              </a:prstClr>
+            </a:outerShdw>
+          </a:effectLst>
+        </p:spPr>
+        <p:style>
+          <a:lnRef idx="2">
+            <a:schemeClr val="accent1">
+              <a:shade val="15000"/>
+            </a:schemeClr>
+          </a:lnRef>
+          <a:fillRef idx="1">
+            <a:schemeClr val="accent1"/>
+          </a:fillRef>
+          <a:effectRef idx="0">
+            <a:schemeClr val="accent1"/>
+          </a:effectRef>
+          <a:fontRef idx="minor">
+            <a:schemeClr val="lt1"/>
+          </a:fontRef>
+        </p:style>
+        <p:txBody>
+          <a:bodyPr rtlCol="0" anchor="ctr"/>
+          <a:lstStyle/>
+          <a:p>
+            <a:pPr algn="ctr"/>
+            <a:endParaRPr lang="pt-BR"/>
+          </a:p>
+        </p:txBody>
+      </p:sp>
+      <p:sp>
+        <p:nvSpPr>
+          <p:cNvPr id="18" name="Retângulo 17">
+            <a:extLst>
+              <a:ext uri="{FF2B5EF4-FFF2-40B4-BE49-F238E27FC236}">
+                <a16:creationId xmlns:a16="http://schemas.microsoft.com/office/drawing/2014/main" id="{2EDE80FD-A49D-749A-F1E7-46821B6ADDCD}"/>
+              </a:ext>
+            </a:extLst>
+          </p:cNvPr>
+          <p:cNvSpPr/>
+          <p:nvPr/>
+        </p:nvSpPr>
+        <p:spPr>
+          <a:xfrm>
+            <a:off x="8348423" y="1717387"/>
+            <a:ext cx="3714136" cy="481248"/>
+          </a:xfrm>
+          <a:prstGeom prst="rect">
+            <a:avLst/>
+          </a:prstGeom>
+          <a:solidFill>
+            <a:schemeClr val="tx1"/>
+          </a:solidFill>
+          <a:effectLst>
+            <a:outerShdw blurRad="50800" dist="38100" dir="10800000" algn="r" rotWithShape="0">
+              <a:prstClr val="black">
+                <a:alpha val="40000"/>
+              </a:prstClr>
+            </a:outerShdw>
+          </a:effectLst>
+        </p:spPr>
+        <p:style>
+          <a:lnRef idx="2">
+            <a:schemeClr val="accent1">
+              <a:shade val="15000"/>
+            </a:schemeClr>
+          </a:lnRef>
+          <a:fillRef idx="1">
+            <a:schemeClr val="accent1"/>
+          </a:fillRef>
+          <a:effectRef idx="0">
+            <a:schemeClr val="accent1"/>
+          </a:effectRef>
+          <a:fontRef idx="minor">
+            <a:schemeClr val="lt1"/>
+          </a:fontRef>
+        </p:style>
+        <p:txBody>
+          <a:bodyPr rtlCol="0" anchor="ctr"/>
+          <a:lstStyle/>
+          <a:p>
+            <a:pPr algn="ctr"/>
+            <a:r>
               <a:rPr lang="pt-BR" dirty="0"/>
-              <a:t>Necessário Finalizar Essa parte </a:t>
+              <a:t>Dispersão da </a:t>
+            </a:r>
+            <a:r>
+              <a:rPr lang="pt-BR" dirty="0" err="1"/>
+              <a:t>popução</a:t>
+            </a:r>
+            <a:endParaRPr lang="pt-BR" dirty="0"/>
+          </a:p>
+          <a:p>
+            <a:pPr algn="ctr"/>
+            <a:r>
+              <a:rPr lang="pt-BR" sz="1100" dirty="0"/>
+              <a:t>Pontos de Ónibus em 2024</a:t>
             </a:r>
           </a:p>
         </p:txBody>
@@ -4971,7 +7806,7 @@
     </p:spTree>
     <p:extLst>
       <p:ext uri="{BB962C8B-B14F-4D97-AF65-F5344CB8AC3E}">
-        <p14:creationId xmlns:p14="http://schemas.microsoft.com/office/powerpoint/2010/main" val="2254755778"/>
+        <p14:creationId xmlns:p14="http://schemas.microsoft.com/office/powerpoint/2010/main" val="632436383"/>
       </p:ext>
     </p:extLst>
   </p:cSld>
@@ -4989,7 +7824,7 @@
         <p:cNvPr id="1" name="">
           <a:extLst>
             <a:ext uri="{FF2B5EF4-FFF2-40B4-BE49-F238E27FC236}">
-              <a16:creationId xmlns:a16="http://schemas.microsoft.com/office/drawing/2014/main" id="{54262FC1-9295-B2DF-A950-01594DC01AE4}"/>
+              <a16:creationId xmlns:a16="http://schemas.microsoft.com/office/drawing/2014/main" id="{F99394FE-7014-2B6D-DB7F-2542F0276107}"/>
             </a:ext>
           </a:extLst>
         </p:cNvPr>
@@ -5006,10 +7841,61 @@
       </p:grpSpPr>
       <p:sp>
         <p:nvSpPr>
+          <p:cNvPr id="4" name="Retângulo 3">
+            <a:extLst>
+              <a:ext uri="{FF2B5EF4-FFF2-40B4-BE49-F238E27FC236}">
+                <a16:creationId xmlns:a16="http://schemas.microsoft.com/office/drawing/2014/main" id="{6DE81F20-C190-3F3B-CA78-29B21E5BCF4F}"/>
+              </a:ext>
+            </a:extLst>
+          </p:cNvPr>
+          <p:cNvSpPr/>
+          <p:nvPr/>
+        </p:nvSpPr>
+        <p:spPr>
+          <a:xfrm>
+            <a:off x="4204689" y="1312606"/>
+            <a:ext cx="7987312" cy="288000"/>
+          </a:xfrm>
+          <a:prstGeom prst="rect">
+            <a:avLst/>
+          </a:prstGeom>
+          <a:solidFill>
+            <a:schemeClr val="tx1"/>
+          </a:solidFill>
+        </p:spPr>
+        <p:style>
+          <a:lnRef idx="2">
+            <a:schemeClr val="accent1">
+              <a:shade val="15000"/>
+            </a:schemeClr>
+          </a:lnRef>
+          <a:fillRef idx="1">
+            <a:schemeClr val="accent1"/>
+          </a:fillRef>
+          <a:effectRef idx="0">
+            <a:schemeClr val="accent1"/>
+          </a:effectRef>
+          <a:fontRef idx="minor">
+            <a:schemeClr val="lt1"/>
+          </a:fontRef>
+        </p:style>
+        <p:txBody>
+          <a:bodyPr rtlCol="0" anchor="ctr"/>
+          <a:lstStyle/>
+          <a:p>
+            <a:r>
+              <a:rPr lang="pt-BR" sz="1400" b="1" dirty="0"/>
+              <a:t>                  Comportamento Transporte em São Paulo</a:t>
+            </a:r>
+          </a:p>
+        </p:txBody>
+      </p:sp>
+      <p:sp>
+        <p:nvSpPr>
           <p:cNvPr id="6" name="Título 5">
             <a:extLst>
               <a:ext uri="{FF2B5EF4-FFF2-40B4-BE49-F238E27FC236}">
-                <a16:creationId xmlns:a16="http://schemas.microsoft.com/office/drawing/2014/main" id="{31B0AE52-17B9-F0B1-D2DF-248CEB5C1B9F}"/>
+                <a16:creationId xmlns:a16="http://schemas.microsoft.com/office/drawing/2014/main" id="{1EB3393D-2ED7-6B03-EB67-B4C2194B645F}"/>
               </a:ext>
             </a:extLst>
           </p:cNvPr>
@@ -5036,7 +7922,7 @@
               <a:rPr lang="pt-BR" sz="2800" dirty="0">
                 <a:latin typeface="Aptos Black" panose="020B0004020202020204" pitchFamily="34" charset="0"/>
               </a:rPr>
-              <a:t>Arrecadação SPTRANS | Como a SPTrans lucra em São Paulo</a:t>
+              <a:t>Indicadores SPTRANS</a:t>
             </a:r>
           </a:p>
         </p:txBody>
@@ -5046,7 +7932,7 @@
           <p:cNvPr id="7" name="Picture 4" descr="sptrans_logo –">
             <a:extLst>
               <a:ext uri="{FF2B5EF4-FFF2-40B4-BE49-F238E27FC236}">
-                <a16:creationId xmlns:a16="http://schemas.microsoft.com/office/drawing/2014/main" id="{B90FDA5F-9352-DA23-5A7F-E896D71919B0}"/>
+                <a16:creationId xmlns:a16="http://schemas.microsoft.com/office/drawing/2014/main" id="{7D444F91-AE5D-FC33-4B54-41EDAB5476AE}"/>
               </a:ext>
             </a:extLst>
           </p:cNvPr>
@@ -5056,7 +7942,7 @@
           <p:nvPr/>
         </p:nvPicPr>
         <p:blipFill>
-          <a:blip r:embed="rId2">
+          <a:blip r:embed="rId3">
             <a:extLst>
               <a:ext uri="{28A0092B-C50C-407E-A947-70E740481C1C}">
                 <a14:useLocalDpi xmlns:a14="http://schemas.microsoft.com/office/drawing/2010/main" val="0"/>
@@ -5093,7 +7979,7 @@
           <p:cNvPr id="8" name="Título 5">
             <a:extLst>
               <a:ext uri="{FF2B5EF4-FFF2-40B4-BE49-F238E27FC236}">
-                <a16:creationId xmlns:a16="http://schemas.microsoft.com/office/drawing/2014/main" id="{53472EBE-9DA0-208F-EA96-3DDC94C9CE65}"/>
+                <a16:creationId xmlns:a16="http://schemas.microsoft.com/office/drawing/2014/main" id="{A114D2F6-448A-015D-BC3F-AB76A04EC723}"/>
               </a:ext>
             </a:extLst>
           </p:cNvPr>
@@ -5139,17 +8025,29 @@
               <a:rPr lang="pt-BR" sz="1800" dirty="0">
                 <a:latin typeface="Aptos Display" panose="020B0004020202020204" pitchFamily="34" charset="0"/>
               </a:rPr>
-              <a:t>Analisando Comportamento- Arrecadação de Verbas </a:t>
-            </a:r>
-          </a:p>
-        </p:txBody>
-      </p:sp>
-      <p:sp>
-        <p:nvSpPr>
-          <p:cNvPr id="12" name="Título 5">
-            <a:extLst>
-              <a:ext uri="{FF2B5EF4-FFF2-40B4-BE49-F238E27FC236}">
-                <a16:creationId xmlns:a16="http://schemas.microsoft.com/office/drawing/2014/main" id="{356BCE7A-28C4-C736-8196-9ADA820B3B88}"/>
+              <a:t>Analisando Comportamento da População Paulista – Transporte Público </a:t>
+            </a:r>
+            <a:r>
+              <a:rPr lang="pt-BR" sz="1200" dirty="0">
+                <a:latin typeface="Aptos Display" panose="020B0004020202020204" pitchFamily="34" charset="0"/>
+              </a:rPr>
+              <a:t>(Safras 2003 – 2024</a:t>
+            </a:r>
+            <a:r>
+              <a:rPr lang="pt-BR" sz="1800" dirty="0">
+                <a:latin typeface="Aptos Display" panose="020B0004020202020204" pitchFamily="34" charset="0"/>
+              </a:rPr>
+              <a:t>) </a:t>
+            </a:r>
+          </a:p>
+        </p:txBody>
+      </p:sp>
+      <p:sp>
+        <p:nvSpPr>
+          <p:cNvPr id="13" name="Título 5">
+            <a:extLst>
+              <a:ext uri="{FF2B5EF4-FFF2-40B4-BE49-F238E27FC236}">
+                <a16:creationId xmlns:a16="http://schemas.microsoft.com/office/drawing/2014/main" id="{7A977315-A581-B7CF-E778-2651139DD63C}"/>
               </a:ext>
             </a:extLst>
           </p:cNvPr>
@@ -5160,8 +8058,8 @@
         </p:nvSpPr>
         <p:spPr>
           <a:xfrm>
-            <a:off x="327878" y="1376009"/>
-            <a:ext cx="10515600" cy="383458"/>
+            <a:off x="9900193" y="6555265"/>
+            <a:ext cx="2460523" cy="363794"/>
           </a:xfrm>
           <a:prstGeom prst="rect">
             <a:avLst/>
@@ -5191,315 +8089,51 @@
             </a:lvl1pPr>
           </a:lstStyle>
           <a:p>
-            <a:r>
-              <a:rPr lang="pt-BR" sz="1800" b="1" dirty="0">
-                <a:solidFill>
-                  <a:srgbClr val="800000"/>
-                </a:solidFill>
+            <a:pPr algn="just"/>
+            <a:r>
+              <a:rPr lang="pt-BR" sz="1200" dirty="0">
                 <a:latin typeface="Aptos Display" panose="020B0004020202020204" pitchFamily="34" charset="0"/>
               </a:rPr>
-              <a:t>Verbas arrecadadas SPTrans (2012 - 2006)</a:t>
-            </a:r>
-          </a:p>
-        </p:txBody>
-      </p:sp>
-      <p:sp>
-        <p:nvSpPr>
-          <p:cNvPr id="13" name="Título 5">
-            <a:extLst>
-              <a:ext uri="{FF2B5EF4-FFF2-40B4-BE49-F238E27FC236}">
-                <a16:creationId xmlns:a16="http://schemas.microsoft.com/office/drawing/2014/main" id="{7033AAF8-EA72-1D43-F059-4A085346D9EC}"/>
-              </a:ext>
-            </a:extLst>
-          </p:cNvPr>
-          <p:cNvSpPr txBox="1">
-            <a:spLocks/>
-          </p:cNvSpPr>
+              <a:t>Referência do estudo: </a:t>
+            </a:r>
+            <a:r>
+              <a:rPr lang="pt-BR" sz="1200" dirty="0" err="1">
+                <a:latin typeface="Aptos Display" panose="020B0004020202020204" pitchFamily="34" charset="0"/>
+              </a:rPr>
+              <a:t>Nov</a:t>
+            </a:r>
+            <a:r>
+              <a:rPr lang="pt-BR" sz="1200" dirty="0">
+                <a:latin typeface="Aptos Display" panose="020B0004020202020204" pitchFamily="34" charset="0"/>
+              </a:rPr>
+              <a:t>/2024</a:t>
+            </a:r>
+          </a:p>
+        </p:txBody>
+      </p:sp>
+      <p:sp>
+        <p:nvSpPr>
+          <p:cNvPr id="2" name="Retângulo 1">
+            <a:extLst>
+              <a:ext uri="{FF2B5EF4-FFF2-40B4-BE49-F238E27FC236}">
+                <a16:creationId xmlns:a16="http://schemas.microsoft.com/office/drawing/2014/main" id="{26F85B31-9B51-EAEF-D76C-3FA73E26F69D}"/>
+              </a:ext>
+            </a:extLst>
+          </p:cNvPr>
+          <p:cNvSpPr/>
           <p:nvPr/>
         </p:nvSpPr>
         <p:spPr>
           <a:xfrm>
-            <a:off x="9904076" y="6494206"/>
-            <a:ext cx="2460523" cy="363794"/>
+            <a:off x="0" y="1312606"/>
+            <a:ext cx="4011561" cy="288000"/>
           </a:xfrm>
           <a:prstGeom prst="rect">
             <a:avLst/>
           </a:prstGeom>
-        </p:spPr>
-        <p:txBody>
-          <a:bodyPr vert="horz" lIns="91440" tIns="45720" rIns="91440" bIns="45720" rtlCol="0" anchor="ctr">
-            <a:normAutofit fontScale="97500"/>
-          </a:bodyPr>
-          <a:lstStyle>
-            <a:lvl1pPr algn="l" defTabSz="914400" rtl="0" eaLnBrk="1" latinLnBrk="0" hangingPunct="1">
-              <a:lnSpc>
-                <a:spcPct val="90000"/>
-              </a:lnSpc>
-              <a:spcBef>
-                <a:spcPct val="0"/>
-              </a:spcBef>
-              <a:buNone/>
-              <a:defRPr sz="4400" kern="1200">
-                <a:solidFill>
-                  <a:schemeClr val="tx1"/>
-                </a:solidFill>
-                <a:latin typeface="+mj-lt"/>
-                <a:ea typeface="+mj-ea"/>
-                <a:cs typeface="+mj-cs"/>
-              </a:defRPr>
-            </a:lvl1pPr>
-          </a:lstStyle>
-          <a:p>
-            <a:pPr algn="just"/>
-            <a:r>
-              <a:rPr lang="pt-BR" sz="1200" dirty="0">
-                <a:latin typeface="Aptos Display" panose="020B0004020202020204" pitchFamily="34" charset="0"/>
-              </a:rPr>
-              <a:t>Referência do estudo: </a:t>
-            </a:r>
-            <a:r>
-              <a:rPr lang="pt-BR" sz="1200" dirty="0" err="1">
-                <a:latin typeface="Aptos Display" panose="020B0004020202020204" pitchFamily="34" charset="0"/>
-              </a:rPr>
-              <a:t>Nov</a:t>
-            </a:r>
-            <a:r>
-              <a:rPr lang="pt-BR" sz="1200" dirty="0">
-                <a:latin typeface="Aptos Display" panose="020B0004020202020204" pitchFamily="34" charset="0"/>
-              </a:rPr>
-              <a:t>/2024</a:t>
-            </a:r>
-          </a:p>
-        </p:txBody>
-      </p:sp>
-      <p:pic>
-        <p:nvPicPr>
-          <p:cNvPr id="3074" name="Picture 2" descr="Bilhete Único - SPTrans">
-            <a:extLst>
-              <a:ext uri="{FF2B5EF4-FFF2-40B4-BE49-F238E27FC236}">
-                <a16:creationId xmlns:a16="http://schemas.microsoft.com/office/drawing/2014/main" id="{9C4DCB71-58A6-9AE1-6B70-55CC2274FBA4}"/>
-              </a:ext>
-            </a:extLst>
-          </p:cNvPr>
-          <p:cNvPicPr>
-            <a:picLocks noChangeAspect="1" noChangeArrowheads="1"/>
-          </p:cNvPicPr>
-          <p:nvPr/>
-        </p:nvPicPr>
-        <p:blipFill>
-          <a:blip r:embed="rId3">
-            <a:extLst>
-              <a:ext uri="{28A0092B-C50C-407E-A947-70E740481C1C}">
-                <a14:useLocalDpi xmlns:a14="http://schemas.microsoft.com/office/drawing/2010/main" val="0"/>
-              </a:ext>
-            </a:extLst>
-          </a:blip>
-          <a:srcRect/>
-          <a:stretch>
-            <a:fillRect/>
-          </a:stretch>
-        </p:blipFill>
-        <p:spPr bwMode="auto">
-          <a:xfrm>
-            <a:off x="5040378" y="1950851"/>
-            <a:ext cx="852747" cy="707780"/>
-          </a:xfrm>
-          <a:prstGeom prst="rect">
-            <a:avLst/>
-          </a:prstGeom>
-          <a:noFill/>
-          <a:extLst>
-            <a:ext uri="{909E8E84-426E-40DD-AFC4-6F175D3DCCD1}">
-              <a14:hiddenFill xmlns:a14="http://schemas.microsoft.com/office/drawing/2010/main">
-                <a:solidFill>
-                  <a:srgbClr val="FFFFFF"/>
-                </a:solidFill>
-              </a14:hiddenFill>
-            </a:ext>
-          </a:extLst>
-        </p:spPr>
-      </p:pic>
-      <p:sp>
-        <p:nvSpPr>
-          <p:cNvPr id="2" name="Título 5">
-            <a:extLst>
-              <a:ext uri="{FF2B5EF4-FFF2-40B4-BE49-F238E27FC236}">
-                <a16:creationId xmlns:a16="http://schemas.microsoft.com/office/drawing/2014/main" id="{AB779CD1-9411-2BA5-A054-B7D2D5045D8C}"/>
-              </a:ext>
-            </a:extLst>
-          </p:cNvPr>
-          <p:cNvSpPr txBox="1">
-            <a:spLocks/>
-          </p:cNvSpPr>
-          <p:nvPr/>
-        </p:nvSpPr>
-        <p:spPr>
-          <a:xfrm>
-            <a:off x="6101407" y="1950851"/>
-            <a:ext cx="5272066" cy="707780"/>
-          </a:xfrm>
-          <a:prstGeom prst="rect">
-            <a:avLst/>
-          </a:prstGeom>
-        </p:spPr>
-        <p:txBody>
-          <a:bodyPr vert="horz" lIns="91440" tIns="45720" rIns="91440" bIns="45720" rtlCol="0" anchor="ctr">
-            <a:normAutofit fontScale="97500"/>
-          </a:bodyPr>
-          <a:lstStyle>
-            <a:lvl1pPr algn="l" defTabSz="914400" rtl="0" eaLnBrk="1" latinLnBrk="0" hangingPunct="1">
-              <a:lnSpc>
-                <a:spcPct val="90000"/>
-              </a:lnSpc>
-              <a:spcBef>
-                <a:spcPct val="0"/>
-              </a:spcBef>
-              <a:buNone/>
-              <a:defRPr sz="4400" kern="1200">
-                <a:solidFill>
-                  <a:schemeClr val="tx1"/>
-                </a:solidFill>
-                <a:latin typeface="+mj-lt"/>
-                <a:ea typeface="+mj-ea"/>
-                <a:cs typeface="+mj-cs"/>
-              </a:defRPr>
-            </a:lvl1pPr>
-          </a:lstStyle>
-          <a:p>
-            <a:pPr algn="just"/>
-            <a:r>
-              <a:rPr lang="pt-BR" sz="1400" dirty="0">
-                <a:latin typeface="Aptos Display" panose="020B0004020202020204" pitchFamily="34" charset="0"/>
-              </a:rPr>
-              <a:t>Cerca de  60% do valor arrecadado em transporte pela SPTrans vem de linhas que ligam os bairros aos grandes centros, os outros 40% vem de linhas que ligam os bairros a bairros</a:t>
-            </a:r>
-          </a:p>
-        </p:txBody>
-      </p:sp>
-      <p:sp>
-        <p:nvSpPr>
-          <p:cNvPr id="4" name="Título 5">
-            <a:extLst>
-              <a:ext uri="{FF2B5EF4-FFF2-40B4-BE49-F238E27FC236}">
-                <a16:creationId xmlns:a16="http://schemas.microsoft.com/office/drawing/2014/main" id="{26389809-ED98-1E8D-F5C9-54B6500297C1}"/>
-              </a:ext>
-            </a:extLst>
-          </p:cNvPr>
-          <p:cNvSpPr txBox="1">
-            <a:spLocks/>
-          </p:cNvSpPr>
-          <p:nvPr/>
-        </p:nvSpPr>
-        <p:spPr>
-          <a:xfrm>
-            <a:off x="1905984" y="1852427"/>
-            <a:ext cx="2581953" cy="904629"/>
-          </a:xfrm>
-          <a:prstGeom prst="rect">
-            <a:avLst/>
-          </a:prstGeom>
-        </p:spPr>
-        <p:txBody>
-          <a:bodyPr vert="horz" lIns="91440" tIns="45720" rIns="91440" bIns="45720" rtlCol="0" anchor="ctr">
-            <a:normAutofit fontScale="97500"/>
-          </a:bodyPr>
-          <a:lstStyle>
-            <a:lvl1pPr algn="l" defTabSz="914400" rtl="0" eaLnBrk="1" latinLnBrk="0" hangingPunct="1">
-              <a:lnSpc>
-                <a:spcPct val="90000"/>
-              </a:lnSpc>
-              <a:spcBef>
-                <a:spcPct val="0"/>
-              </a:spcBef>
-              <a:buNone/>
-              <a:defRPr sz="4400" kern="1200">
-                <a:solidFill>
-                  <a:schemeClr val="tx1"/>
-                </a:solidFill>
-                <a:latin typeface="+mj-lt"/>
-                <a:ea typeface="+mj-ea"/>
-                <a:cs typeface="+mj-cs"/>
-              </a:defRPr>
-            </a:lvl1pPr>
-          </a:lstStyle>
-          <a:p>
-            <a:pPr algn="just"/>
-            <a:r>
-              <a:rPr lang="pt-BR" sz="1400" dirty="0">
-                <a:latin typeface="Aptos Display" panose="020B0004020202020204" pitchFamily="34" charset="0"/>
-              </a:rPr>
-              <a:t>De 2006 para 2012 tivemos um aumento percentual de 2,5% dos transportes de bairro-a-bairro</a:t>
-            </a:r>
-          </a:p>
-        </p:txBody>
-      </p:sp>
-      <p:pic>
-        <p:nvPicPr>
-          <p:cNvPr id="3076" name="Picture 4" descr="Ícone Animado de Ônibus | Ícone Animado de transporte Grátis">
-            <a:extLst>
-              <a:ext uri="{FF2B5EF4-FFF2-40B4-BE49-F238E27FC236}">
-                <a16:creationId xmlns:a16="http://schemas.microsoft.com/office/drawing/2014/main" id="{0570F8AE-DFFA-5BE5-5A1C-79CEE812CABF}"/>
-              </a:ext>
-            </a:extLst>
-          </p:cNvPr>
-          <p:cNvPicPr>
-            <a:picLocks noChangeAspect="1" noChangeArrowheads="1"/>
-          </p:cNvPicPr>
-          <p:nvPr/>
-        </p:nvPicPr>
-        <p:blipFill>
-          <a:blip r:embed="rId4">
-            <a:extLst>
-              <a:ext uri="{28A0092B-C50C-407E-A947-70E740481C1C}">
-                <a14:useLocalDpi xmlns:a14="http://schemas.microsoft.com/office/drawing/2010/main" val="0"/>
-              </a:ext>
-            </a:extLst>
-          </a:blip>
-          <a:srcRect/>
-          <a:stretch>
-            <a:fillRect/>
-          </a:stretch>
-        </p:blipFill>
-        <p:spPr bwMode="auto">
-          <a:xfrm>
-            <a:off x="670028" y="1778715"/>
-            <a:ext cx="1052052" cy="1052052"/>
-          </a:xfrm>
-          <a:prstGeom prst="rect">
-            <a:avLst/>
-          </a:prstGeom>
-          <a:noFill/>
-          <a:extLst>
-            <a:ext uri="{909E8E84-426E-40DD-AFC4-6F175D3DCCD1}">
-              <a14:hiddenFill xmlns:a14="http://schemas.microsoft.com/office/drawing/2010/main">
-                <a:solidFill>
-                  <a:srgbClr val="FFFFFF"/>
-                </a:solidFill>
-              </a14:hiddenFill>
-            </a:ext>
-          </a:extLst>
-        </p:spPr>
-      </p:pic>
-      <p:sp>
-        <p:nvSpPr>
-          <p:cNvPr id="5" name="Retângulo 4">
-            <a:extLst>
-              <a:ext uri="{FF2B5EF4-FFF2-40B4-BE49-F238E27FC236}">
-                <a16:creationId xmlns:a16="http://schemas.microsoft.com/office/drawing/2014/main" id="{F178E527-B212-48C4-6F1E-E4E7A8BA5BB4}"/>
-              </a:ext>
-            </a:extLst>
-          </p:cNvPr>
-          <p:cNvSpPr/>
-          <p:nvPr/>
-        </p:nvSpPr>
-        <p:spPr>
-          <a:xfrm>
-            <a:off x="327878" y="3022150"/>
-            <a:ext cx="11274187" cy="3319655"/>
-          </a:xfrm>
-          <a:prstGeom prst="rect">
-            <a:avLst/>
-          </a:prstGeom>
+          <a:solidFill>
+            <a:schemeClr val="tx1"/>
+          </a:solidFill>
         </p:spPr>
         <p:style>
           <a:lnRef idx="2">
@@ -5523,16 +8157,869 @@
           <a:p>
             <a:pPr algn="ctr"/>
             <a:r>
+              <a:rPr lang="pt-BR" sz="1400" b="1" dirty="0"/>
+              <a:t>O que é a SPTrans ? </a:t>
+            </a:r>
+          </a:p>
+        </p:txBody>
+      </p:sp>
+      <p:sp>
+        <p:nvSpPr>
+          <p:cNvPr id="9" name="CaixaDeTexto 8">
+            <a:extLst>
+              <a:ext uri="{FF2B5EF4-FFF2-40B4-BE49-F238E27FC236}">
+                <a16:creationId xmlns:a16="http://schemas.microsoft.com/office/drawing/2014/main" id="{E7C259F9-9261-F5F3-E769-E69B3CE70FFB}"/>
+              </a:ext>
+            </a:extLst>
+          </p:cNvPr>
+          <p:cNvSpPr txBox="1"/>
+          <p:nvPr/>
+        </p:nvSpPr>
+        <p:spPr>
+          <a:xfrm>
+            <a:off x="99448" y="1717387"/>
+            <a:ext cx="3852466" cy="954107"/>
+          </a:xfrm>
+          <a:prstGeom prst="rect">
+            <a:avLst/>
+          </a:prstGeom>
+          <a:noFill/>
+        </p:spPr>
+        <p:txBody>
+          <a:bodyPr wrap="square" rtlCol="0">
+            <a:spAutoFit/>
+          </a:bodyPr>
+          <a:lstStyle/>
+          <a:p>
+            <a:pPr algn="just"/>
+            <a:r>
+              <a:rPr lang="pt-BR" sz="1400" dirty="0">
+                <a:latin typeface="+mj-lt"/>
+              </a:rPr>
+              <a:t>A empresa SPTrans assumiu a responsabilidade do transporte público de São Paulo em 1998. </a:t>
+            </a:r>
+            <a:r>
+              <a:rPr lang="pt-BR" sz="1400" dirty="0">
+                <a:solidFill>
+                  <a:srgbClr val="FF6600"/>
+                </a:solidFill>
+                <a:latin typeface="+mj-lt"/>
+              </a:rPr>
+              <a:t>Desde então, tivemos em média, cerca de 58 bilhões de </a:t>
+            </a:r>
+            <a:r>
+              <a:rPr lang="pt-BR" sz="1400" dirty="0" err="1">
+                <a:solidFill>
+                  <a:srgbClr val="FF6600"/>
+                </a:solidFill>
+                <a:latin typeface="+mj-lt"/>
+              </a:rPr>
+              <a:t>usuarios</a:t>
+            </a:r>
+            <a:endParaRPr lang="pt-BR" sz="1600" dirty="0"/>
+          </a:p>
+        </p:txBody>
+      </p:sp>
+      <p:pic>
+        <p:nvPicPr>
+          <p:cNvPr id="1028" name="Picture 4" descr="São Paulo free map, free blank map, free outline map, free base map ...">
+            <a:extLst>
+              <a:ext uri="{FF2B5EF4-FFF2-40B4-BE49-F238E27FC236}">
+                <a16:creationId xmlns:a16="http://schemas.microsoft.com/office/drawing/2014/main" id="{816C7AAC-677E-D88F-73DA-5D6A5AD9A75F}"/>
+              </a:ext>
+            </a:extLst>
+          </p:cNvPr>
+          <p:cNvPicPr>
+            <a:picLocks noChangeAspect="1" noChangeArrowheads="1"/>
+          </p:cNvPicPr>
+          <p:nvPr/>
+        </p:nvPicPr>
+        <p:blipFill>
+          <a:blip r:embed="rId4">
+            <a:extLst>
+              <a:ext uri="{28A0092B-C50C-407E-A947-70E740481C1C}">
+                <a14:useLocalDpi xmlns:a14="http://schemas.microsoft.com/office/drawing/2010/main" val="0"/>
+              </a:ext>
+            </a:extLst>
+          </a:blip>
+          <a:srcRect/>
+          <a:stretch>
+            <a:fillRect/>
+          </a:stretch>
+        </p:blipFill>
+        <p:spPr bwMode="auto">
+          <a:xfrm>
+            <a:off x="296106" y="2983767"/>
+            <a:ext cx="2226322" cy="1446640"/>
+          </a:xfrm>
+          <a:prstGeom prst="rect">
+            <a:avLst/>
+          </a:prstGeom>
+          <a:noFill/>
+          <a:extLst>
+            <a:ext uri="{909E8E84-426E-40DD-AFC4-6F175D3DCCD1}">
+              <a14:hiddenFill xmlns:a14="http://schemas.microsoft.com/office/drawing/2010/main">
+                <a:solidFill>
+                  <a:srgbClr val="FFFFFF"/>
+                </a:solidFill>
+              </a14:hiddenFill>
+            </a:ext>
+          </a:extLst>
+        </p:spPr>
+      </p:pic>
+      <p:sp>
+        <p:nvSpPr>
+          <p:cNvPr id="15" name="Chave Direita 14">
+            <a:extLst>
+              <a:ext uri="{FF2B5EF4-FFF2-40B4-BE49-F238E27FC236}">
+                <a16:creationId xmlns:a16="http://schemas.microsoft.com/office/drawing/2014/main" id="{4D8161AB-A87A-9CDE-43A2-B45A5A44EE62}"/>
+              </a:ext>
+            </a:extLst>
+          </p:cNvPr>
+          <p:cNvSpPr/>
+          <p:nvPr/>
+        </p:nvSpPr>
+        <p:spPr>
+          <a:xfrm>
+            <a:off x="2647632" y="2983767"/>
+            <a:ext cx="167990" cy="1446640"/>
+          </a:xfrm>
+          <a:prstGeom prst="rightBrace">
+            <a:avLst/>
+          </a:prstGeom>
+        </p:spPr>
+        <p:style>
+          <a:lnRef idx="2">
+            <a:schemeClr val="accent1"/>
+          </a:lnRef>
+          <a:fillRef idx="0">
+            <a:schemeClr val="accent1"/>
+          </a:fillRef>
+          <a:effectRef idx="1">
+            <a:schemeClr val="accent1"/>
+          </a:effectRef>
+          <a:fontRef idx="minor">
+            <a:schemeClr val="tx1"/>
+          </a:fontRef>
+        </p:style>
+        <p:txBody>
+          <a:bodyPr rtlCol="0" anchor="ctr"/>
+          <a:lstStyle/>
+          <a:p>
+            <a:pPr algn="ctr"/>
+            <a:endParaRPr lang="pt-BR"/>
+          </a:p>
+        </p:txBody>
+      </p:sp>
+      <p:sp>
+        <p:nvSpPr>
+          <p:cNvPr id="16" name="CaixaDeTexto 15">
+            <a:extLst>
+              <a:ext uri="{FF2B5EF4-FFF2-40B4-BE49-F238E27FC236}">
+                <a16:creationId xmlns:a16="http://schemas.microsoft.com/office/drawing/2014/main" id="{11977FF0-C7B7-9D74-EA15-709C5636AC44}"/>
+              </a:ext>
+            </a:extLst>
+          </p:cNvPr>
+          <p:cNvSpPr txBox="1"/>
+          <p:nvPr/>
+        </p:nvSpPr>
+        <p:spPr>
+          <a:xfrm>
+            <a:off x="3088484" y="3490318"/>
+            <a:ext cx="943897" cy="830997"/>
+          </a:xfrm>
+          <a:prstGeom prst="rect">
+            <a:avLst/>
+          </a:prstGeom>
+          <a:noFill/>
+        </p:spPr>
+        <p:txBody>
+          <a:bodyPr wrap="square" rtlCol="0">
+            <a:spAutoFit/>
+          </a:bodyPr>
+          <a:lstStyle/>
+          <a:p>
+            <a:r>
+              <a:rPr lang="pt-BR" sz="1200" dirty="0"/>
+              <a:t>Área atuada pela SPTrans</a:t>
+            </a:r>
+          </a:p>
+        </p:txBody>
+      </p:sp>
+      <mc:AlternateContent xmlns:mc="http://schemas.openxmlformats.org/markup-compatibility/2006" xmlns:p14="http://schemas.microsoft.com/office/powerpoint/2010/main">
+        <mc:Choice Requires="p14">
+          <p:contentPart p14:bwMode="auto" r:id="rId5">
+            <p14:nvContentPartPr>
+              <p14:cNvPr id="17" name="Tinta 16">
+                <a:extLst>
+                  <a:ext uri="{FF2B5EF4-FFF2-40B4-BE49-F238E27FC236}">
+                    <a16:creationId xmlns:a16="http://schemas.microsoft.com/office/drawing/2014/main" id="{9FE7E4F4-5EB0-116D-86DC-1C9629C58896}"/>
+                  </a:ext>
+                </a:extLst>
+              </p14:cNvPr>
+              <p14:cNvContentPartPr/>
+              <p14:nvPr/>
+            </p14:nvContentPartPr>
+            <p14:xfrm>
+              <a:off x="1029731" y="3244276"/>
+              <a:ext cx="565920" cy="546840"/>
+            </p14:xfrm>
+          </p:contentPart>
+        </mc:Choice>
+        <mc:Fallback xmlns="">
+          <p:pic>
+            <p:nvPicPr>
+              <p:cNvPr id="17" name="Tinta 16">
+                <a:extLst>
+                  <a:ext uri="{FF2B5EF4-FFF2-40B4-BE49-F238E27FC236}">
+                    <a16:creationId xmlns:a16="http://schemas.microsoft.com/office/drawing/2014/main" id="{9FE7E4F4-5EB0-116D-86DC-1C9629C58896}"/>
+                  </a:ext>
+                </a:extLst>
+              </p:cNvPr>
+              <p:cNvPicPr/>
+              <p:nvPr/>
+            </p:nvPicPr>
+            <p:blipFill>
+              <a:blip r:embed="rId6"/>
+              <a:stretch>
+                <a:fillRect/>
+              </a:stretch>
+            </p:blipFill>
+            <p:spPr>
+              <a:xfrm>
+                <a:off x="1023611" y="3238152"/>
+                <a:ext cx="578160" cy="559088"/>
+              </a:xfrm>
+              <a:prstGeom prst="rect">
+                <a:avLst/>
+              </a:prstGeom>
+            </p:spPr>
+          </p:pic>
+        </mc:Fallback>
+      </mc:AlternateContent>
+      <mc:AlternateContent xmlns:mc="http://schemas.openxmlformats.org/markup-compatibility/2006" xmlns:p14="http://schemas.microsoft.com/office/powerpoint/2010/main">
+        <mc:Choice Requires="p14">
+          <p:contentPart p14:bwMode="auto" r:id="rId7">
+            <p14:nvContentPartPr>
+              <p14:cNvPr id="20" name="Tinta 19">
+                <a:extLst>
+                  <a:ext uri="{FF2B5EF4-FFF2-40B4-BE49-F238E27FC236}">
+                    <a16:creationId xmlns:a16="http://schemas.microsoft.com/office/drawing/2014/main" id="{8BAC36DE-4C05-F73F-98B5-F16C02097B17}"/>
+                  </a:ext>
+                </a:extLst>
+              </p14:cNvPr>
+              <p14:cNvContentPartPr/>
+              <p14:nvPr/>
+            </p14:nvContentPartPr>
+            <p14:xfrm>
+              <a:off x="1546691" y="3230596"/>
+              <a:ext cx="360" cy="360"/>
+            </p14:xfrm>
+          </p:contentPart>
+        </mc:Choice>
+        <mc:Fallback xmlns="">
+          <p:pic>
+            <p:nvPicPr>
+              <p:cNvPr id="20" name="Tinta 19">
+                <a:extLst>
+                  <a:ext uri="{FF2B5EF4-FFF2-40B4-BE49-F238E27FC236}">
+                    <a16:creationId xmlns:a16="http://schemas.microsoft.com/office/drawing/2014/main" id="{8BAC36DE-4C05-F73F-98B5-F16C02097B17}"/>
+                  </a:ext>
+                </a:extLst>
+              </p:cNvPr>
+              <p:cNvPicPr/>
+              <p:nvPr/>
+            </p:nvPicPr>
+            <p:blipFill>
+              <a:blip r:embed="rId8"/>
+              <a:stretch>
+                <a:fillRect/>
+              </a:stretch>
+            </p:blipFill>
+            <p:spPr>
+              <a:xfrm>
+                <a:off x="1540571" y="3224476"/>
+                <a:ext cx="12600" cy="12600"/>
+              </a:xfrm>
+              <a:prstGeom prst="rect">
+                <a:avLst/>
+              </a:prstGeom>
+            </p:spPr>
+          </p:pic>
+        </mc:Fallback>
+      </mc:AlternateContent>
+      <mc:AlternateContent xmlns:mc="http://schemas.openxmlformats.org/markup-compatibility/2006" xmlns:p14="http://schemas.microsoft.com/office/powerpoint/2010/main">
+        <mc:Choice Requires="p14">
+          <p:contentPart p14:bwMode="auto" r:id="rId9">
+            <p14:nvContentPartPr>
+              <p14:cNvPr id="23" name="Tinta 22">
+                <a:extLst>
+                  <a:ext uri="{FF2B5EF4-FFF2-40B4-BE49-F238E27FC236}">
+                    <a16:creationId xmlns:a16="http://schemas.microsoft.com/office/drawing/2014/main" id="{0AB15103-E437-A6FD-95CE-F4AE0C5B5DA8}"/>
+                  </a:ext>
+                </a:extLst>
+              </p14:cNvPr>
+              <p14:cNvContentPartPr/>
+              <p14:nvPr/>
+            </p14:nvContentPartPr>
+            <p14:xfrm>
+              <a:off x="1151051" y="3244996"/>
+              <a:ext cx="441720" cy="606240"/>
+            </p14:xfrm>
+          </p:contentPart>
+        </mc:Choice>
+        <mc:Fallback xmlns="">
+          <p:pic>
+            <p:nvPicPr>
+              <p:cNvPr id="23" name="Tinta 22">
+                <a:extLst>
+                  <a:ext uri="{FF2B5EF4-FFF2-40B4-BE49-F238E27FC236}">
+                    <a16:creationId xmlns:a16="http://schemas.microsoft.com/office/drawing/2014/main" id="{0AB15103-E437-A6FD-95CE-F4AE0C5B5DA8}"/>
+                  </a:ext>
+                </a:extLst>
+              </p:cNvPr>
+              <p:cNvPicPr/>
+              <p:nvPr/>
+            </p:nvPicPr>
+            <p:blipFill>
+              <a:blip r:embed="rId10"/>
+              <a:stretch>
+                <a:fillRect/>
+              </a:stretch>
+            </p:blipFill>
+            <p:spPr>
+              <a:xfrm>
+                <a:off x="1144931" y="3238880"/>
+                <a:ext cx="453960" cy="618473"/>
+              </a:xfrm>
+              <a:prstGeom prst="rect">
+                <a:avLst/>
+              </a:prstGeom>
+            </p:spPr>
+          </p:pic>
+        </mc:Fallback>
+      </mc:AlternateContent>
+      <p:sp>
+        <p:nvSpPr>
+          <p:cNvPr id="24" name="Retângulo 23">
+            <a:extLst>
+              <a:ext uri="{FF2B5EF4-FFF2-40B4-BE49-F238E27FC236}">
+                <a16:creationId xmlns:a16="http://schemas.microsoft.com/office/drawing/2014/main" id="{C888D4CC-1991-65B6-2778-1DE347EA27C6}"/>
+              </a:ext>
+            </a:extLst>
+          </p:cNvPr>
+          <p:cNvSpPr/>
+          <p:nvPr/>
+        </p:nvSpPr>
+        <p:spPr>
+          <a:xfrm>
+            <a:off x="296105" y="4430407"/>
+            <a:ext cx="45719" cy="45719"/>
+          </a:xfrm>
+          <a:prstGeom prst="rect">
+            <a:avLst/>
+          </a:prstGeom>
+          <a:solidFill>
+            <a:srgbClr val="FF0000"/>
+          </a:solidFill>
+        </p:spPr>
+        <p:style>
+          <a:lnRef idx="2">
+            <a:schemeClr val="accent1">
+              <a:shade val="15000"/>
+            </a:schemeClr>
+          </a:lnRef>
+          <a:fillRef idx="1">
+            <a:schemeClr val="accent1"/>
+          </a:fillRef>
+          <a:effectRef idx="0">
+            <a:schemeClr val="accent1"/>
+          </a:effectRef>
+          <a:fontRef idx="minor">
+            <a:schemeClr val="lt1"/>
+          </a:fontRef>
+        </p:style>
+        <p:txBody>
+          <a:bodyPr rtlCol="0" anchor="ctr"/>
+          <a:lstStyle/>
+          <a:p>
+            <a:pPr algn="ctr"/>
+            <a:endParaRPr lang="pt-BR"/>
+          </a:p>
+        </p:txBody>
+      </p:sp>
+      <p:sp>
+        <p:nvSpPr>
+          <p:cNvPr id="25" name="CaixaDeTexto 24">
+            <a:extLst>
+              <a:ext uri="{FF2B5EF4-FFF2-40B4-BE49-F238E27FC236}">
+                <a16:creationId xmlns:a16="http://schemas.microsoft.com/office/drawing/2014/main" id="{C8511335-AB73-4E9B-6F64-84D91FB6DCD3}"/>
+              </a:ext>
+            </a:extLst>
+          </p:cNvPr>
+          <p:cNvSpPr txBox="1"/>
+          <p:nvPr/>
+        </p:nvSpPr>
+        <p:spPr>
+          <a:xfrm>
+            <a:off x="489233" y="4321315"/>
+            <a:ext cx="807304" cy="261610"/>
+          </a:xfrm>
+          <a:prstGeom prst="rect">
+            <a:avLst/>
+          </a:prstGeom>
+          <a:noFill/>
+        </p:spPr>
+        <p:txBody>
+          <a:bodyPr wrap="square" rtlCol="0">
+            <a:spAutoFit/>
+          </a:bodyPr>
+          <a:lstStyle/>
+          <a:p>
+            <a:r>
+              <a:rPr lang="pt-BR" sz="1100" dirty="0"/>
+              <a:t>SPTrans</a:t>
+            </a:r>
+            <a:endParaRPr lang="pt-BR" dirty="0"/>
+          </a:p>
+        </p:txBody>
+      </p:sp>
+      <p:graphicFrame>
+        <p:nvGraphicFramePr>
+          <p:cNvPr id="5" name="Gráfico 4">
+            <a:extLst>
+              <a:ext uri="{FF2B5EF4-FFF2-40B4-BE49-F238E27FC236}">
+                <a16:creationId xmlns:a16="http://schemas.microsoft.com/office/drawing/2014/main" id="{01B56ADF-31E0-EE83-14A9-62C4E3F56911}"/>
+              </a:ext>
+            </a:extLst>
+          </p:cNvPr>
+          <p:cNvGraphicFramePr>
+            <a:graphicFrameLocks/>
+          </p:cNvGraphicFramePr>
+          <p:nvPr/>
+        </p:nvGraphicFramePr>
+        <p:xfrm>
+          <a:off x="4122138" y="2643415"/>
+          <a:ext cx="3852467" cy="2627960"/>
+        </p:xfrm>
+        <a:graphic>
+          <a:graphicData uri="http://schemas.openxmlformats.org/drawingml/2006/chart">
+            <c:chart xmlns:c="http://schemas.openxmlformats.org/drawingml/2006/chart" xmlns:r="http://schemas.openxmlformats.org/officeDocument/2006/relationships" r:id="rId11"/>
+          </a:graphicData>
+        </a:graphic>
+      </p:graphicFrame>
+      <p:sp>
+        <p:nvSpPr>
+          <p:cNvPr id="10" name="CaixaDeTexto 9">
+            <a:extLst>
+              <a:ext uri="{FF2B5EF4-FFF2-40B4-BE49-F238E27FC236}">
+                <a16:creationId xmlns:a16="http://schemas.microsoft.com/office/drawing/2014/main" id="{C68734F1-27BC-445A-AFB9-93F29B0C9EEB}"/>
+              </a:ext>
+            </a:extLst>
+          </p:cNvPr>
+          <p:cNvSpPr txBox="1"/>
+          <p:nvPr/>
+        </p:nvSpPr>
+        <p:spPr>
+          <a:xfrm>
+            <a:off x="4188663" y="1997143"/>
+            <a:ext cx="4051425" cy="646331"/>
+          </a:xfrm>
+          <a:prstGeom prst="rect">
+            <a:avLst/>
+          </a:prstGeom>
+          <a:noFill/>
+        </p:spPr>
+        <p:txBody>
+          <a:bodyPr wrap="square" rtlCol="0">
+            <a:spAutoFit/>
+          </a:bodyPr>
+          <a:lstStyle/>
+          <a:p>
+            <a:pPr marL="171450" indent="-171450" algn="just">
+              <a:buFont typeface="Courier New" panose="02070309020205020404" pitchFamily="49" charset="0"/>
+              <a:buChar char="o"/>
+            </a:pPr>
+            <a:r>
+              <a:rPr lang="pt-BR" sz="1200" dirty="0"/>
+              <a:t>Redução dos passageiros em </a:t>
+            </a:r>
+            <a:r>
+              <a:rPr lang="pt-BR" sz="1200" b="1" dirty="0"/>
+              <a:t>cerca de 30% </a:t>
+            </a:r>
+          </a:p>
+          <a:p>
+            <a:pPr marL="171450" indent="-171450" algn="just">
+              <a:buFont typeface="Courier New" panose="02070309020205020404" pitchFamily="49" charset="0"/>
+              <a:buChar char="o"/>
+            </a:pPr>
+            <a:r>
+              <a:rPr lang="pt-BR" sz="1200" dirty="0"/>
+              <a:t>A queda foi motivada nos transporte a regiões centrais (3,8 -&gt; 1,8 Bilhão) </a:t>
+            </a:r>
+          </a:p>
+        </p:txBody>
+      </p:sp>
+      <p:sp>
+        <p:nvSpPr>
+          <p:cNvPr id="11" name="CaixaDeTexto 10">
+            <a:extLst>
+              <a:ext uri="{FF2B5EF4-FFF2-40B4-BE49-F238E27FC236}">
+                <a16:creationId xmlns:a16="http://schemas.microsoft.com/office/drawing/2014/main" id="{37C20598-C2FB-3885-DC29-FFB3E70E3E06}"/>
+              </a:ext>
+            </a:extLst>
+          </p:cNvPr>
+          <p:cNvSpPr txBox="1"/>
+          <p:nvPr/>
+        </p:nvSpPr>
+        <p:spPr>
+          <a:xfrm>
+            <a:off x="4122138" y="1658996"/>
+            <a:ext cx="4387519" cy="276999"/>
+          </a:xfrm>
+          <a:prstGeom prst="rect">
+            <a:avLst/>
+          </a:prstGeom>
+          <a:noFill/>
+        </p:spPr>
+        <p:txBody>
+          <a:bodyPr wrap="square" rtlCol="0">
+            <a:spAutoFit/>
+          </a:bodyPr>
+          <a:lstStyle/>
+          <a:p>
+            <a:pPr algn="just"/>
+            <a:r>
+              <a:rPr lang="pt-BR" sz="1200" dirty="0">
+                <a:latin typeface="Aptos Black" panose="020B0004020202020204" pitchFamily="34" charset="0"/>
+              </a:rPr>
+              <a:t>Indicativos de mudanças – Regiões Metropolitanas</a:t>
+            </a:r>
+          </a:p>
+        </p:txBody>
+      </p:sp>
+      <p:sp>
+        <p:nvSpPr>
+          <p:cNvPr id="12" name="CaixaDeTexto 11">
+            <a:extLst>
+              <a:ext uri="{FF2B5EF4-FFF2-40B4-BE49-F238E27FC236}">
+                <a16:creationId xmlns:a16="http://schemas.microsoft.com/office/drawing/2014/main" id="{6E825A3F-0B25-19D4-1FB6-A449246503B3}"/>
+              </a:ext>
+            </a:extLst>
+          </p:cNvPr>
+          <p:cNvSpPr txBox="1"/>
+          <p:nvPr/>
+        </p:nvSpPr>
+        <p:spPr>
+          <a:xfrm>
+            <a:off x="296105" y="5438659"/>
+            <a:ext cx="10834350" cy="584775"/>
+          </a:xfrm>
+          <a:prstGeom prst="rect">
+            <a:avLst/>
+          </a:prstGeom>
+          <a:noFill/>
+        </p:spPr>
+        <p:txBody>
+          <a:bodyPr wrap="square" rtlCol="0">
+            <a:spAutoFit/>
+          </a:bodyPr>
+          <a:lstStyle/>
+          <a:p>
+            <a:pPr algn="just"/>
+            <a:r>
+              <a:rPr lang="pt-BR" sz="1600" dirty="0">
+                <a:latin typeface="+mj-lt"/>
+              </a:rPr>
+              <a:t>O Meio de transporte público mudou com o tempo </a:t>
+            </a:r>
+            <a:r>
+              <a:rPr lang="pt-BR" sz="1600" dirty="0">
+                <a:solidFill>
+                  <a:schemeClr val="accent2"/>
+                </a:solidFill>
+                <a:latin typeface="+mj-lt"/>
+              </a:rPr>
+              <a:t>após a pandemia e com a modernização dos ambientes educativos e profissionais, o processo de locomoção mudou muito</a:t>
+            </a:r>
+            <a:r>
+              <a:rPr lang="pt-BR" sz="1600" dirty="0">
+                <a:latin typeface="+mj-lt"/>
+              </a:rPr>
+              <a:t>, com isso surge a pergunto.</a:t>
+            </a:r>
+            <a:endParaRPr lang="pt-BR" dirty="0"/>
+          </a:p>
+        </p:txBody>
+      </p:sp>
+      <p:sp>
+        <p:nvSpPr>
+          <p:cNvPr id="14" name="CaixaDeTexto 13">
+            <a:extLst>
+              <a:ext uri="{FF2B5EF4-FFF2-40B4-BE49-F238E27FC236}">
+                <a16:creationId xmlns:a16="http://schemas.microsoft.com/office/drawing/2014/main" id="{19B26F8F-3000-FCA8-D33C-F388FDA50D4E}"/>
+              </a:ext>
+            </a:extLst>
+          </p:cNvPr>
+          <p:cNvSpPr txBox="1"/>
+          <p:nvPr/>
+        </p:nvSpPr>
+        <p:spPr>
+          <a:xfrm>
+            <a:off x="6761741" y="6058623"/>
+            <a:ext cx="3660932" cy="338554"/>
+          </a:xfrm>
+          <a:prstGeom prst="rect">
+            <a:avLst/>
+          </a:prstGeom>
+          <a:noFill/>
+        </p:spPr>
+        <p:txBody>
+          <a:bodyPr wrap="square" rtlCol="0">
+            <a:spAutoFit/>
+          </a:bodyPr>
+          <a:lstStyle/>
+          <a:p>
+            <a:pPr algn="just"/>
+            <a:r>
+              <a:rPr lang="pt-BR" sz="1600" dirty="0">
+                <a:solidFill>
+                  <a:schemeClr val="accent2"/>
+                </a:solidFill>
+                <a:latin typeface="+mj-lt"/>
+              </a:rPr>
+              <a:t>Será que a SPTrans se adaptou? </a:t>
+            </a:r>
+            <a:endParaRPr lang="pt-BR" dirty="0">
+              <a:solidFill>
+                <a:schemeClr val="accent2"/>
+              </a:solidFill>
+            </a:endParaRPr>
+          </a:p>
+        </p:txBody>
+      </p:sp>
+      <p:sp>
+        <p:nvSpPr>
+          <p:cNvPr id="3" name="Retângulo 2">
+            <a:extLst>
+              <a:ext uri="{FF2B5EF4-FFF2-40B4-BE49-F238E27FC236}">
+                <a16:creationId xmlns:a16="http://schemas.microsoft.com/office/drawing/2014/main" id="{8577D611-AD4A-5581-0C04-838BE1801015}"/>
+              </a:ext>
+            </a:extLst>
+          </p:cNvPr>
+          <p:cNvSpPr/>
+          <p:nvPr/>
+        </p:nvSpPr>
+        <p:spPr>
+          <a:xfrm>
+            <a:off x="8348424" y="1757124"/>
+            <a:ext cx="3714135" cy="3448454"/>
+          </a:xfrm>
+          <a:prstGeom prst="rect">
+            <a:avLst/>
+          </a:prstGeom>
+          <a:solidFill>
+            <a:schemeClr val="bg1"/>
+          </a:solidFill>
+          <a:effectLst>
+            <a:outerShdw blurRad="50800" dist="38100" dir="10800000" algn="r" rotWithShape="0">
+              <a:prstClr val="black">
+                <a:alpha val="40000"/>
+              </a:prstClr>
+            </a:outerShdw>
+          </a:effectLst>
+        </p:spPr>
+        <p:style>
+          <a:lnRef idx="2">
+            <a:schemeClr val="accent1">
+              <a:shade val="15000"/>
+            </a:schemeClr>
+          </a:lnRef>
+          <a:fillRef idx="1">
+            <a:schemeClr val="accent1"/>
+          </a:fillRef>
+          <a:effectRef idx="0">
+            <a:schemeClr val="accent1"/>
+          </a:effectRef>
+          <a:fontRef idx="minor">
+            <a:schemeClr val="lt1"/>
+          </a:fontRef>
+        </p:style>
+        <p:txBody>
+          <a:bodyPr rtlCol="0" anchor="ctr"/>
+          <a:lstStyle/>
+          <a:p>
+            <a:pPr algn="ctr"/>
+            <a:endParaRPr lang="pt-BR"/>
+          </a:p>
+        </p:txBody>
+      </p:sp>
+      <p:sp>
+        <p:nvSpPr>
+          <p:cNvPr id="18" name="Retângulo 17">
+            <a:extLst>
+              <a:ext uri="{FF2B5EF4-FFF2-40B4-BE49-F238E27FC236}">
+                <a16:creationId xmlns:a16="http://schemas.microsoft.com/office/drawing/2014/main" id="{C478870C-AF27-6CD5-9F0C-D17A0039DD95}"/>
+              </a:ext>
+            </a:extLst>
+          </p:cNvPr>
+          <p:cNvSpPr/>
+          <p:nvPr/>
+        </p:nvSpPr>
+        <p:spPr>
+          <a:xfrm>
+            <a:off x="8348423" y="1717387"/>
+            <a:ext cx="3714136" cy="481248"/>
+          </a:xfrm>
+          <a:prstGeom prst="rect">
+            <a:avLst/>
+          </a:prstGeom>
+          <a:solidFill>
+            <a:schemeClr val="tx1"/>
+          </a:solidFill>
+          <a:effectLst>
+            <a:outerShdw blurRad="50800" dist="38100" dir="10800000" algn="r" rotWithShape="0">
+              <a:prstClr val="black">
+                <a:alpha val="40000"/>
+              </a:prstClr>
+            </a:outerShdw>
+          </a:effectLst>
+        </p:spPr>
+        <p:style>
+          <a:lnRef idx="2">
+            <a:schemeClr val="accent1">
+              <a:shade val="15000"/>
+            </a:schemeClr>
+          </a:lnRef>
+          <a:fillRef idx="1">
+            <a:schemeClr val="accent1"/>
+          </a:fillRef>
+          <a:effectRef idx="0">
+            <a:schemeClr val="accent1"/>
+          </a:effectRef>
+          <a:fontRef idx="minor">
+            <a:schemeClr val="lt1"/>
+          </a:fontRef>
+        </p:style>
+        <p:txBody>
+          <a:bodyPr rtlCol="0" anchor="ctr"/>
+          <a:lstStyle/>
+          <a:p>
+            <a:pPr algn="ctr"/>
+            <a:r>
               <a:rPr lang="pt-BR" dirty="0"/>
-              <a:t>Em andamento, necessário, Explorar os dados abertos ainda </a:t>
-            </a:r>
-          </a:p>
-        </p:txBody>
-      </p:sp>
+              <a:t>Dispersão da </a:t>
+            </a:r>
+            <a:r>
+              <a:rPr lang="pt-BR" dirty="0" err="1"/>
+              <a:t>popução</a:t>
+            </a:r>
+            <a:endParaRPr lang="pt-BR" dirty="0"/>
+          </a:p>
+          <a:p>
+            <a:pPr algn="ctr"/>
+            <a:r>
+              <a:rPr lang="pt-BR" sz="1100" dirty="0"/>
+              <a:t>Pontos de Ónibus em 2024</a:t>
+            </a:r>
+          </a:p>
+        </p:txBody>
+      </p:sp>
+      <p:pic>
+        <p:nvPicPr>
+          <p:cNvPr id="1030" name="Picture 6" descr="Nuvem - ícones de clima grátis">
+            <a:extLst>
+              <a:ext uri="{FF2B5EF4-FFF2-40B4-BE49-F238E27FC236}">
+                <a16:creationId xmlns:a16="http://schemas.microsoft.com/office/drawing/2014/main" id="{9338E715-BB5F-B574-4BA0-FCB655E45C93}"/>
+              </a:ext>
+            </a:extLst>
+          </p:cNvPr>
+          <p:cNvPicPr>
+            <a:picLocks noChangeAspect="1" noChangeArrowheads="1"/>
+          </p:cNvPicPr>
+          <p:nvPr/>
+        </p:nvPicPr>
+        <p:blipFill>
+          <a:blip r:embed="rId12">
+            <a:duotone>
+              <a:schemeClr val="bg2">
+                <a:shade val="45000"/>
+                <a:satMod val="135000"/>
+              </a:schemeClr>
+              <a:prstClr val="white"/>
+            </a:duotone>
+            <a:extLst>
+              <a:ext uri="{28A0092B-C50C-407E-A947-70E740481C1C}">
+                <a14:useLocalDpi xmlns:a14="http://schemas.microsoft.com/office/drawing/2010/main" val="0"/>
+              </a:ext>
+            </a:extLst>
+          </a:blip>
+          <a:srcRect/>
+          <a:stretch>
+            <a:fillRect/>
+          </a:stretch>
+        </p:blipFill>
+        <p:spPr bwMode="auto">
+          <a:xfrm>
+            <a:off x="46452" y="1172363"/>
+            <a:ext cx="545024" cy="545024"/>
+          </a:xfrm>
+          <a:prstGeom prst="rect">
+            <a:avLst/>
+          </a:prstGeom>
+          <a:noFill/>
+          <a:extLst>
+            <a:ext uri="{909E8E84-426E-40DD-AFC4-6F175D3DCCD1}">
+              <a14:hiddenFill xmlns:a14="http://schemas.microsoft.com/office/drawing/2010/main">
+                <a:solidFill>
+                  <a:srgbClr val="FFFFFF"/>
+                </a:solidFill>
+              </a14:hiddenFill>
+            </a:ext>
+          </a:extLst>
+        </p:spPr>
+      </p:pic>
+      <p:pic>
+        <p:nvPicPr>
+          <p:cNvPr id="21" name="Gráfico 20" descr="Ônibus estrutura de tópicos">
+            <a:extLst>
+              <a:ext uri="{FF2B5EF4-FFF2-40B4-BE49-F238E27FC236}">
+                <a16:creationId xmlns:a16="http://schemas.microsoft.com/office/drawing/2014/main" id="{D9AD3575-1AFC-3A43-978F-4FA2893D4FB2}"/>
+              </a:ext>
+            </a:extLst>
+          </p:cNvPr>
+          <p:cNvPicPr>
+            <a:picLocks noChangeAspect="1"/>
+          </p:cNvPicPr>
+          <p:nvPr/>
+        </p:nvPicPr>
+        <p:blipFill>
+          <a:blip r:embed="rId13">
+            <a:extLst>
+              <a:ext uri="{96DAC541-7B7A-43D3-8B79-37D633B846F1}">
+                <asvg:svgBlip xmlns:asvg="http://schemas.microsoft.com/office/drawing/2016/SVG/main" r:embed="rId14"/>
+              </a:ext>
+            </a:extLst>
+          </a:blip>
+          <a:stretch>
+            <a:fillRect/>
+          </a:stretch>
+        </p:blipFill>
+        <p:spPr>
+          <a:xfrm>
+            <a:off x="4250497" y="1200563"/>
+            <a:ext cx="545024" cy="545024"/>
+          </a:xfrm>
+          <a:prstGeom prst="rect">
+            <a:avLst/>
+          </a:prstGeom>
+        </p:spPr>
+      </p:pic>
     </p:spTree>
     <p:extLst>
       <p:ext uri="{BB962C8B-B14F-4D97-AF65-F5344CB8AC3E}">
-        <p14:creationId xmlns:p14="http://schemas.microsoft.com/office/powerpoint/2010/main" val="4069079915"/>
+        <p14:creationId xmlns:p14="http://schemas.microsoft.com/office/powerpoint/2010/main" val="399941617"/>
       </p:ext>
     </p:extLst>
   </p:cSld>
@@ -6211,6 +9698,1152 @@
     <p:extLst>
       <p:ext uri="{BB962C8B-B14F-4D97-AF65-F5344CB8AC3E}">
         <p14:creationId xmlns:p14="http://schemas.microsoft.com/office/powerpoint/2010/main" val="2659897500"/>
+      </p:ext>
+    </p:extLst>
+  </p:cSld>
+  <p:clrMapOvr>
+    <a:masterClrMapping/>
+  </p:clrMapOvr>
+</p:sld>
+</file>
+
+<file path=ppt/slides/slide5.xml><?xml version="1.0" encoding="utf-8"?>
+<p:sld xmlns:a="http://schemas.openxmlformats.org/drawingml/2006/main" xmlns:r="http://schemas.openxmlformats.org/officeDocument/2006/relationships" xmlns:p="http://schemas.openxmlformats.org/presentationml/2006/main">
+  <p:cSld>
+    <p:spTree>
+      <p:nvGrpSpPr>
+        <p:cNvPr id="1" name=""/>
+        <p:cNvGrpSpPr/>
+        <p:nvPr/>
+      </p:nvGrpSpPr>
+      <p:grpSpPr>
+        <a:xfrm>
+          <a:off x="0" y="0"/>
+          <a:ext cx="0" cy="0"/>
+          <a:chOff x="0" y="0"/>
+          <a:chExt cx="0" cy="0"/>
+        </a:xfrm>
+      </p:grpSpPr>
+      <p:sp>
+        <p:nvSpPr>
+          <p:cNvPr id="6" name="Título 5">
+            <a:extLst>
+              <a:ext uri="{FF2B5EF4-FFF2-40B4-BE49-F238E27FC236}">
+                <a16:creationId xmlns:a16="http://schemas.microsoft.com/office/drawing/2014/main" id="{B4BBD1BB-965D-665D-C508-0649605D1F86}"/>
+              </a:ext>
+            </a:extLst>
+          </p:cNvPr>
+          <p:cNvSpPr>
+            <a:spLocks noGrp="1"/>
+          </p:cNvSpPr>
+          <p:nvPr>
+            <p:ph type="title"/>
+          </p:nvPr>
+        </p:nvSpPr>
+        <p:spPr>
+          <a:xfrm>
+            <a:off x="297426" y="363794"/>
+            <a:ext cx="10515600" cy="383458"/>
+          </a:xfrm>
+        </p:spPr>
+        <p:txBody>
+          <a:bodyPr>
+            <a:normAutofit fontScale="90000"/>
+          </a:bodyPr>
+          <a:lstStyle/>
+          <a:p>
+            <a:r>
+              <a:rPr lang="pt-BR" sz="2800" dirty="0">
+                <a:latin typeface="Aptos Black" panose="020B0004020202020204" pitchFamily="34" charset="0"/>
+              </a:rPr>
+              <a:t>Indicadores SPTRANS</a:t>
+            </a:r>
+          </a:p>
+        </p:txBody>
+      </p:sp>
+      <p:pic>
+        <p:nvPicPr>
+          <p:cNvPr id="7" name="Picture 4" descr="sptrans_logo –">
+            <a:extLst>
+              <a:ext uri="{FF2B5EF4-FFF2-40B4-BE49-F238E27FC236}">
+                <a16:creationId xmlns:a16="http://schemas.microsoft.com/office/drawing/2014/main" id="{8D08E230-22FA-663C-A691-8B25D8C4863C}"/>
+              </a:ext>
+            </a:extLst>
+          </p:cNvPr>
+          <p:cNvPicPr>
+            <a:picLocks noChangeAspect="1" noChangeArrowheads="1"/>
+          </p:cNvPicPr>
+          <p:nvPr/>
+        </p:nvPicPr>
+        <p:blipFill>
+          <a:blip r:embed="rId2">
+            <a:extLst>
+              <a:ext uri="{28A0092B-C50C-407E-A947-70E740481C1C}">
+                <a14:useLocalDpi xmlns:a14="http://schemas.microsoft.com/office/drawing/2010/main" val="0"/>
+              </a:ext>
+            </a:extLst>
+          </a:blip>
+          <a:srcRect/>
+          <a:stretch>
+            <a:fillRect/>
+          </a:stretch>
+        </p:blipFill>
+        <p:spPr bwMode="auto">
+          <a:xfrm>
+            <a:off x="10556466" y="302735"/>
+            <a:ext cx="1155744" cy="444517"/>
+          </a:xfrm>
+          <a:prstGeom prst="rect">
+            <a:avLst/>
+          </a:prstGeom>
+          <a:noFill/>
+          <a:extLst>
+            <a:ext uri="{909E8E84-426E-40DD-AFC4-6F175D3DCCD1}">
+              <a14:hiddenFill xmlns:a14="http://schemas.microsoft.com/office/drawing/2010/main">
+                <a:solidFill>
+                  <a:srgbClr val="FFFFFF"/>
+                </a:solidFill>
+              </a14:hiddenFill>
+            </a:ext>
+          </a:extLst>
+        </p:spPr>
+      </p:pic>
+      <p:sp>
+        <p:nvSpPr>
+          <p:cNvPr id="8" name="Título 5">
+            <a:extLst>
+              <a:ext uri="{FF2B5EF4-FFF2-40B4-BE49-F238E27FC236}">
+                <a16:creationId xmlns:a16="http://schemas.microsoft.com/office/drawing/2014/main" id="{56AA097E-92B9-7332-DD23-A94C019B7C87}"/>
+              </a:ext>
+            </a:extLst>
+          </p:cNvPr>
+          <p:cNvSpPr txBox="1">
+            <a:spLocks/>
+          </p:cNvSpPr>
+          <p:nvPr/>
+        </p:nvSpPr>
+        <p:spPr>
+          <a:xfrm>
+            <a:off x="297426" y="808311"/>
+            <a:ext cx="10515600" cy="383458"/>
+          </a:xfrm>
+          <a:prstGeom prst="rect">
+            <a:avLst/>
+          </a:prstGeom>
+        </p:spPr>
+        <p:txBody>
+          <a:bodyPr vert="horz" lIns="91440" tIns="45720" rIns="91440" bIns="45720" rtlCol="0" anchor="ctr">
+            <a:normAutofit fontScale="97500"/>
+          </a:bodyPr>
+          <a:lstStyle>
+            <a:lvl1pPr algn="l" defTabSz="914400" rtl="0" eaLnBrk="1" latinLnBrk="0" hangingPunct="1">
+              <a:lnSpc>
+                <a:spcPct val="90000"/>
+              </a:lnSpc>
+              <a:spcBef>
+                <a:spcPct val="0"/>
+              </a:spcBef>
+              <a:buNone/>
+              <a:defRPr sz="4400" kern="1200">
+                <a:solidFill>
+                  <a:schemeClr val="tx1"/>
+                </a:solidFill>
+                <a:latin typeface="+mj-lt"/>
+                <a:ea typeface="+mj-ea"/>
+                <a:cs typeface="+mj-cs"/>
+              </a:defRPr>
+            </a:lvl1pPr>
+          </a:lstStyle>
+          <a:p>
+            <a:r>
+              <a:rPr lang="pt-BR" sz="1800" dirty="0">
+                <a:latin typeface="Aptos Display" panose="020B0004020202020204" pitchFamily="34" charset="0"/>
+              </a:rPr>
+              <a:t>Analisando Comportamento da População Paulista – Transporte Público </a:t>
+            </a:r>
+          </a:p>
+        </p:txBody>
+      </p:sp>
+      <p:pic>
+        <p:nvPicPr>
+          <p:cNvPr id="10" name="Gráfico 9" descr="Ônibus com preenchimento sólido">
+            <a:extLst>
+              <a:ext uri="{FF2B5EF4-FFF2-40B4-BE49-F238E27FC236}">
+                <a16:creationId xmlns:a16="http://schemas.microsoft.com/office/drawing/2014/main" id="{099861AD-8CE2-A950-9CD4-E74CE6701ED6}"/>
+              </a:ext>
+            </a:extLst>
+          </p:cNvPr>
+          <p:cNvPicPr>
+            <a:picLocks noChangeAspect="1"/>
+          </p:cNvPicPr>
+          <p:nvPr/>
+        </p:nvPicPr>
+        <p:blipFill>
+          <a:blip r:embed="rId3">
+            <a:extLst>
+              <a:ext uri="{96DAC541-7B7A-43D3-8B79-37D633B846F1}">
+                <asvg:svgBlip xmlns:asvg="http://schemas.microsoft.com/office/drawing/2016/SVG/main" r:embed="rId4"/>
+              </a:ext>
+            </a:extLst>
+          </a:blip>
+          <a:stretch>
+            <a:fillRect/>
+          </a:stretch>
+        </p:blipFill>
+        <p:spPr>
+          <a:xfrm>
+            <a:off x="6096000" y="1548411"/>
+            <a:ext cx="1096189" cy="1096189"/>
+          </a:xfrm>
+          <a:prstGeom prst="rect">
+            <a:avLst/>
+          </a:prstGeom>
+        </p:spPr>
+      </p:pic>
+      <p:sp>
+        <p:nvSpPr>
+          <p:cNvPr id="11" name="Título 5">
+            <a:extLst>
+              <a:ext uri="{FF2B5EF4-FFF2-40B4-BE49-F238E27FC236}">
+                <a16:creationId xmlns:a16="http://schemas.microsoft.com/office/drawing/2014/main" id="{6D889964-61C8-A090-30BF-A72EACA3066C}"/>
+              </a:ext>
+            </a:extLst>
+          </p:cNvPr>
+          <p:cNvSpPr txBox="1">
+            <a:spLocks/>
+          </p:cNvSpPr>
+          <p:nvPr/>
+        </p:nvSpPr>
+        <p:spPr>
+          <a:xfrm>
+            <a:off x="7593945" y="1548411"/>
+            <a:ext cx="2258961" cy="1096189"/>
+          </a:xfrm>
+          <a:prstGeom prst="rect">
+            <a:avLst/>
+          </a:prstGeom>
+        </p:spPr>
+        <p:txBody>
+          <a:bodyPr vert="horz" lIns="91440" tIns="45720" rIns="91440" bIns="45720" rtlCol="0" anchor="ctr">
+            <a:normAutofit fontScale="97500"/>
+          </a:bodyPr>
+          <a:lstStyle>
+            <a:lvl1pPr algn="l" defTabSz="914400" rtl="0" eaLnBrk="1" latinLnBrk="0" hangingPunct="1">
+              <a:lnSpc>
+                <a:spcPct val="90000"/>
+              </a:lnSpc>
+              <a:spcBef>
+                <a:spcPct val="0"/>
+              </a:spcBef>
+              <a:buNone/>
+              <a:defRPr sz="4400" kern="1200">
+                <a:solidFill>
+                  <a:schemeClr val="tx1"/>
+                </a:solidFill>
+                <a:latin typeface="+mj-lt"/>
+                <a:ea typeface="+mj-ea"/>
+                <a:cs typeface="+mj-cs"/>
+              </a:defRPr>
+            </a:lvl1pPr>
+          </a:lstStyle>
+          <a:p>
+            <a:pPr algn="just"/>
+            <a:r>
+              <a:rPr lang="pt-BR" sz="1400" dirty="0">
+                <a:latin typeface="Aptos Display" panose="020B0004020202020204" pitchFamily="34" charset="0"/>
+              </a:rPr>
+              <a:t>Atualmente a </a:t>
+            </a:r>
+            <a:r>
+              <a:rPr lang="pt-BR" sz="1400" dirty="0" err="1">
+                <a:latin typeface="Aptos Display" panose="020B0004020202020204" pitchFamily="34" charset="0"/>
+              </a:rPr>
+              <a:t>Sptrans</a:t>
+            </a:r>
+            <a:r>
+              <a:rPr lang="pt-BR" sz="1400" dirty="0">
+                <a:latin typeface="Aptos Display" panose="020B0004020202020204" pitchFamily="34" charset="0"/>
+              </a:rPr>
+              <a:t> é responsável pelo transporte de 2,5MM de pessoas por dia</a:t>
+            </a:r>
+          </a:p>
+        </p:txBody>
+      </p:sp>
+      <p:sp>
+        <p:nvSpPr>
+          <p:cNvPr id="12" name="Título 5">
+            <a:extLst>
+              <a:ext uri="{FF2B5EF4-FFF2-40B4-BE49-F238E27FC236}">
+                <a16:creationId xmlns:a16="http://schemas.microsoft.com/office/drawing/2014/main" id="{025DBDC5-D80B-1BCE-A0D2-F89C2E123658}"/>
+              </a:ext>
+            </a:extLst>
+          </p:cNvPr>
+          <p:cNvSpPr txBox="1">
+            <a:spLocks/>
+          </p:cNvSpPr>
+          <p:nvPr/>
+        </p:nvSpPr>
+        <p:spPr>
+          <a:xfrm>
+            <a:off x="327878" y="1376009"/>
+            <a:ext cx="10515600" cy="383458"/>
+          </a:xfrm>
+          <a:prstGeom prst="rect">
+            <a:avLst/>
+          </a:prstGeom>
+        </p:spPr>
+        <p:txBody>
+          <a:bodyPr vert="horz" lIns="91440" tIns="45720" rIns="91440" bIns="45720" rtlCol="0" anchor="ctr">
+            <a:normAutofit fontScale="97500"/>
+          </a:bodyPr>
+          <a:lstStyle>
+            <a:lvl1pPr algn="l" defTabSz="914400" rtl="0" eaLnBrk="1" latinLnBrk="0" hangingPunct="1">
+              <a:lnSpc>
+                <a:spcPct val="90000"/>
+              </a:lnSpc>
+              <a:spcBef>
+                <a:spcPct val="0"/>
+              </a:spcBef>
+              <a:buNone/>
+              <a:defRPr sz="4400" kern="1200">
+                <a:solidFill>
+                  <a:schemeClr val="tx1"/>
+                </a:solidFill>
+                <a:latin typeface="+mj-lt"/>
+                <a:ea typeface="+mj-ea"/>
+                <a:cs typeface="+mj-cs"/>
+              </a:defRPr>
+            </a:lvl1pPr>
+          </a:lstStyle>
+          <a:p>
+            <a:r>
+              <a:rPr lang="pt-BR" sz="1800" b="1" dirty="0" err="1">
+                <a:solidFill>
+                  <a:srgbClr val="800000"/>
+                </a:solidFill>
+                <a:latin typeface="Aptos Display" panose="020B0004020202020204" pitchFamily="34" charset="0"/>
+              </a:rPr>
+              <a:t>Sptrans</a:t>
+            </a:r>
+            <a:endParaRPr lang="pt-BR" sz="1800" b="1" dirty="0">
+              <a:solidFill>
+                <a:srgbClr val="800000"/>
+              </a:solidFill>
+              <a:latin typeface="Aptos Display" panose="020B0004020202020204" pitchFamily="34" charset="0"/>
+            </a:endParaRPr>
+          </a:p>
+        </p:txBody>
+      </p:sp>
+      <p:sp>
+        <p:nvSpPr>
+          <p:cNvPr id="13" name="Título 5">
+            <a:extLst>
+              <a:ext uri="{FF2B5EF4-FFF2-40B4-BE49-F238E27FC236}">
+                <a16:creationId xmlns:a16="http://schemas.microsoft.com/office/drawing/2014/main" id="{0B5E2A2C-91FF-B183-191E-B89E07BB06CA}"/>
+              </a:ext>
+            </a:extLst>
+          </p:cNvPr>
+          <p:cNvSpPr txBox="1">
+            <a:spLocks/>
+          </p:cNvSpPr>
+          <p:nvPr/>
+        </p:nvSpPr>
+        <p:spPr>
+          <a:xfrm>
+            <a:off x="9904076" y="6494206"/>
+            <a:ext cx="2460523" cy="363794"/>
+          </a:xfrm>
+          <a:prstGeom prst="rect">
+            <a:avLst/>
+          </a:prstGeom>
+        </p:spPr>
+        <p:txBody>
+          <a:bodyPr vert="horz" lIns="91440" tIns="45720" rIns="91440" bIns="45720" rtlCol="0" anchor="ctr">
+            <a:normAutofit fontScale="97500"/>
+          </a:bodyPr>
+          <a:lstStyle>
+            <a:lvl1pPr algn="l" defTabSz="914400" rtl="0" eaLnBrk="1" latinLnBrk="0" hangingPunct="1">
+              <a:lnSpc>
+                <a:spcPct val="90000"/>
+              </a:lnSpc>
+              <a:spcBef>
+                <a:spcPct val="0"/>
+              </a:spcBef>
+              <a:buNone/>
+              <a:defRPr sz="4400" kern="1200">
+                <a:solidFill>
+                  <a:schemeClr val="tx1"/>
+                </a:solidFill>
+                <a:latin typeface="+mj-lt"/>
+                <a:ea typeface="+mj-ea"/>
+                <a:cs typeface="+mj-cs"/>
+              </a:defRPr>
+            </a:lvl1pPr>
+          </a:lstStyle>
+          <a:p>
+            <a:pPr algn="just"/>
+            <a:r>
+              <a:rPr lang="pt-BR" sz="1200" dirty="0">
+                <a:latin typeface="Aptos Display" panose="020B0004020202020204" pitchFamily="34" charset="0"/>
+              </a:rPr>
+              <a:t>Referência do estudo: </a:t>
+            </a:r>
+            <a:r>
+              <a:rPr lang="pt-BR" sz="1200" dirty="0" err="1">
+                <a:latin typeface="Aptos Display" panose="020B0004020202020204" pitchFamily="34" charset="0"/>
+              </a:rPr>
+              <a:t>Nov</a:t>
+            </a:r>
+            <a:r>
+              <a:rPr lang="pt-BR" sz="1200" dirty="0">
+                <a:latin typeface="Aptos Display" panose="020B0004020202020204" pitchFamily="34" charset="0"/>
+              </a:rPr>
+              <a:t>/2024</a:t>
+            </a:r>
+          </a:p>
+        </p:txBody>
+      </p:sp>
+      <p:pic>
+        <p:nvPicPr>
+          <p:cNvPr id="2050" name="Picture 2" descr="Calendário - ícones de ferramentas e utensílios grátis">
+            <a:extLst>
+              <a:ext uri="{FF2B5EF4-FFF2-40B4-BE49-F238E27FC236}">
+                <a16:creationId xmlns:a16="http://schemas.microsoft.com/office/drawing/2014/main" id="{FAB341C2-BD3C-69C3-867C-133E01485C44}"/>
+              </a:ext>
+            </a:extLst>
+          </p:cNvPr>
+          <p:cNvPicPr>
+            <a:picLocks noChangeAspect="1" noChangeArrowheads="1"/>
+          </p:cNvPicPr>
+          <p:nvPr/>
+        </p:nvPicPr>
+        <p:blipFill>
+          <a:blip r:embed="rId5">
+            <a:extLst>
+              <a:ext uri="{28A0092B-C50C-407E-A947-70E740481C1C}">
+                <a14:useLocalDpi xmlns:a14="http://schemas.microsoft.com/office/drawing/2010/main" val="0"/>
+              </a:ext>
+            </a:extLst>
+          </a:blip>
+          <a:srcRect/>
+          <a:stretch>
+            <a:fillRect/>
+          </a:stretch>
+        </p:blipFill>
+        <p:spPr bwMode="auto">
+          <a:xfrm>
+            <a:off x="1173699" y="1857735"/>
+            <a:ext cx="698204" cy="688597"/>
+          </a:xfrm>
+          <a:prstGeom prst="rect">
+            <a:avLst/>
+          </a:prstGeom>
+          <a:noFill/>
+          <a:extLst>
+            <a:ext uri="{909E8E84-426E-40DD-AFC4-6F175D3DCCD1}">
+              <a14:hiddenFill xmlns:a14="http://schemas.microsoft.com/office/drawing/2010/main">
+                <a:solidFill>
+                  <a:srgbClr val="FFFFFF"/>
+                </a:solidFill>
+              </a14:hiddenFill>
+            </a:ext>
+          </a:extLst>
+        </p:spPr>
+      </p:pic>
+      <p:sp>
+        <p:nvSpPr>
+          <p:cNvPr id="14" name="Título 5">
+            <a:extLst>
+              <a:ext uri="{FF2B5EF4-FFF2-40B4-BE49-F238E27FC236}">
+                <a16:creationId xmlns:a16="http://schemas.microsoft.com/office/drawing/2014/main" id="{08AF8F9B-3F42-355E-F1E6-57F0A4485072}"/>
+              </a:ext>
+            </a:extLst>
+          </p:cNvPr>
+          <p:cNvSpPr txBox="1">
+            <a:spLocks/>
+          </p:cNvSpPr>
+          <p:nvPr/>
+        </p:nvSpPr>
+        <p:spPr>
+          <a:xfrm>
+            <a:off x="2216192" y="1773262"/>
+            <a:ext cx="2381864" cy="904629"/>
+          </a:xfrm>
+          <a:prstGeom prst="rect">
+            <a:avLst/>
+          </a:prstGeom>
+        </p:spPr>
+        <p:txBody>
+          <a:bodyPr vert="horz" lIns="91440" tIns="45720" rIns="91440" bIns="45720" rtlCol="0" anchor="ctr">
+            <a:normAutofit fontScale="97500"/>
+          </a:bodyPr>
+          <a:lstStyle>
+            <a:lvl1pPr algn="l" defTabSz="914400" rtl="0" eaLnBrk="1" latinLnBrk="0" hangingPunct="1">
+              <a:lnSpc>
+                <a:spcPct val="90000"/>
+              </a:lnSpc>
+              <a:spcBef>
+                <a:spcPct val="0"/>
+              </a:spcBef>
+              <a:buNone/>
+              <a:defRPr sz="4400" kern="1200">
+                <a:solidFill>
+                  <a:schemeClr val="tx1"/>
+                </a:solidFill>
+                <a:latin typeface="+mj-lt"/>
+                <a:ea typeface="+mj-ea"/>
+                <a:cs typeface="+mj-cs"/>
+              </a:defRPr>
+            </a:lvl1pPr>
+          </a:lstStyle>
+          <a:p>
+            <a:pPr algn="just"/>
+            <a:r>
+              <a:rPr lang="pt-BR" sz="1400" dirty="0">
+                <a:latin typeface="Aptos Display" panose="020B0004020202020204" pitchFamily="34" charset="0"/>
+              </a:rPr>
+              <a:t>A empresa SPTrans assumiu a responsabilidade do transporte público de São Paulo em 1998</a:t>
+            </a:r>
+          </a:p>
+        </p:txBody>
+      </p:sp>
+      <p:pic>
+        <p:nvPicPr>
+          <p:cNvPr id="3" name="Gráfico 2" descr="Seta: curva ligeira com preenchimento sólido">
+            <a:extLst>
+              <a:ext uri="{FF2B5EF4-FFF2-40B4-BE49-F238E27FC236}">
+                <a16:creationId xmlns:a16="http://schemas.microsoft.com/office/drawing/2014/main" id="{85AD446D-84FE-CB68-DE13-473ECC6D4626}"/>
+              </a:ext>
+            </a:extLst>
+          </p:cNvPr>
+          <p:cNvPicPr>
+            <a:picLocks noChangeAspect="1"/>
+          </p:cNvPicPr>
+          <p:nvPr/>
+        </p:nvPicPr>
+        <p:blipFill>
+          <a:blip r:embed="rId6">
+            <a:extLst>
+              <a:ext uri="{96DAC541-7B7A-43D3-8B79-37D633B846F1}">
+                <asvg:svgBlip xmlns:asvg="http://schemas.microsoft.com/office/drawing/2016/SVG/main" r:embed="rId7"/>
+              </a:ext>
+            </a:extLst>
+          </a:blip>
+          <a:stretch>
+            <a:fillRect/>
+          </a:stretch>
+        </p:blipFill>
+        <p:spPr>
+          <a:xfrm>
+            <a:off x="8004716" y="3429000"/>
+            <a:ext cx="914400" cy="914400"/>
+          </a:xfrm>
+          <a:prstGeom prst="rect">
+            <a:avLst/>
+          </a:prstGeom>
+        </p:spPr>
+      </p:pic>
+      <p:pic>
+        <p:nvPicPr>
+          <p:cNvPr id="5" name="Gráfico 4" descr="Seta: girar para a esquerda com preenchimento sólido">
+            <a:extLst>
+              <a:ext uri="{FF2B5EF4-FFF2-40B4-BE49-F238E27FC236}">
+                <a16:creationId xmlns:a16="http://schemas.microsoft.com/office/drawing/2014/main" id="{F89386A3-AA8E-4F4E-5AB9-5740E01ADDD7}"/>
+              </a:ext>
+            </a:extLst>
+          </p:cNvPr>
+          <p:cNvPicPr>
+            <a:picLocks noChangeAspect="1"/>
+          </p:cNvPicPr>
+          <p:nvPr/>
+        </p:nvPicPr>
+        <p:blipFill>
+          <a:blip r:embed="rId8">
+            <a:extLst>
+              <a:ext uri="{96DAC541-7B7A-43D3-8B79-37D633B846F1}">
+                <asvg:svgBlip xmlns:asvg="http://schemas.microsoft.com/office/drawing/2016/SVG/main" r:embed="rId9"/>
+              </a:ext>
+            </a:extLst>
+          </a:blip>
+          <a:stretch>
+            <a:fillRect/>
+          </a:stretch>
+        </p:blipFill>
+        <p:spPr>
+          <a:xfrm rot="16526512">
+            <a:off x="2038097" y="2708332"/>
+            <a:ext cx="674034" cy="674034"/>
+          </a:xfrm>
+          <a:prstGeom prst="rect">
+            <a:avLst/>
+          </a:prstGeom>
+        </p:spPr>
+      </p:pic>
+    </p:spTree>
+    <p:extLst>
+      <p:ext uri="{BB962C8B-B14F-4D97-AF65-F5344CB8AC3E}">
+        <p14:creationId xmlns:p14="http://schemas.microsoft.com/office/powerpoint/2010/main" val="2254755778"/>
+      </p:ext>
+    </p:extLst>
+  </p:cSld>
+  <p:clrMapOvr>
+    <a:masterClrMapping/>
+  </p:clrMapOvr>
+</p:sld>
+</file>
+
+<file path=ppt/slides/slide6.xml><?xml version="1.0" encoding="utf-8"?>
+<p:sld xmlns:a="http://schemas.openxmlformats.org/drawingml/2006/main" xmlns:r="http://schemas.openxmlformats.org/officeDocument/2006/relationships" xmlns:p="http://schemas.openxmlformats.org/presentationml/2006/main">
+  <p:cSld>
+    <p:spTree>
+      <p:nvGrpSpPr>
+        <p:cNvPr id="1" name="">
+          <a:extLst>
+            <a:ext uri="{FF2B5EF4-FFF2-40B4-BE49-F238E27FC236}">
+              <a16:creationId xmlns:a16="http://schemas.microsoft.com/office/drawing/2014/main" id="{54262FC1-9295-B2DF-A950-01594DC01AE4}"/>
+            </a:ext>
+          </a:extLst>
+        </p:cNvPr>
+        <p:cNvGrpSpPr/>
+        <p:nvPr/>
+      </p:nvGrpSpPr>
+      <p:grpSpPr>
+        <a:xfrm>
+          <a:off x="0" y="0"/>
+          <a:ext cx="0" cy="0"/>
+          <a:chOff x="0" y="0"/>
+          <a:chExt cx="0" cy="0"/>
+        </a:xfrm>
+      </p:grpSpPr>
+      <p:sp>
+        <p:nvSpPr>
+          <p:cNvPr id="6" name="Título 5">
+            <a:extLst>
+              <a:ext uri="{FF2B5EF4-FFF2-40B4-BE49-F238E27FC236}">
+                <a16:creationId xmlns:a16="http://schemas.microsoft.com/office/drawing/2014/main" id="{31B0AE52-17B9-F0B1-D2DF-248CEB5C1B9F}"/>
+              </a:ext>
+            </a:extLst>
+          </p:cNvPr>
+          <p:cNvSpPr>
+            <a:spLocks noGrp="1"/>
+          </p:cNvSpPr>
+          <p:nvPr>
+            <p:ph type="title"/>
+          </p:nvPr>
+        </p:nvSpPr>
+        <p:spPr>
+          <a:xfrm>
+            <a:off x="297426" y="363794"/>
+            <a:ext cx="10515600" cy="383458"/>
+          </a:xfrm>
+        </p:spPr>
+        <p:txBody>
+          <a:bodyPr>
+            <a:normAutofit fontScale="90000"/>
+          </a:bodyPr>
+          <a:lstStyle/>
+          <a:p>
+            <a:r>
+              <a:rPr lang="pt-BR" sz="2800" dirty="0">
+                <a:latin typeface="Aptos Black" panose="020B0004020202020204" pitchFamily="34" charset="0"/>
+              </a:rPr>
+              <a:t>Arrecadação SPTRANS | Como a SPTrans lucra em São Paulo</a:t>
+            </a:r>
+          </a:p>
+        </p:txBody>
+      </p:sp>
+      <p:pic>
+        <p:nvPicPr>
+          <p:cNvPr id="7" name="Picture 4" descr="sptrans_logo –">
+            <a:extLst>
+              <a:ext uri="{FF2B5EF4-FFF2-40B4-BE49-F238E27FC236}">
+                <a16:creationId xmlns:a16="http://schemas.microsoft.com/office/drawing/2014/main" id="{B90FDA5F-9352-DA23-5A7F-E896D71919B0}"/>
+              </a:ext>
+            </a:extLst>
+          </p:cNvPr>
+          <p:cNvPicPr>
+            <a:picLocks noChangeAspect="1" noChangeArrowheads="1"/>
+          </p:cNvPicPr>
+          <p:nvPr/>
+        </p:nvPicPr>
+        <p:blipFill>
+          <a:blip r:embed="rId2">
+            <a:extLst>
+              <a:ext uri="{28A0092B-C50C-407E-A947-70E740481C1C}">
+                <a14:useLocalDpi xmlns:a14="http://schemas.microsoft.com/office/drawing/2010/main" val="0"/>
+              </a:ext>
+            </a:extLst>
+          </a:blip>
+          <a:srcRect/>
+          <a:stretch>
+            <a:fillRect/>
+          </a:stretch>
+        </p:blipFill>
+        <p:spPr bwMode="auto">
+          <a:xfrm>
+            <a:off x="10556466" y="302735"/>
+            <a:ext cx="1155744" cy="444517"/>
+          </a:xfrm>
+          <a:prstGeom prst="rect">
+            <a:avLst/>
+          </a:prstGeom>
+          <a:noFill/>
+          <a:extLst>
+            <a:ext uri="{909E8E84-426E-40DD-AFC4-6F175D3DCCD1}">
+              <a14:hiddenFill xmlns:a14="http://schemas.microsoft.com/office/drawing/2010/main">
+                <a:solidFill>
+                  <a:srgbClr val="FFFFFF"/>
+                </a:solidFill>
+              </a14:hiddenFill>
+            </a:ext>
+          </a:extLst>
+        </p:spPr>
+      </p:pic>
+      <p:sp>
+        <p:nvSpPr>
+          <p:cNvPr id="8" name="Título 5">
+            <a:extLst>
+              <a:ext uri="{FF2B5EF4-FFF2-40B4-BE49-F238E27FC236}">
+                <a16:creationId xmlns:a16="http://schemas.microsoft.com/office/drawing/2014/main" id="{53472EBE-9DA0-208F-EA96-3DDC94C9CE65}"/>
+              </a:ext>
+            </a:extLst>
+          </p:cNvPr>
+          <p:cNvSpPr txBox="1">
+            <a:spLocks/>
+          </p:cNvSpPr>
+          <p:nvPr/>
+        </p:nvSpPr>
+        <p:spPr>
+          <a:xfrm>
+            <a:off x="297426" y="808311"/>
+            <a:ext cx="10515600" cy="383458"/>
+          </a:xfrm>
+          <a:prstGeom prst="rect">
+            <a:avLst/>
+          </a:prstGeom>
+        </p:spPr>
+        <p:txBody>
+          <a:bodyPr vert="horz" lIns="91440" tIns="45720" rIns="91440" bIns="45720" rtlCol="0" anchor="ctr">
+            <a:normAutofit fontScale="97500"/>
+          </a:bodyPr>
+          <a:lstStyle>
+            <a:lvl1pPr algn="l" defTabSz="914400" rtl="0" eaLnBrk="1" latinLnBrk="0" hangingPunct="1">
+              <a:lnSpc>
+                <a:spcPct val="90000"/>
+              </a:lnSpc>
+              <a:spcBef>
+                <a:spcPct val="0"/>
+              </a:spcBef>
+              <a:buNone/>
+              <a:defRPr sz="4400" kern="1200">
+                <a:solidFill>
+                  <a:schemeClr val="tx1"/>
+                </a:solidFill>
+                <a:latin typeface="+mj-lt"/>
+                <a:ea typeface="+mj-ea"/>
+                <a:cs typeface="+mj-cs"/>
+              </a:defRPr>
+            </a:lvl1pPr>
+          </a:lstStyle>
+          <a:p>
+            <a:r>
+              <a:rPr lang="pt-BR" sz="1800" dirty="0">
+                <a:latin typeface="Aptos Display" panose="020B0004020202020204" pitchFamily="34" charset="0"/>
+              </a:rPr>
+              <a:t>Analisando Comportamento- Arrecadação de Verbas </a:t>
+            </a:r>
+          </a:p>
+        </p:txBody>
+      </p:sp>
+      <p:sp>
+        <p:nvSpPr>
+          <p:cNvPr id="12" name="Título 5">
+            <a:extLst>
+              <a:ext uri="{FF2B5EF4-FFF2-40B4-BE49-F238E27FC236}">
+                <a16:creationId xmlns:a16="http://schemas.microsoft.com/office/drawing/2014/main" id="{356BCE7A-28C4-C736-8196-9ADA820B3B88}"/>
+              </a:ext>
+            </a:extLst>
+          </p:cNvPr>
+          <p:cNvSpPr txBox="1">
+            <a:spLocks/>
+          </p:cNvSpPr>
+          <p:nvPr/>
+        </p:nvSpPr>
+        <p:spPr>
+          <a:xfrm>
+            <a:off x="327878" y="1376009"/>
+            <a:ext cx="10515600" cy="383458"/>
+          </a:xfrm>
+          <a:prstGeom prst="rect">
+            <a:avLst/>
+          </a:prstGeom>
+        </p:spPr>
+        <p:txBody>
+          <a:bodyPr vert="horz" lIns="91440" tIns="45720" rIns="91440" bIns="45720" rtlCol="0" anchor="ctr">
+            <a:normAutofit fontScale="97500"/>
+          </a:bodyPr>
+          <a:lstStyle>
+            <a:lvl1pPr algn="l" defTabSz="914400" rtl="0" eaLnBrk="1" latinLnBrk="0" hangingPunct="1">
+              <a:lnSpc>
+                <a:spcPct val="90000"/>
+              </a:lnSpc>
+              <a:spcBef>
+                <a:spcPct val="0"/>
+              </a:spcBef>
+              <a:buNone/>
+              <a:defRPr sz="4400" kern="1200">
+                <a:solidFill>
+                  <a:schemeClr val="tx1"/>
+                </a:solidFill>
+                <a:latin typeface="+mj-lt"/>
+                <a:ea typeface="+mj-ea"/>
+                <a:cs typeface="+mj-cs"/>
+              </a:defRPr>
+            </a:lvl1pPr>
+          </a:lstStyle>
+          <a:p>
+            <a:r>
+              <a:rPr lang="pt-BR" sz="1800" b="1" dirty="0">
+                <a:solidFill>
+                  <a:srgbClr val="800000"/>
+                </a:solidFill>
+                <a:latin typeface="Aptos Display" panose="020B0004020202020204" pitchFamily="34" charset="0"/>
+              </a:rPr>
+              <a:t>Verbas arrecadadas SPTrans (2012 - 2006)</a:t>
+            </a:r>
+          </a:p>
+        </p:txBody>
+      </p:sp>
+      <p:sp>
+        <p:nvSpPr>
+          <p:cNvPr id="13" name="Título 5">
+            <a:extLst>
+              <a:ext uri="{FF2B5EF4-FFF2-40B4-BE49-F238E27FC236}">
+                <a16:creationId xmlns:a16="http://schemas.microsoft.com/office/drawing/2014/main" id="{7033AAF8-EA72-1D43-F059-4A085346D9EC}"/>
+              </a:ext>
+            </a:extLst>
+          </p:cNvPr>
+          <p:cNvSpPr txBox="1">
+            <a:spLocks/>
+          </p:cNvSpPr>
+          <p:nvPr/>
+        </p:nvSpPr>
+        <p:spPr>
+          <a:xfrm>
+            <a:off x="9904076" y="6494206"/>
+            <a:ext cx="2460523" cy="363794"/>
+          </a:xfrm>
+          <a:prstGeom prst="rect">
+            <a:avLst/>
+          </a:prstGeom>
+        </p:spPr>
+        <p:txBody>
+          <a:bodyPr vert="horz" lIns="91440" tIns="45720" rIns="91440" bIns="45720" rtlCol="0" anchor="ctr">
+            <a:normAutofit fontScale="97500"/>
+          </a:bodyPr>
+          <a:lstStyle>
+            <a:lvl1pPr algn="l" defTabSz="914400" rtl="0" eaLnBrk="1" latinLnBrk="0" hangingPunct="1">
+              <a:lnSpc>
+                <a:spcPct val="90000"/>
+              </a:lnSpc>
+              <a:spcBef>
+                <a:spcPct val="0"/>
+              </a:spcBef>
+              <a:buNone/>
+              <a:defRPr sz="4400" kern="1200">
+                <a:solidFill>
+                  <a:schemeClr val="tx1"/>
+                </a:solidFill>
+                <a:latin typeface="+mj-lt"/>
+                <a:ea typeface="+mj-ea"/>
+                <a:cs typeface="+mj-cs"/>
+              </a:defRPr>
+            </a:lvl1pPr>
+          </a:lstStyle>
+          <a:p>
+            <a:pPr algn="just"/>
+            <a:r>
+              <a:rPr lang="pt-BR" sz="1200" dirty="0">
+                <a:latin typeface="Aptos Display" panose="020B0004020202020204" pitchFamily="34" charset="0"/>
+              </a:rPr>
+              <a:t>Referência do estudo: </a:t>
+            </a:r>
+            <a:r>
+              <a:rPr lang="pt-BR" sz="1200" dirty="0" err="1">
+                <a:latin typeface="Aptos Display" panose="020B0004020202020204" pitchFamily="34" charset="0"/>
+              </a:rPr>
+              <a:t>Nov</a:t>
+            </a:r>
+            <a:r>
+              <a:rPr lang="pt-BR" sz="1200" dirty="0">
+                <a:latin typeface="Aptos Display" panose="020B0004020202020204" pitchFamily="34" charset="0"/>
+              </a:rPr>
+              <a:t>/2024</a:t>
+            </a:r>
+          </a:p>
+        </p:txBody>
+      </p:sp>
+      <p:pic>
+        <p:nvPicPr>
+          <p:cNvPr id="3074" name="Picture 2" descr="Bilhete Único - SPTrans">
+            <a:extLst>
+              <a:ext uri="{FF2B5EF4-FFF2-40B4-BE49-F238E27FC236}">
+                <a16:creationId xmlns:a16="http://schemas.microsoft.com/office/drawing/2014/main" id="{9C4DCB71-58A6-9AE1-6B70-55CC2274FBA4}"/>
+              </a:ext>
+            </a:extLst>
+          </p:cNvPr>
+          <p:cNvPicPr>
+            <a:picLocks noChangeAspect="1" noChangeArrowheads="1"/>
+          </p:cNvPicPr>
+          <p:nvPr/>
+        </p:nvPicPr>
+        <p:blipFill>
+          <a:blip r:embed="rId3">
+            <a:extLst>
+              <a:ext uri="{28A0092B-C50C-407E-A947-70E740481C1C}">
+                <a14:useLocalDpi xmlns:a14="http://schemas.microsoft.com/office/drawing/2010/main" val="0"/>
+              </a:ext>
+            </a:extLst>
+          </a:blip>
+          <a:srcRect/>
+          <a:stretch>
+            <a:fillRect/>
+          </a:stretch>
+        </p:blipFill>
+        <p:spPr bwMode="auto">
+          <a:xfrm>
+            <a:off x="5040378" y="1950851"/>
+            <a:ext cx="852747" cy="707780"/>
+          </a:xfrm>
+          <a:prstGeom prst="rect">
+            <a:avLst/>
+          </a:prstGeom>
+          <a:noFill/>
+          <a:extLst>
+            <a:ext uri="{909E8E84-426E-40DD-AFC4-6F175D3DCCD1}">
+              <a14:hiddenFill xmlns:a14="http://schemas.microsoft.com/office/drawing/2010/main">
+                <a:solidFill>
+                  <a:srgbClr val="FFFFFF"/>
+                </a:solidFill>
+              </a14:hiddenFill>
+            </a:ext>
+          </a:extLst>
+        </p:spPr>
+      </p:pic>
+      <p:sp>
+        <p:nvSpPr>
+          <p:cNvPr id="2" name="Título 5">
+            <a:extLst>
+              <a:ext uri="{FF2B5EF4-FFF2-40B4-BE49-F238E27FC236}">
+                <a16:creationId xmlns:a16="http://schemas.microsoft.com/office/drawing/2014/main" id="{AB779CD1-9411-2BA5-A054-B7D2D5045D8C}"/>
+              </a:ext>
+            </a:extLst>
+          </p:cNvPr>
+          <p:cNvSpPr txBox="1">
+            <a:spLocks/>
+          </p:cNvSpPr>
+          <p:nvPr/>
+        </p:nvSpPr>
+        <p:spPr>
+          <a:xfrm>
+            <a:off x="6101407" y="1950851"/>
+            <a:ext cx="5272066" cy="707780"/>
+          </a:xfrm>
+          <a:prstGeom prst="rect">
+            <a:avLst/>
+          </a:prstGeom>
+        </p:spPr>
+        <p:txBody>
+          <a:bodyPr vert="horz" lIns="91440" tIns="45720" rIns="91440" bIns="45720" rtlCol="0" anchor="ctr">
+            <a:normAutofit fontScale="97500"/>
+          </a:bodyPr>
+          <a:lstStyle>
+            <a:lvl1pPr algn="l" defTabSz="914400" rtl="0" eaLnBrk="1" latinLnBrk="0" hangingPunct="1">
+              <a:lnSpc>
+                <a:spcPct val="90000"/>
+              </a:lnSpc>
+              <a:spcBef>
+                <a:spcPct val="0"/>
+              </a:spcBef>
+              <a:buNone/>
+              <a:defRPr sz="4400" kern="1200">
+                <a:solidFill>
+                  <a:schemeClr val="tx1"/>
+                </a:solidFill>
+                <a:latin typeface="+mj-lt"/>
+                <a:ea typeface="+mj-ea"/>
+                <a:cs typeface="+mj-cs"/>
+              </a:defRPr>
+            </a:lvl1pPr>
+          </a:lstStyle>
+          <a:p>
+            <a:pPr algn="just"/>
+            <a:r>
+              <a:rPr lang="pt-BR" sz="1400" dirty="0">
+                <a:latin typeface="Aptos Display" panose="020B0004020202020204" pitchFamily="34" charset="0"/>
+              </a:rPr>
+              <a:t>Cerca de  60% do valor arrecadado em transporte pela SPTrans vem de linhas que ligam os bairros aos grandes centros, os outros 40% vem de linhas que ligam os bairros a bairros</a:t>
+            </a:r>
+          </a:p>
+        </p:txBody>
+      </p:sp>
+      <p:sp>
+        <p:nvSpPr>
+          <p:cNvPr id="4" name="Título 5">
+            <a:extLst>
+              <a:ext uri="{FF2B5EF4-FFF2-40B4-BE49-F238E27FC236}">
+                <a16:creationId xmlns:a16="http://schemas.microsoft.com/office/drawing/2014/main" id="{26389809-ED98-1E8D-F5C9-54B6500297C1}"/>
+              </a:ext>
+            </a:extLst>
+          </p:cNvPr>
+          <p:cNvSpPr txBox="1">
+            <a:spLocks/>
+          </p:cNvSpPr>
+          <p:nvPr/>
+        </p:nvSpPr>
+        <p:spPr>
+          <a:xfrm>
+            <a:off x="1905984" y="1852427"/>
+            <a:ext cx="2581953" cy="904629"/>
+          </a:xfrm>
+          <a:prstGeom prst="rect">
+            <a:avLst/>
+          </a:prstGeom>
+        </p:spPr>
+        <p:txBody>
+          <a:bodyPr vert="horz" lIns="91440" tIns="45720" rIns="91440" bIns="45720" rtlCol="0" anchor="ctr">
+            <a:normAutofit fontScale="97500"/>
+          </a:bodyPr>
+          <a:lstStyle>
+            <a:lvl1pPr algn="l" defTabSz="914400" rtl="0" eaLnBrk="1" latinLnBrk="0" hangingPunct="1">
+              <a:lnSpc>
+                <a:spcPct val="90000"/>
+              </a:lnSpc>
+              <a:spcBef>
+                <a:spcPct val="0"/>
+              </a:spcBef>
+              <a:buNone/>
+              <a:defRPr sz="4400" kern="1200">
+                <a:solidFill>
+                  <a:schemeClr val="tx1"/>
+                </a:solidFill>
+                <a:latin typeface="+mj-lt"/>
+                <a:ea typeface="+mj-ea"/>
+                <a:cs typeface="+mj-cs"/>
+              </a:defRPr>
+            </a:lvl1pPr>
+          </a:lstStyle>
+          <a:p>
+            <a:pPr algn="just"/>
+            <a:r>
+              <a:rPr lang="pt-BR" sz="1400" dirty="0">
+                <a:latin typeface="Aptos Display" panose="020B0004020202020204" pitchFamily="34" charset="0"/>
+              </a:rPr>
+              <a:t>De 2006 para 2012 tivemos um aumento percentual de 2,5% dos transportes de bairro-a-bairro</a:t>
+            </a:r>
+          </a:p>
+        </p:txBody>
+      </p:sp>
+      <p:pic>
+        <p:nvPicPr>
+          <p:cNvPr id="3076" name="Picture 4" descr="Ícone Animado de Ônibus | Ícone Animado de transporte Grátis">
+            <a:extLst>
+              <a:ext uri="{FF2B5EF4-FFF2-40B4-BE49-F238E27FC236}">
+                <a16:creationId xmlns:a16="http://schemas.microsoft.com/office/drawing/2014/main" id="{0570F8AE-DFFA-5BE5-5A1C-79CEE812CABF}"/>
+              </a:ext>
+            </a:extLst>
+          </p:cNvPr>
+          <p:cNvPicPr>
+            <a:picLocks noChangeAspect="1" noChangeArrowheads="1"/>
+          </p:cNvPicPr>
+          <p:nvPr/>
+        </p:nvPicPr>
+        <p:blipFill>
+          <a:blip r:embed="rId4">
+            <a:extLst>
+              <a:ext uri="{28A0092B-C50C-407E-A947-70E740481C1C}">
+                <a14:useLocalDpi xmlns:a14="http://schemas.microsoft.com/office/drawing/2010/main" val="0"/>
+              </a:ext>
+            </a:extLst>
+          </a:blip>
+          <a:srcRect/>
+          <a:stretch>
+            <a:fillRect/>
+          </a:stretch>
+        </p:blipFill>
+        <p:spPr bwMode="auto">
+          <a:xfrm>
+            <a:off x="670028" y="1778715"/>
+            <a:ext cx="1052052" cy="1052052"/>
+          </a:xfrm>
+          <a:prstGeom prst="rect">
+            <a:avLst/>
+          </a:prstGeom>
+          <a:noFill/>
+          <a:extLst>
+            <a:ext uri="{909E8E84-426E-40DD-AFC4-6F175D3DCCD1}">
+              <a14:hiddenFill xmlns:a14="http://schemas.microsoft.com/office/drawing/2010/main">
+                <a:solidFill>
+                  <a:srgbClr val="FFFFFF"/>
+                </a:solidFill>
+              </a14:hiddenFill>
+            </a:ext>
+          </a:extLst>
+        </p:spPr>
+      </p:pic>
+      <p:sp>
+        <p:nvSpPr>
+          <p:cNvPr id="5" name="Retângulo 4">
+            <a:extLst>
+              <a:ext uri="{FF2B5EF4-FFF2-40B4-BE49-F238E27FC236}">
+                <a16:creationId xmlns:a16="http://schemas.microsoft.com/office/drawing/2014/main" id="{F178E527-B212-48C4-6F1E-E4E7A8BA5BB4}"/>
+              </a:ext>
+            </a:extLst>
+          </p:cNvPr>
+          <p:cNvSpPr/>
+          <p:nvPr/>
+        </p:nvSpPr>
+        <p:spPr>
+          <a:xfrm>
+            <a:off x="327878" y="3022150"/>
+            <a:ext cx="11274187" cy="3319655"/>
+          </a:xfrm>
+          <a:prstGeom prst="rect">
+            <a:avLst/>
+          </a:prstGeom>
+        </p:spPr>
+        <p:style>
+          <a:lnRef idx="2">
+            <a:schemeClr val="accent1">
+              <a:shade val="15000"/>
+            </a:schemeClr>
+          </a:lnRef>
+          <a:fillRef idx="1">
+            <a:schemeClr val="accent1"/>
+          </a:fillRef>
+          <a:effectRef idx="0">
+            <a:schemeClr val="accent1"/>
+          </a:effectRef>
+          <a:fontRef idx="minor">
+            <a:schemeClr val="lt1"/>
+          </a:fontRef>
+        </p:style>
+        <p:txBody>
+          <a:bodyPr rtlCol="0" anchor="ctr"/>
+          <a:lstStyle/>
+          <a:p>
+            <a:pPr algn="ctr"/>
+            <a:r>
+              <a:rPr lang="pt-BR" dirty="0"/>
+              <a:t>Em andamento, necessário, Explorar os dados abertos ainda </a:t>
+            </a:r>
+          </a:p>
+        </p:txBody>
+      </p:sp>
+    </p:spTree>
+    <p:extLst>
+      <p:ext uri="{BB962C8B-B14F-4D97-AF65-F5344CB8AC3E}">
+        <p14:creationId xmlns:p14="http://schemas.microsoft.com/office/powerpoint/2010/main" val="4069079915"/>
       </p:ext>
     </p:extLst>
   </p:cSld>
@@ -6848,4 +11481,576 @@
     </a:ext>
   </a:extLst>
 </a:theme>
+</file>
+
+<file path=ppt/theme/themeOverride1.xml><?xml version="1.0" encoding="utf-8"?>
+<a:themeOverride xmlns:a="http://schemas.openxmlformats.org/drawingml/2006/main">
+  <a:clrScheme name="Office">
+    <a:dk1>
+      <a:sysClr val="windowText" lastClr="000000"/>
+    </a:dk1>
+    <a:lt1>
+      <a:sysClr val="window" lastClr="FFFFFF"/>
+    </a:lt1>
+    <a:dk2>
+      <a:srgbClr val="0E2841"/>
+    </a:dk2>
+    <a:lt2>
+      <a:srgbClr val="E8E8E8"/>
+    </a:lt2>
+    <a:accent1>
+      <a:srgbClr val="156082"/>
+    </a:accent1>
+    <a:accent2>
+      <a:srgbClr val="E97132"/>
+    </a:accent2>
+    <a:accent3>
+      <a:srgbClr val="196B24"/>
+    </a:accent3>
+    <a:accent4>
+      <a:srgbClr val="0F9ED5"/>
+    </a:accent4>
+    <a:accent5>
+      <a:srgbClr val="A02B93"/>
+    </a:accent5>
+    <a:accent6>
+      <a:srgbClr val="4EA72E"/>
+    </a:accent6>
+    <a:hlink>
+      <a:srgbClr val="467886"/>
+    </a:hlink>
+    <a:folHlink>
+      <a:srgbClr val="96607D"/>
+    </a:folHlink>
+  </a:clrScheme>
+  <a:fontScheme name="Office">
+    <a:majorFont>
+      <a:latin typeface="Aptos Display" panose="02110004020202020204"/>
+      <a:ea typeface=""/>
+      <a:cs typeface=""/>
+      <a:font script="Jpan" typeface="游ゴシック Light"/>
+      <a:font script="Hang" typeface="맑은 고딕"/>
+      <a:font script="Hans" typeface="等线 Light"/>
+      <a:font script="Hant" typeface="新細明體"/>
+      <a:font script="Arab" typeface="Times New Roman"/>
+      <a:font script="Hebr" typeface="Times New Roman"/>
+      <a:font script="Thai" typeface="Tahoma"/>
+      <a:font script="Ethi" typeface="Nyala"/>
+      <a:font script="Beng" typeface="Vrinda"/>
+      <a:font script="Gujr" typeface="Shruti"/>
+      <a:font script="Khmr" typeface="MoolBoran"/>
+      <a:font script="Knda" typeface="Tunga"/>
+      <a:font script="Guru" typeface="Raavi"/>
+      <a:font script="Cans" typeface="Euphemia"/>
+      <a:font script="Cher" typeface="Plantagenet Cherokee"/>
+      <a:font script="Yiii" typeface="Microsoft Yi Baiti"/>
+      <a:font script="Tibt" typeface="Microsoft Himalaya"/>
+      <a:font script="Thaa" typeface="MV Boli"/>
+      <a:font script="Deva" typeface="Mangal"/>
+      <a:font script="Telu" typeface="Gautami"/>
+      <a:font script="Taml" typeface="Latha"/>
+      <a:font script="Syrc" typeface="Estrangelo Edessa"/>
+      <a:font script="Orya" typeface="Kalinga"/>
+      <a:font script="Mlym" typeface="Kartika"/>
+      <a:font script="Laoo" typeface="DokChampa"/>
+      <a:font script="Sinh" typeface="Iskoola Pota"/>
+      <a:font script="Mong" typeface="Mongolian Baiti"/>
+      <a:font script="Viet" typeface="Times New Roman"/>
+      <a:font script="Uigh" typeface="Microsoft Uighur"/>
+      <a:font script="Geor" typeface="Sylfaen"/>
+      <a:font script="Armn" typeface="Arial"/>
+      <a:font script="Bugi" typeface="Leelawadee UI"/>
+      <a:font script="Bopo" typeface="Microsoft JhengHei"/>
+      <a:font script="Java" typeface="Javanese Text"/>
+      <a:font script="Lisu" typeface="Segoe UI"/>
+      <a:font script="Mymr" typeface="Myanmar Text"/>
+      <a:font script="Nkoo" typeface="Ebrima"/>
+      <a:font script="Olck" typeface="Nirmala UI"/>
+      <a:font script="Osma" typeface="Ebrima"/>
+      <a:font script="Phag" typeface="Phagspa"/>
+      <a:font script="Syrn" typeface="Estrangelo Edessa"/>
+      <a:font script="Syrj" typeface="Estrangelo Edessa"/>
+      <a:font script="Syre" typeface="Estrangelo Edessa"/>
+      <a:font script="Sora" typeface="Nirmala UI"/>
+      <a:font script="Tale" typeface="Microsoft Tai Le"/>
+      <a:font script="Talu" typeface="Microsoft New Tai Lue"/>
+      <a:font script="Tfng" typeface="Ebrima"/>
+    </a:majorFont>
+    <a:minorFont>
+      <a:latin typeface="Aptos Narrow" panose="02110004020202020204"/>
+      <a:ea typeface=""/>
+      <a:cs typeface=""/>
+      <a:font script="Jpan" typeface="游ゴシック"/>
+      <a:font script="Hang" typeface="맑은 고딕"/>
+      <a:font script="Hans" typeface="等线"/>
+      <a:font script="Hant" typeface="新細明體"/>
+      <a:font script="Arab" typeface="Arial"/>
+      <a:font script="Hebr" typeface="Arial"/>
+      <a:font script="Thai" typeface="Tahoma"/>
+      <a:font script="Ethi" typeface="Nyala"/>
+      <a:font script="Beng" typeface="Vrinda"/>
+      <a:font script="Gujr" typeface="Shruti"/>
+      <a:font script="Khmr" typeface="DaunPenh"/>
+      <a:font script="Knda" typeface="Tunga"/>
+      <a:font script="Guru" typeface="Raavi"/>
+      <a:font script="Cans" typeface="Euphemia"/>
+      <a:font script="Cher" typeface="Plantagenet Cherokee"/>
+      <a:font script="Yiii" typeface="Microsoft Yi Baiti"/>
+      <a:font script="Tibt" typeface="Microsoft Himalaya"/>
+      <a:font script="Thaa" typeface="MV Boli"/>
+      <a:font script="Deva" typeface="Mangal"/>
+      <a:font script="Telu" typeface="Gautami"/>
+      <a:font script="Taml" typeface="Latha"/>
+      <a:font script="Syrc" typeface="Estrangelo Edessa"/>
+      <a:font script="Orya" typeface="Kalinga"/>
+      <a:font script="Mlym" typeface="Kartika"/>
+      <a:font script="Laoo" typeface="DokChampa"/>
+      <a:font script="Sinh" typeface="Iskoola Pota"/>
+      <a:font script="Mong" typeface="Mongolian Baiti"/>
+      <a:font script="Viet" typeface="Arial"/>
+      <a:font script="Uigh" typeface="Microsoft Uighur"/>
+      <a:font script="Geor" typeface="Sylfaen"/>
+      <a:font script="Armn" typeface="Arial"/>
+      <a:font script="Bugi" typeface="Leelawadee UI"/>
+      <a:font script="Bopo" typeface="Microsoft JhengHei"/>
+      <a:font script="Java" typeface="Javanese Text"/>
+      <a:font script="Lisu" typeface="Segoe UI"/>
+      <a:font script="Mymr" typeface="Myanmar Text"/>
+      <a:font script="Nkoo" typeface="Ebrima"/>
+      <a:font script="Olck" typeface="Nirmala UI"/>
+      <a:font script="Osma" typeface="Ebrima"/>
+      <a:font script="Phag" typeface="Phagspa"/>
+      <a:font script="Syrn" typeface="Estrangelo Edessa"/>
+      <a:font script="Syrj" typeface="Estrangelo Edessa"/>
+      <a:font script="Syre" typeface="Estrangelo Edessa"/>
+      <a:font script="Sora" typeface="Nirmala UI"/>
+      <a:font script="Tale" typeface="Microsoft Tai Le"/>
+      <a:font script="Talu" typeface="Microsoft New Tai Lue"/>
+      <a:font script="Tfng" typeface="Ebrima"/>
+    </a:minorFont>
+  </a:fontScheme>
+  <a:fmtScheme name="Office">
+    <a:fillStyleLst>
+      <a:solidFill>
+        <a:schemeClr val="phClr"/>
+      </a:solidFill>
+      <a:gradFill rotWithShape="1">
+        <a:gsLst>
+          <a:gs pos="0">
+            <a:schemeClr val="phClr">
+              <a:lumMod val="110000"/>
+              <a:satMod val="105000"/>
+              <a:tint val="67000"/>
+            </a:schemeClr>
+          </a:gs>
+          <a:gs pos="50000">
+            <a:schemeClr val="phClr">
+              <a:lumMod val="105000"/>
+              <a:satMod val="103000"/>
+              <a:tint val="73000"/>
+            </a:schemeClr>
+          </a:gs>
+          <a:gs pos="100000">
+            <a:schemeClr val="phClr">
+              <a:lumMod val="105000"/>
+              <a:satMod val="109000"/>
+              <a:tint val="81000"/>
+            </a:schemeClr>
+          </a:gs>
+        </a:gsLst>
+        <a:lin ang="5400000" scaled="0"/>
+      </a:gradFill>
+      <a:gradFill rotWithShape="1">
+        <a:gsLst>
+          <a:gs pos="0">
+            <a:schemeClr val="phClr">
+              <a:satMod val="103000"/>
+              <a:lumMod val="102000"/>
+              <a:tint val="94000"/>
+            </a:schemeClr>
+          </a:gs>
+          <a:gs pos="50000">
+            <a:schemeClr val="phClr">
+              <a:satMod val="110000"/>
+              <a:lumMod val="100000"/>
+              <a:shade val="100000"/>
+            </a:schemeClr>
+          </a:gs>
+          <a:gs pos="100000">
+            <a:schemeClr val="phClr">
+              <a:lumMod val="99000"/>
+              <a:satMod val="120000"/>
+              <a:shade val="78000"/>
+            </a:schemeClr>
+          </a:gs>
+        </a:gsLst>
+        <a:lin ang="5400000" scaled="0"/>
+      </a:gradFill>
+    </a:fillStyleLst>
+    <a:lnStyleLst>
+      <a:ln w="12700" cap="flat" cmpd="sng" algn="ctr">
+        <a:solidFill>
+          <a:schemeClr val="phClr"/>
+        </a:solidFill>
+        <a:prstDash val="solid"/>
+        <a:miter lim="800000"/>
+      </a:ln>
+      <a:ln w="19050" cap="flat" cmpd="sng" algn="ctr">
+        <a:solidFill>
+          <a:schemeClr val="phClr"/>
+        </a:solidFill>
+        <a:prstDash val="solid"/>
+        <a:miter lim="800000"/>
+      </a:ln>
+      <a:ln w="25400" cap="flat" cmpd="sng" algn="ctr">
+        <a:solidFill>
+          <a:schemeClr val="phClr"/>
+        </a:solidFill>
+        <a:prstDash val="solid"/>
+        <a:miter lim="800000"/>
+      </a:ln>
+    </a:lnStyleLst>
+    <a:effectStyleLst>
+      <a:effectStyle>
+        <a:effectLst/>
+      </a:effectStyle>
+      <a:effectStyle>
+        <a:effectLst/>
+      </a:effectStyle>
+      <a:effectStyle>
+        <a:effectLst>
+          <a:outerShdw blurRad="57150" dist="19050" dir="5400000" algn="ctr" rotWithShape="0">
+            <a:srgbClr val="000000">
+              <a:alpha val="63000"/>
+            </a:srgbClr>
+          </a:outerShdw>
+        </a:effectLst>
+      </a:effectStyle>
+    </a:effectStyleLst>
+    <a:bgFillStyleLst>
+      <a:solidFill>
+        <a:schemeClr val="phClr"/>
+      </a:solidFill>
+      <a:solidFill>
+        <a:schemeClr val="phClr">
+          <a:tint val="95000"/>
+          <a:satMod val="170000"/>
+        </a:schemeClr>
+      </a:solidFill>
+      <a:gradFill rotWithShape="1">
+        <a:gsLst>
+          <a:gs pos="0">
+            <a:schemeClr val="phClr">
+              <a:tint val="93000"/>
+              <a:satMod val="150000"/>
+              <a:shade val="98000"/>
+              <a:lumMod val="102000"/>
+            </a:schemeClr>
+          </a:gs>
+          <a:gs pos="50000">
+            <a:schemeClr val="phClr">
+              <a:tint val="98000"/>
+              <a:satMod val="130000"/>
+              <a:shade val="90000"/>
+              <a:lumMod val="103000"/>
+            </a:schemeClr>
+          </a:gs>
+          <a:gs pos="100000">
+            <a:schemeClr val="phClr">
+              <a:shade val="63000"/>
+              <a:satMod val="120000"/>
+            </a:schemeClr>
+          </a:gs>
+        </a:gsLst>
+        <a:lin ang="5400000" scaled="0"/>
+      </a:gradFill>
+    </a:bgFillStyleLst>
+  </a:fmtScheme>
+</a:themeOverride>
+</file>
+
+<file path=ppt/theme/themeOverride2.xml><?xml version="1.0" encoding="utf-8"?>
+<a:themeOverride xmlns:a="http://schemas.openxmlformats.org/drawingml/2006/main">
+  <a:clrScheme name="Office">
+    <a:dk1>
+      <a:sysClr val="windowText" lastClr="000000"/>
+    </a:dk1>
+    <a:lt1>
+      <a:sysClr val="window" lastClr="FFFFFF"/>
+    </a:lt1>
+    <a:dk2>
+      <a:srgbClr val="0E2841"/>
+    </a:dk2>
+    <a:lt2>
+      <a:srgbClr val="E8E8E8"/>
+    </a:lt2>
+    <a:accent1>
+      <a:srgbClr val="156082"/>
+    </a:accent1>
+    <a:accent2>
+      <a:srgbClr val="E97132"/>
+    </a:accent2>
+    <a:accent3>
+      <a:srgbClr val="196B24"/>
+    </a:accent3>
+    <a:accent4>
+      <a:srgbClr val="0F9ED5"/>
+    </a:accent4>
+    <a:accent5>
+      <a:srgbClr val="A02B93"/>
+    </a:accent5>
+    <a:accent6>
+      <a:srgbClr val="4EA72E"/>
+    </a:accent6>
+    <a:hlink>
+      <a:srgbClr val="467886"/>
+    </a:hlink>
+    <a:folHlink>
+      <a:srgbClr val="96607D"/>
+    </a:folHlink>
+  </a:clrScheme>
+  <a:fontScheme name="Office">
+    <a:majorFont>
+      <a:latin typeface="Aptos Display" panose="02110004020202020204"/>
+      <a:ea typeface=""/>
+      <a:cs typeface=""/>
+      <a:font script="Jpan" typeface="游ゴシック Light"/>
+      <a:font script="Hang" typeface="맑은 고딕"/>
+      <a:font script="Hans" typeface="等线 Light"/>
+      <a:font script="Hant" typeface="新細明體"/>
+      <a:font script="Arab" typeface="Times New Roman"/>
+      <a:font script="Hebr" typeface="Times New Roman"/>
+      <a:font script="Thai" typeface="Tahoma"/>
+      <a:font script="Ethi" typeface="Nyala"/>
+      <a:font script="Beng" typeface="Vrinda"/>
+      <a:font script="Gujr" typeface="Shruti"/>
+      <a:font script="Khmr" typeface="MoolBoran"/>
+      <a:font script="Knda" typeface="Tunga"/>
+      <a:font script="Guru" typeface="Raavi"/>
+      <a:font script="Cans" typeface="Euphemia"/>
+      <a:font script="Cher" typeface="Plantagenet Cherokee"/>
+      <a:font script="Yiii" typeface="Microsoft Yi Baiti"/>
+      <a:font script="Tibt" typeface="Microsoft Himalaya"/>
+      <a:font script="Thaa" typeface="MV Boli"/>
+      <a:font script="Deva" typeface="Mangal"/>
+      <a:font script="Telu" typeface="Gautami"/>
+      <a:font script="Taml" typeface="Latha"/>
+      <a:font script="Syrc" typeface="Estrangelo Edessa"/>
+      <a:font script="Orya" typeface="Kalinga"/>
+      <a:font script="Mlym" typeface="Kartika"/>
+      <a:font script="Laoo" typeface="DokChampa"/>
+      <a:font script="Sinh" typeface="Iskoola Pota"/>
+      <a:font script="Mong" typeface="Mongolian Baiti"/>
+      <a:font script="Viet" typeface="Times New Roman"/>
+      <a:font script="Uigh" typeface="Microsoft Uighur"/>
+      <a:font script="Geor" typeface="Sylfaen"/>
+      <a:font script="Armn" typeface="Arial"/>
+      <a:font script="Bugi" typeface="Leelawadee UI"/>
+      <a:font script="Bopo" typeface="Microsoft JhengHei"/>
+      <a:font script="Java" typeface="Javanese Text"/>
+      <a:font script="Lisu" typeface="Segoe UI"/>
+      <a:font script="Mymr" typeface="Myanmar Text"/>
+      <a:font script="Nkoo" typeface="Ebrima"/>
+      <a:font script="Olck" typeface="Nirmala UI"/>
+      <a:font script="Osma" typeface="Ebrima"/>
+      <a:font script="Phag" typeface="Phagspa"/>
+      <a:font script="Syrn" typeface="Estrangelo Edessa"/>
+      <a:font script="Syrj" typeface="Estrangelo Edessa"/>
+      <a:font script="Syre" typeface="Estrangelo Edessa"/>
+      <a:font script="Sora" typeface="Nirmala UI"/>
+      <a:font script="Tale" typeface="Microsoft Tai Le"/>
+      <a:font script="Talu" typeface="Microsoft New Tai Lue"/>
+      <a:font script="Tfng" typeface="Ebrima"/>
+    </a:majorFont>
+    <a:minorFont>
+      <a:latin typeface="Aptos Narrow" panose="02110004020202020204"/>
+      <a:ea typeface=""/>
+      <a:cs typeface=""/>
+      <a:font script="Jpan" typeface="游ゴシック"/>
+      <a:font script="Hang" typeface="맑은 고딕"/>
+      <a:font script="Hans" typeface="等线"/>
+      <a:font script="Hant" typeface="新細明體"/>
+      <a:font script="Arab" typeface="Arial"/>
+      <a:font script="Hebr" typeface="Arial"/>
+      <a:font script="Thai" typeface="Tahoma"/>
+      <a:font script="Ethi" typeface="Nyala"/>
+      <a:font script="Beng" typeface="Vrinda"/>
+      <a:font script="Gujr" typeface="Shruti"/>
+      <a:font script="Khmr" typeface="DaunPenh"/>
+      <a:font script="Knda" typeface="Tunga"/>
+      <a:font script="Guru" typeface="Raavi"/>
+      <a:font script="Cans" typeface="Euphemia"/>
+      <a:font script="Cher" typeface="Plantagenet Cherokee"/>
+      <a:font script="Yiii" typeface="Microsoft Yi Baiti"/>
+      <a:font script="Tibt" typeface="Microsoft Himalaya"/>
+      <a:font script="Thaa" typeface="MV Boli"/>
+      <a:font script="Deva" typeface="Mangal"/>
+      <a:font script="Telu" typeface="Gautami"/>
+      <a:font script="Taml" typeface="Latha"/>
+      <a:font script="Syrc" typeface="Estrangelo Edessa"/>
+      <a:font script="Orya" typeface="Kalinga"/>
+      <a:font script="Mlym" typeface="Kartika"/>
+      <a:font script="Laoo" typeface="DokChampa"/>
+      <a:font script="Sinh" typeface="Iskoola Pota"/>
+      <a:font script="Mong" typeface="Mongolian Baiti"/>
+      <a:font script="Viet" typeface="Arial"/>
+      <a:font script="Uigh" typeface="Microsoft Uighur"/>
+      <a:font script="Geor" typeface="Sylfaen"/>
+      <a:font script="Armn" typeface="Arial"/>
+      <a:font script="Bugi" typeface="Leelawadee UI"/>
+      <a:font script="Bopo" typeface="Microsoft JhengHei"/>
+      <a:font script="Java" typeface="Javanese Text"/>
+      <a:font script="Lisu" typeface="Segoe UI"/>
+      <a:font script="Mymr" typeface="Myanmar Text"/>
+      <a:font script="Nkoo" typeface="Ebrima"/>
+      <a:font script="Olck" typeface="Nirmala UI"/>
+      <a:font script="Osma" typeface="Ebrima"/>
+      <a:font script="Phag" typeface="Phagspa"/>
+      <a:font script="Syrn" typeface="Estrangelo Edessa"/>
+      <a:font script="Syrj" typeface="Estrangelo Edessa"/>
+      <a:font script="Syre" typeface="Estrangelo Edessa"/>
+      <a:font script="Sora" typeface="Nirmala UI"/>
+      <a:font script="Tale" typeface="Microsoft Tai Le"/>
+      <a:font script="Talu" typeface="Microsoft New Tai Lue"/>
+      <a:font script="Tfng" typeface="Ebrima"/>
+    </a:minorFont>
+  </a:fontScheme>
+  <a:fmtScheme name="Office">
+    <a:fillStyleLst>
+      <a:solidFill>
+        <a:schemeClr val="phClr"/>
+      </a:solidFill>
+      <a:gradFill rotWithShape="1">
+        <a:gsLst>
+          <a:gs pos="0">
+            <a:schemeClr val="phClr">
+              <a:lumMod val="110000"/>
+              <a:satMod val="105000"/>
+              <a:tint val="67000"/>
+            </a:schemeClr>
+          </a:gs>
+          <a:gs pos="50000">
+            <a:schemeClr val="phClr">
+              <a:lumMod val="105000"/>
+              <a:satMod val="103000"/>
+              <a:tint val="73000"/>
+            </a:schemeClr>
+          </a:gs>
+          <a:gs pos="100000">
+            <a:schemeClr val="phClr">
+              <a:lumMod val="105000"/>
+              <a:satMod val="109000"/>
+              <a:tint val="81000"/>
+            </a:schemeClr>
+          </a:gs>
+        </a:gsLst>
+        <a:lin ang="5400000" scaled="0"/>
+      </a:gradFill>
+      <a:gradFill rotWithShape="1">
+        <a:gsLst>
+          <a:gs pos="0">
+            <a:schemeClr val="phClr">
+              <a:satMod val="103000"/>
+              <a:lumMod val="102000"/>
+              <a:tint val="94000"/>
+            </a:schemeClr>
+          </a:gs>
+          <a:gs pos="50000">
+            <a:schemeClr val="phClr">
+              <a:satMod val="110000"/>
+              <a:lumMod val="100000"/>
+              <a:shade val="100000"/>
+            </a:schemeClr>
+          </a:gs>
+          <a:gs pos="100000">
+            <a:schemeClr val="phClr">
+              <a:lumMod val="99000"/>
+              <a:satMod val="120000"/>
+              <a:shade val="78000"/>
+            </a:schemeClr>
+          </a:gs>
+        </a:gsLst>
+        <a:lin ang="5400000" scaled="0"/>
+      </a:gradFill>
+    </a:fillStyleLst>
+    <a:lnStyleLst>
+      <a:ln w="12700" cap="flat" cmpd="sng" algn="ctr">
+        <a:solidFill>
+          <a:schemeClr val="phClr"/>
+        </a:solidFill>
+        <a:prstDash val="solid"/>
+        <a:miter lim="800000"/>
+      </a:ln>
+      <a:ln w="19050" cap="flat" cmpd="sng" algn="ctr">
+        <a:solidFill>
+          <a:schemeClr val="phClr"/>
+        </a:solidFill>
+        <a:prstDash val="solid"/>
+        <a:miter lim="800000"/>
+      </a:ln>
+      <a:ln w="25400" cap="flat" cmpd="sng" algn="ctr">
+        <a:solidFill>
+          <a:schemeClr val="phClr"/>
+        </a:solidFill>
+        <a:prstDash val="solid"/>
+        <a:miter lim="800000"/>
+      </a:ln>
+    </a:lnStyleLst>
+    <a:effectStyleLst>
+      <a:effectStyle>
+        <a:effectLst/>
+      </a:effectStyle>
+      <a:effectStyle>
+        <a:effectLst/>
+      </a:effectStyle>
+      <a:effectStyle>
+        <a:effectLst>
+          <a:outerShdw blurRad="57150" dist="19050" dir="5400000" algn="ctr" rotWithShape="0">
+            <a:srgbClr val="000000">
+              <a:alpha val="63000"/>
+            </a:srgbClr>
+          </a:outerShdw>
+        </a:effectLst>
+      </a:effectStyle>
+    </a:effectStyleLst>
+    <a:bgFillStyleLst>
+      <a:solidFill>
+        <a:schemeClr val="phClr"/>
+      </a:solidFill>
+      <a:solidFill>
+        <a:schemeClr val="phClr">
+          <a:tint val="95000"/>
+          <a:satMod val="170000"/>
+        </a:schemeClr>
+      </a:solidFill>
+      <a:gradFill rotWithShape="1">
+        <a:gsLst>
+          <a:gs pos="0">
+            <a:schemeClr val="phClr">
+              <a:tint val="93000"/>
+              <a:satMod val="150000"/>
+              <a:shade val="98000"/>
+              <a:lumMod val="102000"/>
+            </a:schemeClr>
+          </a:gs>
+          <a:gs pos="50000">
+            <a:schemeClr val="phClr">
+              <a:tint val="98000"/>
+              <a:satMod val="130000"/>
+              <a:shade val="90000"/>
+              <a:lumMod val="103000"/>
+            </a:schemeClr>
+          </a:gs>
+          <a:gs pos="100000">
+            <a:schemeClr val="phClr">
+              <a:shade val="63000"/>
+              <a:satMod val="120000"/>
+            </a:schemeClr>
+          </a:gs>
+        </a:gsLst>
+        <a:lin ang="5400000" scaled="0"/>
+      </a:gradFill>
+    </a:bgFillStyleLst>
+  </a:fmtScheme>
+</a:themeOverride>
 </file>
--- a/Projeto - SPTrans.pptx
+++ b/Projeto - SPTrans.pptx
@@ -163,12 +163,32 @@
               </a:defRPr>
             </a:pPr>
             <a:r>
-              <a:rPr lang="en-US"/>
+              <a:rPr lang="en-US" dirty="0" err="1"/>
               <a:t>Passageiro</a:t>
             </a:r>
             <a:r>
-              <a:rPr lang="en-US" baseline="0"/>
-              <a:t> Transportados SPTrans</a:t>
+              <a:rPr lang="en-US" baseline="0" dirty="0"/>
+              <a:t> </a:t>
+            </a:r>
+            <a:r>
+              <a:rPr lang="en-US" baseline="0" dirty="0" err="1"/>
+              <a:t>Transportados</a:t>
+            </a:r>
+            <a:r>
+              <a:rPr lang="en-US" baseline="0" dirty="0"/>
+              <a:t>  </a:t>
+            </a:r>
+            <a:r>
+              <a:rPr lang="en-US" sz="1100" baseline="0" dirty="0"/>
+              <a:t>(em </a:t>
+            </a:r>
+            <a:r>
+              <a:rPr lang="en-US" sz="1100" baseline="0" dirty="0" err="1"/>
+              <a:t>Bilhões</a:t>
+            </a:r>
+            <a:r>
+              <a:rPr lang="en-US" sz="1100" baseline="0" dirty="0"/>
+              <a:t>)</a:t>
             </a:r>
           </a:p>
           <a:p>
@@ -176,8 +196,60 @@
               <a:defRPr/>
             </a:pPr>
             <a:r>
-              <a:rPr lang="en-US" sz="900" baseline="0"/>
-              <a:t>Todas os passageiros de são paulo  nos anos 2003 - 2024</a:t>
+              <a:rPr lang="en-US" sz="900" baseline="0" dirty="0" err="1"/>
+              <a:t>Todas</a:t>
+            </a:r>
+            <a:r>
+              <a:rPr lang="en-US" sz="900" baseline="0" dirty="0"/>
+              <a:t> </a:t>
+            </a:r>
+            <a:r>
+              <a:rPr lang="en-US" sz="900" baseline="0" dirty="0" err="1"/>
+              <a:t>os</a:t>
+            </a:r>
+            <a:r>
+              <a:rPr lang="en-US" sz="900" baseline="0" dirty="0"/>
+              <a:t> </a:t>
+            </a:r>
+            <a:r>
+              <a:rPr lang="en-US" sz="900" baseline="0" dirty="0" err="1"/>
+              <a:t>passageiros</a:t>
+            </a:r>
+            <a:r>
+              <a:rPr lang="en-US" sz="900" baseline="0" dirty="0"/>
+              <a:t> de </a:t>
+            </a:r>
+            <a:r>
+              <a:rPr lang="en-US" sz="900" baseline="0" dirty="0" err="1"/>
+              <a:t>são</a:t>
+            </a:r>
+            <a:r>
+              <a:rPr lang="en-US" sz="900" baseline="0" dirty="0"/>
+              <a:t> </a:t>
+            </a:r>
+            <a:r>
+              <a:rPr lang="en-US" sz="900" baseline="0" dirty="0" err="1"/>
+              <a:t>paulo</a:t>
+            </a:r>
+            <a:r>
+              <a:rPr lang="en-US" sz="900" baseline="0" dirty="0"/>
+              <a:t>  </a:t>
+            </a:r>
+            <a:r>
+              <a:rPr lang="en-US" sz="900" baseline="0" dirty="0" err="1"/>
+              <a:t>nos</a:t>
+            </a:r>
+            <a:r>
+              <a:rPr lang="en-US" sz="900" baseline="0" dirty="0"/>
+              <a:t> </a:t>
+            </a:r>
+            <a:r>
+              <a:rPr lang="en-US" sz="900" baseline="0" dirty="0" err="1"/>
+              <a:t>anos</a:t>
+            </a:r>
+            <a:r>
+              <a:rPr lang="en-US" sz="900" baseline="0" dirty="0"/>
+              <a:t> 2003 - 2024</a:t>
             </a:r>
           </a:p>
         </c:rich>
@@ -7470,7 +7542,7 @@
           <p:nvPr>
             <p:extLst>
               <p:ext uri="{D42A27DB-BD31-4B8C-83A1-F6EECF244321}">
-                <p14:modId xmlns:p14="http://schemas.microsoft.com/office/powerpoint/2010/main" val="812719582"/>
+                <p14:modId xmlns:p14="http://schemas.microsoft.com/office/powerpoint/2010/main" val="1747622785"/>
               </p:ext>
             </p:extLst>
           </p:nvPr>
@@ -7786,23 +7858,48 @@
             <a:pPr algn="ctr"/>
             <a:r>
               <a:rPr lang="pt-BR" dirty="0"/>
-              <a:t>Dispersão da </a:t>
-            </a:r>
-            <a:r>
-              <a:rPr lang="pt-BR" dirty="0" err="1"/>
-              <a:t>popução</a:t>
-            </a:r>
-            <a:endParaRPr lang="pt-BR" dirty="0"/>
+              <a:t>Dispersão dos pontos de Ônibus</a:t>
+            </a:r>
           </a:p>
           <a:p>
             <a:pPr algn="ctr"/>
             <a:r>
               <a:rPr lang="pt-BR" sz="1100" dirty="0"/>
-              <a:t>Pontos de Ónibus em 2024</a:t>
-            </a:r>
-          </a:p>
-        </p:txBody>
-      </p:sp>
+              <a:t>Safra de Analise: Jan/2024</a:t>
+            </a:r>
+          </a:p>
+        </p:txBody>
+      </p:sp>
+      <p:pic>
+        <p:nvPicPr>
+          <p:cNvPr id="21" name="Imagem 20">
+            <a:extLst>
+              <a:ext uri="{FF2B5EF4-FFF2-40B4-BE49-F238E27FC236}">
+                <a16:creationId xmlns:a16="http://schemas.microsoft.com/office/drawing/2014/main" id="{FF77415C-9F93-AA7F-3986-CB91DF929BED}"/>
+              </a:ext>
+            </a:extLst>
+          </p:cNvPr>
+          <p:cNvPicPr>
+            <a:picLocks noChangeAspect="1"/>
+          </p:cNvPicPr>
+          <p:nvPr/>
+        </p:nvPicPr>
+        <p:blipFill>
+          <a:blip r:embed="rId12"/>
+          <a:stretch>
+            <a:fillRect/>
+          </a:stretch>
+        </p:blipFill>
+        <p:spPr>
+          <a:xfrm>
+            <a:off x="8407225" y="2322108"/>
+            <a:ext cx="3596531" cy="2759996"/>
+          </a:xfrm>
+          <a:prstGeom prst="rect">
+            <a:avLst/>
+          </a:prstGeom>
+        </p:spPr>
+      </p:pic>
     </p:spTree>
     <p:extLst>
       <p:ext uri="{BB962C8B-B14F-4D97-AF65-F5344CB8AC3E}">
@@ -8921,7 +9018,7 @@
             <a:pPr algn="ctr"/>
             <a:r>
               <a:rPr lang="pt-BR" sz="1100" dirty="0"/>
-              <a:t>Pontos de Ónibus em 2024</a:t>
+              <a:t>Pontos de Ônibus em 2024</a:t>
             </a:r>
           </a:p>
         </p:txBody>
@@ -9010,6 +9107,36 @@
           <a:xfrm>
             <a:off x="4250497" y="1200563"/>
             <a:ext cx="545024" cy="545024"/>
+          </a:xfrm>
+          <a:prstGeom prst="rect">
+            <a:avLst/>
+          </a:prstGeom>
+        </p:spPr>
+      </p:pic>
+      <p:pic>
+        <p:nvPicPr>
+          <p:cNvPr id="19" name="Imagem 18">
+            <a:extLst>
+              <a:ext uri="{FF2B5EF4-FFF2-40B4-BE49-F238E27FC236}">
+                <a16:creationId xmlns:a16="http://schemas.microsoft.com/office/drawing/2014/main" id="{3E5EA87B-BC4A-DC4E-F435-9035E761A49A}"/>
+              </a:ext>
+            </a:extLst>
+          </p:cNvPr>
+          <p:cNvPicPr>
+            <a:picLocks noChangeAspect="1"/>
+          </p:cNvPicPr>
+          <p:nvPr/>
+        </p:nvPicPr>
+        <p:blipFill>
+          <a:blip r:embed="rId15"/>
+          <a:stretch>
+            <a:fillRect/>
+          </a:stretch>
+        </p:blipFill>
+        <p:spPr>
+          <a:xfrm>
+            <a:off x="8407225" y="2322108"/>
+            <a:ext cx="3596531" cy="2759996"/>
           </a:xfrm>
           <a:prstGeom prst="rect">
             <a:avLst/>
@@ -9084,7 +9211,7 @@
               <a:rPr lang="pt-BR" sz="2800" dirty="0">
                 <a:latin typeface="Aptos Black" panose="020B0004020202020204" pitchFamily="34" charset="0"/>
               </a:rPr>
-              <a:t>SPTRANS | Sistema de Numeração dos Ónibus em São Paulo</a:t>
+              <a:t>SPTRANS | Sistema de Numeração dos Ônibus em São Paulo</a:t>
             </a:r>
           </a:p>
         </p:txBody>
